--- a/Src/test-res/绘图.pptx
+++ b/Src/test-res/绘图.pptx
@@ -7,6 +7,9 @@
   <p:sldIdLst>
     <p:sldId id="256" r:id="rId2"/>
     <p:sldId id="257" r:id="rId3"/>
+    <p:sldId id="258" r:id="rId4"/>
+    <p:sldId id="260" r:id="rId5"/>
+    <p:sldId id="259" r:id="rId6"/>
   </p:sldIdLst>
   <p:sldSz cx="12192000" cy="6858000"/>
   <p:notesSz cx="6858000" cy="9144000"/>
@@ -115,6 +118,101 @@
 
 <file path=ppt/changesInfos/changesInfo1.xml><?xml version="1.0" encoding="utf-8"?>
 <pc:chgInfo xmlns:a="http://schemas.openxmlformats.org/drawingml/2006/main" xmlns:r="http://schemas.openxmlformats.org/officeDocument/2006/relationships" xmlns:ac="http://schemas.microsoft.com/office/drawing/2013/main/command" xmlns:pc="http://schemas.microsoft.com/office/powerpoint/2013/main/command">
+  <pc:docChgLst>
+    <pc:chgData name="Wade Wilson" userId="4c3e4e0cd094df8b" providerId="LiveId" clId="{3B9E2FBE-F453-42C7-925F-2D75F530432A}"/>
+    <pc:docChg chg="custSel addSld modSld">
+      <pc:chgData name="Wade Wilson" userId="4c3e4e0cd094df8b" providerId="LiveId" clId="{3B9E2FBE-F453-42C7-925F-2D75F530432A}" dt="2021-08-09T14:41:55.203" v="14" actId="208"/>
+      <pc:docMkLst>
+        <pc:docMk/>
+      </pc:docMkLst>
+      <pc:sldChg chg="addSp delSp modSp new mod">
+        <pc:chgData name="Wade Wilson" userId="4c3e4e0cd094df8b" providerId="LiveId" clId="{3B9E2FBE-F453-42C7-925F-2D75F530432A}" dt="2021-08-09T14:41:55.203" v="14" actId="208"/>
+        <pc:sldMkLst>
+          <pc:docMk/>
+          <pc:sldMk cId="2623168371" sldId="256"/>
+        </pc:sldMkLst>
+        <pc:spChg chg="del">
+          <ac:chgData name="Wade Wilson" userId="4c3e4e0cd094df8b" providerId="LiveId" clId="{3B9E2FBE-F453-42C7-925F-2D75F530432A}" dt="2021-08-09T14:39:56.906" v="1" actId="478"/>
+          <ac:spMkLst>
+            <pc:docMk/>
+            <pc:sldMk cId="2623168371" sldId="256"/>
+            <ac:spMk id="2" creationId="{DE58E2B8-BCDC-4F69-ACC2-295A204128AC}"/>
+          </ac:spMkLst>
+        </pc:spChg>
+        <pc:spChg chg="del">
+          <ac:chgData name="Wade Wilson" userId="4c3e4e0cd094df8b" providerId="LiveId" clId="{3B9E2FBE-F453-42C7-925F-2D75F530432A}" dt="2021-08-09T14:39:56.906" v="1" actId="478"/>
+          <ac:spMkLst>
+            <pc:docMk/>
+            <pc:sldMk cId="2623168371" sldId="256"/>
+            <ac:spMk id="3" creationId="{DC8E7916-39E8-4C71-8422-FC69DA882BC5}"/>
+          </ac:spMkLst>
+        </pc:spChg>
+        <pc:spChg chg="add mod ord">
+          <ac:chgData name="Wade Wilson" userId="4c3e4e0cd094df8b" providerId="LiveId" clId="{3B9E2FBE-F453-42C7-925F-2D75F530432A}" dt="2021-08-09T14:41:55.203" v="14" actId="208"/>
+          <ac:spMkLst>
+            <pc:docMk/>
+            <pc:sldMk cId="2623168371" sldId="256"/>
+            <ac:spMk id="9" creationId="{299AC9FB-A93C-4408-A7FB-C45B69DF707E}"/>
+          </ac:spMkLst>
+        </pc:spChg>
+        <pc:graphicFrameChg chg="add mod">
+          <ac:chgData name="Wade Wilson" userId="4c3e4e0cd094df8b" providerId="LiveId" clId="{3B9E2FBE-F453-42C7-925F-2D75F530432A}" dt="2021-08-09T14:39:58.781" v="7"/>
+          <ac:graphicFrameMkLst>
+            <pc:docMk/>
+            <pc:sldMk cId="2623168371" sldId="256"/>
+            <ac:graphicFrameMk id="4" creationId="{16C6D101-B936-4C9E-A0E1-036D4909417C}"/>
+          </ac:graphicFrameMkLst>
+        </pc:graphicFrameChg>
+        <pc:graphicFrameChg chg="add mod">
+          <ac:chgData name="Wade Wilson" userId="4c3e4e0cd094df8b" providerId="LiveId" clId="{3B9E2FBE-F453-42C7-925F-2D75F530432A}" dt="2021-08-09T14:39:58.781" v="7"/>
+          <ac:graphicFrameMkLst>
+            <pc:docMk/>
+            <pc:sldMk cId="2623168371" sldId="256"/>
+            <ac:graphicFrameMk id="5" creationId="{8D51AB20-DD05-489E-BF92-8ACACE248117}"/>
+          </ac:graphicFrameMkLst>
+        </pc:graphicFrameChg>
+        <pc:graphicFrameChg chg="add mod">
+          <ac:chgData name="Wade Wilson" userId="4c3e4e0cd094df8b" providerId="LiveId" clId="{3B9E2FBE-F453-42C7-925F-2D75F530432A}" dt="2021-08-09T14:39:58.781" v="7"/>
+          <ac:graphicFrameMkLst>
+            <pc:docMk/>
+            <pc:sldMk cId="2623168371" sldId="256"/>
+            <ac:graphicFrameMk id="6" creationId="{E9F21641-70A6-428B-ABF3-DAD977021792}"/>
+          </ac:graphicFrameMkLst>
+        </pc:graphicFrameChg>
+        <pc:graphicFrameChg chg="add mod">
+          <ac:chgData name="Wade Wilson" userId="4c3e4e0cd094df8b" providerId="LiveId" clId="{3B9E2FBE-F453-42C7-925F-2D75F530432A}" dt="2021-08-09T14:39:58.781" v="7"/>
+          <ac:graphicFrameMkLst>
+            <pc:docMk/>
+            <pc:sldMk cId="2623168371" sldId="256"/>
+            <ac:graphicFrameMk id="7" creationId="{2E0DD1ED-4FAB-47D2-B868-F462561CCA93}"/>
+          </ac:graphicFrameMkLst>
+        </pc:graphicFrameChg>
+        <pc:picChg chg="add mod">
+          <ac:chgData name="Wade Wilson" userId="4c3e4e0cd094df8b" providerId="LiveId" clId="{3B9E2FBE-F453-42C7-925F-2D75F530432A}" dt="2021-08-09T14:40:05.084" v="10" actId="1076"/>
+          <ac:picMkLst>
+            <pc:docMk/>
+            <pc:sldMk cId="2623168371" sldId="256"/>
+            <ac:picMk id="8" creationId="{52BC99FF-DCE5-4909-8536-8ECE5DD37A29}"/>
+          </ac:picMkLst>
+        </pc:picChg>
+      </pc:sldChg>
+      <pc:sldMasterChg chg="addSldLayout">
+        <pc:chgData name="Wade Wilson" userId="4c3e4e0cd094df8b" providerId="LiveId" clId="{3B9E2FBE-F453-42C7-925F-2D75F530432A}" dt="2021-08-09T14:39:55.574" v="0" actId="680"/>
+        <pc:sldMasterMkLst>
+          <pc:docMk/>
+          <pc:sldMasterMk cId="2685260127" sldId="2147483648"/>
+        </pc:sldMasterMkLst>
+        <pc:sldLayoutChg chg="add">
+          <pc:chgData name="Wade Wilson" userId="4c3e4e0cd094df8b" providerId="LiveId" clId="{3B9E2FBE-F453-42C7-925F-2D75F530432A}" dt="2021-08-09T14:39:55.574" v="0" actId="680"/>
+          <pc:sldLayoutMkLst>
+            <pc:docMk/>
+            <pc:sldMasterMk cId="2685260127" sldId="2147483648"/>
+            <pc:sldLayoutMk cId="597755672" sldId="2147483649"/>
+          </pc:sldLayoutMkLst>
+        </pc:sldLayoutChg>
+      </pc:sldMasterChg>
+    </pc:docChg>
+  </pc:docChgLst>
   <pc:docChgLst>
     <pc:chgData name="Wade Wilson" userId="4c3e4e0cd094df8b" providerId="LiveId" clId="{AFFEE6F3-4C96-47C0-92A2-10EA4934537E}"/>
     <pc:docChg chg="undo custSel addSld delSld modSld">
@@ -247,101 +345,6 @@
           </ac:picMkLst>
         </pc:picChg>
       </pc:sldChg>
-    </pc:docChg>
-  </pc:docChgLst>
-  <pc:docChgLst>
-    <pc:chgData name="Wade Wilson" userId="4c3e4e0cd094df8b" providerId="LiveId" clId="{3B9E2FBE-F453-42C7-925F-2D75F530432A}"/>
-    <pc:docChg chg="custSel addSld modSld">
-      <pc:chgData name="Wade Wilson" userId="4c3e4e0cd094df8b" providerId="LiveId" clId="{3B9E2FBE-F453-42C7-925F-2D75F530432A}" dt="2021-08-09T14:41:55.203" v="14" actId="208"/>
-      <pc:docMkLst>
-        <pc:docMk/>
-      </pc:docMkLst>
-      <pc:sldChg chg="addSp delSp modSp new mod">
-        <pc:chgData name="Wade Wilson" userId="4c3e4e0cd094df8b" providerId="LiveId" clId="{3B9E2FBE-F453-42C7-925F-2D75F530432A}" dt="2021-08-09T14:41:55.203" v="14" actId="208"/>
-        <pc:sldMkLst>
-          <pc:docMk/>
-          <pc:sldMk cId="2623168371" sldId="256"/>
-        </pc:sldMkLst>
-        <pc:spChg chg="del">
-          <ac:chgData name="Wade Wilson" userId="4c3e4e0cd094df8b" providerId="LiveId" clId="{3B9E2FBE-F453-42C7-925F-2D75F530432A}" dt="2021-08-09T14:39:56.906" v="1" actId="478"/>
-          <ac:spMkLst>
-            <pc:docMk/>
-            <pc:sldMk cId="2623168371" sldId="256"/>
-            <ac:spMk id="2" creationId="{DE58E2B8-BCDC-4F69-ACC2-295A204128AC}"/>
-          </ac:spMkLst>
-        </pc:spChg>
-        <pc:spChg chg="del">
-          <ac:chgData name="Wade Wilson" userId="4c3e4e0cd094df8b" providerId="LiveId" clId="{3B9E2FBE-F453-42C7-925F-2D75F530432A}" dt="2021-08-09T14:39:56.906" v="1" actId="478"/>
-          <ac:spMkLst>
-            <pc:docMk/>
-            <pc:sldMk cId="2623168371" sldId="256"/>
-            <ac:spMk id="3" creationId="{DC8E7916-39E8-4C71-8422-FC69DA882BC5}"/>
-          </ac:spMkLst>
-        </pc:spChg>
-        <pc:spChg chg="add mod ord">
-          <ac:chgData name="Wade Wilson" userId="4c3e4e0cd094df8b" providerId="LiveId" clId="{3B9E2FBE-F453-42C7-925F-2D75F530432A}" dt="2021-08-09T14:41:55.203" v="14" actId="208"/>
-          <ac:spMkLst>
-            <pc:docMk/>
-            <pc:sldMk cId="2623168371" sldId="256"/>
-            <ac:spMk id="9" creationId="{299AC9FB-A93C-4408-A7FB-C45B69DF707E}"/>
-          </ac:spMkLst>
-        </pc:spChg>
-        <pc:graphicFrameChg chg="add mod">
-          <ac:chgData name="Wade Wilson" userId="4c3e4e0cd094df8b" providerId="LiveId" clId="{3B9E2FBE-F453-42C7-925F-2D75F530432A}" dt="2021-08-09T14:39:58.781" v="7"/>
-          <ac:graphicFrameMkLst>
-            <pc:docMk/>
-            <pc:sldMk cId="2623168371" sldId="256"/>
-            <ac:graphicFrameMk id="4" creationId="{16C6D101-B936-4C9E-A0E1-036D4909417C}"/>
-          </ac:graphicFrameMkLst>
-        </pc:graphicFrameChg>
-        <pc:graphicFrameChg chg="add mod">
-          <ac:chgData name="Wade Wilson" userId="4c3e4e0cd094df8b" providerId="LiveId" clId="{3B9E2FBE-F453-42C7-925F-2D75F530432A}" dt="2021-08-09T14:39:58.781" v="7"/>
-          <ac:graphicFrameMkLst>
-            <pc:docMk/>
-            <pc:sldMk cId="2623168371" sldId="256"/>
-            <ac:graphicFrameMk id="5" creationId="{8D51AB20-DD05-489E-BF92-8ACACE248117}"/>
-          </ac:graphicFrameMkLst>
-        </pc:graphicFrameChg>
-        <pc:graphicFrameChg chg="add mod">
-          <ac:chgData name="Wade Wilson" userId="4c3e4e0cd094df8b" providerId="LiveId" clId="{3B9E2FBE-F453-42C7-925F-2D75F530432A}" dt="2021-08-09T14:39:58.781" v="7"/>
-          <ac:graphicFrameMkLst>
-            <pc:docMk/>
-            <pc:sldMk cId="2623168371" sldId="256"/>
-            <ac:graphicFrameMk id="6" creationId="{E9F21641-70A6-428B-ABF3-DAD977021792}"/>
-          </ac:graphicFrameMkLst>
-        </pc:graphicFrameChg>
-        <pc:graphicFrameChg chg="add mod">
-          <ac:chgData name="Wade Wilson" userId="4c3e4e0cd094df8b" providerId="LiveId" clId="{3B9E2FBE-F453-42C7-925F-2D75F530432A}" dt="2021-08-09T14:39:58.781" v="7"/>
-          <ac:graphicFrameMkLst>
-            <pc:docMk/>
-            <pc:sldMk cId="2623168371" sldId="256"/>
-            <ac:graphicFrameMk id="7" creationId="{2E0DD1ED-4FAB-47D2-B868-F462561CCA93}"/>
-          </ac:graphicFrameMkLst>
-        </pc:graphicFrameChg>
-        <pc:picChg chg="add mod">
-          <ac:chgData name="Wade Wilson" userId="4c3e4e0cd094df8b" providerId="LiveId" clId="{3B9E2FBE-F453-42C7-925F-2D75F530432A}" dt="2021-08-09T14:40:05.084" v="10" actId="1076"/>
-          <ac:picMkLst>
-            <pc:docMk/>
-            <pc:sldMk cId="2623168371" sldId="256"/>
-            <ac:picMk id="8" creationId="{52BC99FF-DCE5-4909-8536-8ECE5DD37A29}"/>
-          </ac:picMkLst>
-        </pc:picChg>
-      </pc:sldChg>
-      <pc:sldMasterChg chg="addSldLayout">
-        <pc:chgData name="Wade Wilson" userId="4c3e4e0cd094df8b" providerId="LiveId" clId="{3B9E2FBE-F453-42C7-925F-2D75F530432A}" dt="2021-08-09T14:39:55.574" v="0" actId="680"/>
-        <pc:sldMasterMkLst>
-          <pc:docMk/>
-          <pc:sldMasterMk cId="2685260127" sldId="2147483648"/>
-        </pc:sldMasterMkLst>
-        <pc:sldLayoutChg chg="add">
-          <pc:chgData name="Wade Wilson" userId="4c3e4e0cd094df8b" providerId="LiveId" clId="{3B9E2FBE-F453-42C7-925F-2D75F530432A}" dt="2021-08-09T14:39:55.574" v="0" actId="680"/>
-          <pc:sldLayoutMkLst>
-            <pc:docMk/>
-            <pc:sldMasterMk cId="2685260127" sldId="2147483648"/>
-            <pc:sldLayoutMk cId="597755672" sldId="2147483649"/>
-          </pc:sldLayoutMkLst>
-        </pc:sldLayoutChg>
-      </pc:sldMasterChg>
     </pc:docChg>
   </pc:docChgLst>
 </pc:chgInfo>
@@ -823,85 +826,106 @@
           <a:chExt cx="0" cy="0"/>
         </a:xfrm>
       </p:grpSpPr>
-      <p:sp>
-        <p:nvSpPr>
-          <p:cNvPr id="9" name="矩形 8">
+      <p:grpSp>
+        <p:nvGrpSpPr>
+          <p:cNvPr id="2" name="组合 1">
             <a:extLst>
               <a:ext uri="{FF2B5EF4-FFF2-40B4-BE49-F238E27FC236}">
-                <a16:creationId xmlns:a16="http://schemas.microsoft.com/office/drawing/2014/main" id="{299AC9FB-A93C-4408-A7FB-C45B69DF707E}"/>
+                <a16:creationId xmlns:a16="http://schemas.microsoft.com/office/drawing/2014/main" id="{4CA4179B-1BEA-4909-AB55-620756D38256}"/>
               </a:ext>
             </a:extLst>
           </p:cNvPr>
-          <p:cNvSpPr/>
+          <p:cNvGrpSpPr/>
           <p:nvPr/>
-        </p:nvSpPr>
-        <p:spPr>
+        </p:nvGrpSpPr>
+        <p:grpSpPr>
           <a:xfrm>
             <a:off x="0" y="0"/>
             <a:ext cx="12192000" cy="6858000"/>
+            <a:chOff x="0" y="0"/>
+            <a:chExt cx="12192000" cy="6858000"/>
           </a:xfrm>
-          <a:prstGeom prst="rect">
-            <a:avLst/>
-          </a:prstGeom>
-          <a:ln>
-            <a:solidFill>
-              <a:schemeClr val="bg1"/>
-            </a:solidFill>
-          </a:ln>
-        </p:spPr>
-        <p:style>
-          <a:lnRef idx="2">
-            <a:schemeClr val="dk1"/>
-          </a:lnRef>
-          <a:fillRef idx="1">
-            <a:schemeClr val="lt1"/>
-          </a:fillRef>
-          <a:effectRef idx="0">
-            <a:schemeClr val="dk1"/>
-          </a:effectRef>
-          <a:fontRef idx="minor">
-            <a:schemeClr val="dk1"/>
-          </a:fontRef>
-        </p:style>
-        <p:txBody>
-          <a:bodyPr rtlCol="0" anchor="ctr"/>
-          <a:lstStyle/>
-          <a:p>
-            <a:pPr algn="ctr"/>
-            <a:endParaRPr lang="zh-CN" altLang="en-US"/>
-          </a:p>
-        </p:txBody>
-      </p:sp>
-      <p:pic>
-        <p:nvPicPr>
-          <p:cNvPr id="8" name="图片 7">
-            <a:extLst>
-              <a:ext uri="{FF2B5EF4-FFF2-40B4-BE49-F238E27FC236}">
-                <a16:creationId xmlns:a16="http://schemas.microsoft.com/office/drawing/2014/main" id="{52BC99FF-DCE5-4909-8536-8ECE5DD37A29}"/>
-              </a:ext>
-            </a:extLst>
-          </p:cNvPr>
-          <p:cNvPicPr>
-            <a:picLocks noChangeAspect="1"/>
-          </p:cNvPicPr>
-          <p:nvPr/>
-        </p:nvPicPr>
-        <p:blipFill>
-          <a:blip r:embed="rId2"/>
-          <a:stretch>
-            <a:fillRect/>
-          </a:stretch>
-        </p:blipFill>
-        <p:spPr>
-          <a:xfrm>
-            <a:off x="1060267" y="481328"/>
-            <a:ext cx="10071465" cy="5895343"/>
-          </a:xfrm>
-          <a:prstGeom prst="rect">
-            <a:avLst/>
-          </a:prstGeom>
-        </p:spPr>
-      </p:pic>
+        </p:grpSpPr>
+        <p:sp>
+          <p:nvSpPr>
+            <p:cNvPr id="9" name="矩形 8">
+              <a:extLst>
+                <a:ext uri="{FF2B5EF4-FFF2-40B4-BE49-F238E27FC236}">
+                  <a16:creationId xmlns:a16="http://schemas.microsoft.com/office/drawing/2014/main" id="{299AC9FB-A93C-4408-A7FB-C45B69DF707E}"/>
+                </a:ext>
+              </a:extLst>
+            </p:cNvPr>
+            <p:cNvSpPr/>
+            <p:nvPr/>
+          </p:nvSpPr>
+          <p:spPr>
+            <a:xfrm>
+              <a:off x="0" y="0"/>
+              <a:ext cx="12192000" cy="6858000"/>
+            </a:xfrm>
+            <a:prstGeom prst="rect">
+              <a:avLst/>
+            </a:prstGeom>
+            <a:ln>
+              <a:solidFill>
+                <a:schemeClr val="bg1"/>
+              </a:solidFill>
+            </a:ln>
+          </p:spPr>
+          <p:style>
+            <a:lnRef idx="2">
+              <a:schemeClr val="dk1"/>
+            </a:lnRef>
+            <a:fillRef idx="1">
+              <a:schemeClr val="lt1"/>
+            </a:fillRef>
+            <a:effectRef idx="0">
+              <a:schemeClr val="dk1"/>
+            </a:effectRef>
+            <a:fontRef idx="minor">
+              <a:schemeClr val="dk1"/>
+            </a:fontRef>
+          </p:style>
+          <p:txBody>
+            <a:bodyPr rtlCol="0" anchor="ctr"/>
+            <a:lstStyle/>
+            <a:p>
+              <a:pPr algn="ctr"/>
+              <a:endParaRPr lang="zh-CN" altLang="en-US"/>
+            </a:p>
+          </p:txBody>
+        </p:sp>
+        <p:pic>
+          <p:nvPicPr>
+            <p:cNvPr id="8" name="图片 7">
+              <a:extLst>
+                <a:ext uri="{FF2B5EF4-FFF2-40B4-BE49-F238E27FC236}">
+                  <a16:creationId xmlns:a16="http://schemas.microsoft.com/office/drawing/2014/main" id="{52BC99FF-DCE5-4909-8536-8ECE5DD37A29}"/>
+                </a:ext>
+              </a:extLst>
+            </p:cNvPr>
+            <p:cNvPicPr>
+              <a:picLocks noChangeAspect="1"/>
+            </p:cNvPicPr>
+            <p:nvPr/>
+          </p:nvPicPr>
+          <p:blipFill>
+            <a:blip r:embed="rId2"/>
+            <a:stretch>
+              <a:fillRect/>
+            </a:stretch>
+          </p:blipFill>
+          <p:spPr>
+            <a:xfrm>
+              <a:off x="1060267" y="481328"/>
+              <a:ext cx="10071465" cy="5895343"/>
+            </a:xfrm>
+            <a:prstGeom prst="rect">
+              <a:avLst/>
+            </a:prstGeom>
+          </p:spPr>
+        </p:pic>
+      </p:grpSp>
     </p:spTree>
     <p:extLst>
       <p:ext uri="{BB962C8B-B14F-4D97-AF65-F5344CB8AC3E}">
@@ -932,12 +956,402 @@
           <a:chExt cx="0" cy="0"/>
         </a:xfrm>
       </p:grpSpPr>
+      <p:grpSp>
+        <p:nvGrpSpPr>
+          <p:cNvPr id="2" name="组合 1">
+            <a:extLst>
+              <a:ext uri="{FF2B5EF4-FFF2-40B4-BE49-F238E27FC236}">
+                <a16:creationId xmlns:a16="http://schemas.microsoft.com/office/drawing/2014/main" id="{1BBAFED1-8B95-489A-8238-984D6AB8F2B0}"/>
+              </a:ext>
+            </a:extLst>
+          </p:cNvPr>
+          <p:cNvGrpSpPr/>
+          <p:nvPr/>
+        </p:nvGrpSpPr>
+        <p:grpSpPr>
+          <a:xfrm>
+            <a:off x="0" y="0"/>
+            <a:ext cx="12192000" cy="6858000"/>
+            <a:chOff x="0" y="0"/>
+            <a:chExt cx="12192000" cy="6858000"/>
+          </a:xfrm>
+        </p:grpSpPr>
+        <p:sp>
+          <p:nvSpPr>
+            <p:cNvPr id="9" name="矩形 8">
+              <a:extLst>
+                <a:ext uri="{FF2B5EF4-FFF2-40B4-BE49-F238E27FC236}">
+                  <a16:creationId xmlns:a16="http://schemas.microsoft.com/office/drawing/2014/main" id="{299AC9FB-A93C-4408-A7FB-C45B69DF707E}"/>
+                </a:ext>
+              </a:extLst>
+            </p:cNvPr>
+            <p:cNvSpPr/>
+            <p:nvPr/>
+          </p:nvSpPr>
+          <p:spPr>
+            <a:xfrm>
+              <a:off x="0" y="0"/>
+              <a:ext cx="12192000" cy="6858000"/>
+            </a:xfrm>
+            <a:prstGeom prst="rect">
+              <a:avLst/>
+            </a:prstGeom>
+            <a:ln>
+              <a:solidFill>
+                <a:schemeClr val="bg1"/>
+              </a:solidFill>
+            </a:ln>
+          </p:spPr>
+          <p:style>
+            <a:lnRef idx="2">
+              <a:schemeClr val="dk1"/>
+            </a:lnRef>
+            <a:fillRef idx="1">
+              <a:schemeClr val="lt1"/>
+            </a:fillRef>
+            <a:effectRef idx="0">
+              <a:schemeClr val="dk1"/>
+            </a:effectRef>
+            <a:fontRef idx="minor">
+              <a:schemeClr val="dk1"/>
+            </a:fontRef>
+          </p:style>
+          <p:txBody>
+            <a:bodyPr rtlCol="0" anchor="ctr"/>
+            <a:lstStyle/>
+            <a:p>
+              <a:pPr algn="ctr"/>
+              <a:endParaRPr lang="zh-CN" altLang="en-US"/>
+            </a:p>
+          </p:txBody>
+        </p:sp>
+        <p:pic>
+          <p:nvPicPr>
+            <p:cNvPr id="3" name="图片 2">
+              <a:extLst>
+                <a:ext uri="{FF2B5EF4-FFF2-40B4-BE49-F238E27FC236}">
+                  <a16:creationId xmlns:a16="http://schemas.microsoft.com/office/drawing/2014/main" id="{384A23C9-E400-4007-98E2-5A3DC4A4E060}"/>
+                </a:ext>
+              </a:extLst>
+            </p:cNvPr>
+            <p:cNvPicPr>
+              <a:picLocks noChangeAspect="1"/>
+            </p:cNvPicPr>
+            <p:nvPr/>
+          </p:nvPicPr>
+          <p:blipFill>
+            <a:blip r:embed="rId2"/>
+            <a:stretch>
+              <a:fillRect/>
+            </a:stretch>
+          </p:blipFill>
+          <p:spPr>
+            <a:xfrm>
+              <a:off x="1060267" y="2060329"/>
+              <a:ext cx="10071465" cy="2737341"/>
+            </a:xfrm>
+            <a:prstGeom prst="rect">
+              <a:avLst/>
+            </a:prstGeom>
+          </p:spPr>
+        </p:pic>
+      </p:grpSp>
+    </p:spTree>
+    <p:extLst>
+      <p:ext uri="{BB962C8B-B14F-4D97-AF65-F5344CB8AC3E}">
+        <p14:creationId xmlns:p14="http://schemas.microsoft.com/office/powerpoint/2010/main" val="3853203579"/>
+      </p:ext>
+    </p:extLst>
+  </p:cSld>
+  <p:clrMapOvr>
+    <a:masterClrMapping/>
+  </p:clrMapOvr>
+</p:sld>
+</file>
+
+<file path=ppt/slides/slide3.xml><?xml version="1.0" encoding="utf-8"?>
+<p:sld xmlns:a="http://schemas.openxmlformats.org/drawingml/2006/main" xmlns:r="http://schemas.openxmlformats.org/officeDocument/2006/relationships" xmlns:p="http://schemas.openxmlformats.org/presentationml/2006/main">
+  <p:cSld>
+    <p:spTree>
+      <p:nvGrpSpPr>
+        <p:cNvPr id="1" name=""/>
+        <p:cNvGrpSpPr/>
+        <p:nvPr/>
+      </p:nvGrpSpPr>
+      <p:grpSpPr>
+        <a:xfrm>
+          <a:off x="0" y="0"/>
+          <a:ext cx="0" cy="0"/>
+          <a:chOff x="0" y="0"/>
+          <a:chExt cx="0" cy="0"/>
+        </a:xfrm>
+      </p:grpSpPr>
+      <p:grpSp>
+        <p:nvGrpSpPr>
+          <p:cNvPr id="12" name="组合 11">
+            <a:extLst>
+              <a:ext uri="{FF2B5EF4-FFF2-40B4-BE49-F238E27FC236}">
+                <a16:creationId xmlns:a16="http://schemas.microsoft.com/office/drawing/2014/main" id="{28172F24-0B00-4E03-8B88-34A801789E1C}"/>
+              </a:ext>
+            </a:extLst>
+          </p:cNvPr>
+          <p:cNvGrpSpPr/>
+          <p:nvPr/>
+        </p:nvGrpSpPr>
+        <p:grpSpPr>
+          <a:xfrm>
+            <a:off x="0" y="0"/>
+            <a:ext cx="12192000" cy="6858000"/>
+            <a:chOff x="0" y="0"/>
+            <a:chExt cx="12192000" cy="6858000"/>
+          </a:xfrm>
+        </p:grpSpPr>
+        <p:sp>
+          <p:nvSpPr>
+            <p:cNvPr id="6" name="矩形 5">
+              <a:extLst>
+                <a:ext uri="{FF2B5EF4-FFF2-40B4-BE49-F238E27FC236}">
+                  <a16:creationId xmlns:a16="http://schemas.microsoft.com/office/drawing/2014/main" id="{9B2984EA-C2AA-425C-B337-54F96B12D21B}"/>
+                </a:ext>
+              </a:extLst>
+            </p:cNvPr>
+            <p:cNvSpPr/>
+            <p:nvPr/>
+          </p:nvSpPr>
+          <p:spPr>
+            <a:xfrm>
+              <a:off x="0" y="0"/>
+              <a:ext cx="12192000" cy="6858000"/>
+            </a:xfrm>
+            <a:prstGeom prst="rect">
+              <a:avLst/>
+            </a:prstGeom>
+            <a:ln>
+              <a:solidFill>
+                <a:schemeClr val="bg1"/>
+              </a:solidFill>
+            </a:ln>
+          </p:spPr>
+          <p:style>
+            <a:lnRef idx="2">
+              <a:schemeClr val="dk1"/>
+            </a:lnRef>
+            <a:fillRef idx="1">
+              <a:schemeClr val="lt1"/>
+            </a:fillRef>
+            <a:effectRef idx="0">
+              <a:schemeClr val="dk1"/>
+            </a:effectRef>
+            <a:fontRef idx="minor">
+              <a:schemeClr val="dk1"/>
+            </a:fontRef>
+          </p:style>
+          <p:txBody>
+            <a:bodyPr rtlCol="0" anchor="ctr"/>
+            <a:lstStyle/>
+            <a:p>
+              <a:pPr algn="ctr"/>
+              <a:endParaRPr lang="zh-CN" altLang="en-US"/>
+            </a:p>
+          </p:txBody>
+        </p:sp>
+        <p:pic>
+          <p:nvPicPr>
+            <p:cNvPr id="11" name="图片 10">
+              <a:extLst>
+                <a:ext uri="{FF2B5EF4-FFF2-40B4-BE49-F238E27FC236}">
+                  <a16:creationId xmlns:a16="http://schemas.microsoft.com/office/drawing/2014/main" id="{B65FB16A-D4F8-40AD-A96C-8D5850AC336D}"/>
+                </a:ext>
+              </a:extLst>
+            </p:cNvPr>
+            <p:cNvPicPr>
+              <a:picLocks noChangeAspect="1"/>
+            </p:cNvPicPr>
+            <p:nvPr/>
+          </p:nvPicPr>
+          <p:blipFill>
+            <a:blip r:embed="rId2"/>
+            <a:stretch>
+              <a:fillRect/>
+            </a:stretch>
+          </p:blipFill>
+          <p:spPr>
+            <a:xfrm>
+              <a:off x="1054171" y="2048136"/>
+              <a:ext cx="10083658" cy="2761727"/>
+            </a:xfrm>
+            <a:prstGeom prst="rect">
+              <a:avLst/>
+            </a:prstGeom>
+          </p:spPr>
+        </p:pic>
+      </p:grpSp>
+    </p:spTree>
+    <p:extLst>
+      <p:ext uri="{BB962C8B-B14F-4D97-AF65-F5344CB8AC3E}">
+        <p14:creationId xmlns:p14="http://schemas.microsoft.com/office/powerpoint/2010/main" val="666006326"/>
+      </p:ext>
+    </p:extLst>
+  </p:cSld>
+  <p:clrMapOvr>
+    <a:masterClrMapping/>
+  </p:clrMapOvr>
+</p:sld>
+</file>
+
+<file path=ppt/slides/slide4.xml><?xml version="1.0" encoding="utf-8"?>
+<p:sld xmlns:a="http://schemas.openxmlformats.org/drawingml/2006/main" xmlns:r="http://schemas.openxmlformats.org/officeDocument/2006/relationships" xmlns:p="http://schemas.openxmlformats.org/presentationml/2006/main">
+  <p:cSld>
+    <p:spTree>
+      <p:nvGrpSpPr>
+        <p:cNvPr id="1" name=""/>
+        <p:cNvGrpSpPr/>
+        <p:nvPr/>
+      </p:nvGrpSpPr>
+      <p:grpSpPr>
+        <a:xfrm>
+          <a:off x="0" y="0"/>
+          <a:ext cx="0" cy="0"/>
+          <a:chOff x="0" y="0"/>
+          <a:chExt cx="0" cy="0"/>
+        </a:xfrm>
+      </p:grpSpPr>
+      <p:grpSp>
+        <p:nvGrpSpPr>
+          <p:cNvPr id="8" name="组合 7">
+            <a:extLst>
+              <a:ext uri="{FF2B5EF4-FFF2-40B4-BE49-F238E27FC236}">
+                <a16:creationId xmlns:a16="http://schemas.microsoft.com/office/drawing/2014/main" id="{ACC4C0A6-D139-4A1A-AE0B-9F37DF9C6567}"/>
+              </a:ext>
+            </a:extLst>
+          </p:cNvPr>
+          <p:cNvGrpSpPr/>
+          <p:nvPr/>
+        </p:nvGrpSpPr>
+        <p:grpSpPr>
+          <a:xfrm>
+            <a:off x="0" y="0"/>
+            <a:ext cx="12192000" cy="6858000"/>
+            <a:chOff x="0" y="0"/>
+            <a:chExt cx="12192000" cy="6858000"/>
+          </a:xfrm>
+        </p:grpSpPr>
+        <p:sp>
+          <p:nvSpPr>
+            <p:cNvPr id="4" name="矩形 3">
+              <a:extLst>
+                <a:ext uri="{FF2B5EF4-FFF2-40B4-BE49-F238E27FC236}">
+                  <a16:creationId xmlns:a16="http://schemas.microsoft.com/office/drawing/2014/main" id="{484C170C-C27A-41A3-87FD-8FCFA00E8810}"/>
+                </a:ext>
+              </a:extLst>
+            </p:cNvPr>
+            <p:cNvSpPr/>
+            <p:nvPr/>
+          </p:nvSpPr>
+          <p:spPr>
+            <a:xfrm>
+              <a:off x="0" y="0"/>
+              <a:ext cx="12192000" cy="6858000"/>
+            </a:xfrm>
+            <a:prstGeom prst="rect">
+              <a:avLst/>
+            </a:prstGeom>
+            <a:ln>
+              <a:solidFill>
+                <a:schemeClr val="bg1"/>
+              </a:solidFill>
+            </a:ln>
+          </p:spPr>
+          <p:style>
+            <a:lnRef idx="2">
+              <a:schemeClr val="dk1"/>
+            </a:lnRef>
+            <a:fillRef idx="1">
+              <a:schemeClr val="lt1"/>
+            </a:fillRef>
+            <a:effectRef idx="0">
+              <a:schemeClr val="dk1"/>
+            </a:effectRef>
+            <a:fontRef idx="minor">
+              <a:schemeClr val="dk1"/>
+            </a:fontRef>
+          </p:style>
+          <p:txBody>
+            <a:bodyPr rtlCol="0" anchor="ctr"/>
+            <a:lstStyle/>
+            <a:p>
+              <a:pPr algn="ctr"/>
+              <a:endParaRPr lang="zh-CN" altLang="en-US"/>
+            </a:p>
+          </p:txBody>
+        </p:sp>
+        <p:pic>
+          <p:nvPicPr>
+            <p:cNvPr id="7" name="图片 6">
+              <a:extLst>
+                <a:ext uri="{FF2B5EF4-FFF2-40B4-BE49-F238E27FC236}">
+                  <a16:creationId xmlns:a16="http://schemas.microsoft.com/office/drawing/2014/main" id="{4FBCFF54-3F51-4033-A87B-26CE8E51985D}"/>
+                </a:ext>
+              </a:extLst>
+            </p:cNvPr>
+            <p:cNvPicPr>
+              <a:picLocks noChangeAspect="1"/>
+            </p:cNvPicPr>
+            <p:nvPr/>
+          </p:nvPicPr>
+          <p:blipFill>
+            <a:blip r:embed="rId2"/>
+            <a:stretch>
+              <a:fillRect/>
+            </a:stretch>
+          </p:blipFill>
+          <p:spPr>
+            <a:xfrm>
+              <a:off x="3803705" y="2051184"/>
+              <a:ext cx="4584589" cy="2755631"/>
+            </a:xfrm>
+            <a:prstGeom prst="rect">
+              <a:avLst/>
+            </a:prstGeom>
+          </p:spPr>
+        </p:pic>
+      </p:grpSp>
+    </p:spTree>
+    <p:extLst>
+      <p:ext uri="{BB962C8B-B14F-4D97-AF65-F5344CB8AC3E}">
+        <p14:creationId xmlns:p14="http://schemas.microsoft.com/office/powerpoint/2010/main" val="128291125"/>
+      </p:ext>
+    </p:extLst>
+  </p:cSld>
+  <p:clrMapOvr>
+    <a:masterClrMapping/>
+  </p:clrMapOvr>
+</p:sld>
+</file>
+
+<file path=ppt/slides/slide5.xml><?xml version="1.0" encoding="utf-8"?>
+<p:sld xmlns:a="http://schemas.openxmlformats.org/drawingml/2006/main" xmlns:r="http://schemas.openxmlformats.org/officeDocument/2006/relationships" xmlns:p="http://schemas.openxmlformats.org/presentationml/2006/main">
+  <p:cSld>
+    <p:spTree>
+      <p:nvGrpSpPr>
+        <p:cNvPr id="1" name=""/>
+        <p:cNvGrpSpPr/>
+        <p:nvPr/>
+      </p:nvGrpSpPr>
+      <p:grpSpPr>
+        <a:xfrm>
+          <a:off x="0" y="0"/>
+          <a:ext cx="0" cy="0"/>
+          <a:chOff x="0" y="0"/>
+          <a:chExt cx="0" cy="0"/>
+        </a:xfrm>
+      </p:grpSpPr>
       <p:sp>
         <p:nvSpPr>
-          <p:cNvPr id="9" name="矩形 8">
+          <p:cNvPr id="4" name="矩形 3">
             <a:extLst>
               <a:ext uri="{FF2B5EF4-FFF2-40B4-BE49-F238E27FC236}">
-                <a16:creationId xmlns:a16="http://schemas.microsoft.com/office/drawing/2014/main" id="{299AC9FB-A93C-4408-A7FB-C45B69DF707E}"/>
+                <a16:creationId xmlns:a16="http://schemas.microsoft.com/office/drawing/2014/main" id="{4D05F4A8-2B00-46AE-B556-F57B2966D2FB}"/>
               </a:ext>
             </a:extLst>
           </p:cNvPr>
@@ -946,30 +1360,27 @@
         </p:nvSpPr>
         <p:spPr>
           <a:xfrm>
-            <a:off x="0" y="0"/>
-            <a:ext cx="12192000" cy="6858000"/>
+            <a:off x="933253" y="1348031"/>
+            <a:ext cx="3091992" cy="1025165"/>
           </a:xfrm>
           <a:prstGeom prst="rect">
             <a:avLst/>
           </a:prstGeom>
-          <a:ln>
-            <a:solidFill>
-              <a:schemeClr val="bg1"/>
-            </a:solidFill>
-          </a:ln>
         </p:spPr>
         <p:style>
           <a:lnRef idx="2">
-            <a:schemeClr val="dk1"/>
+            <a:schemeClr val="accent1">
+              <a:shade val="50000"/>
+            </a:schemeClr>
           </a:lnRef>
           <a:fillRef idx="1">
-            <a:schemeClr val="lt1"/>
+            <a:schemeClr val="accent1"/>
           </a:fillRef>
           <a:effectRef idx="0">
-            <a:schemeClr val="dk1"/>
+            <a:schemeClr val="accent1"/>
           </a:effectRef>
           <a:fontRef idx="minor">
-            <a:schemeClr val="dk1"/>
+            <a:schemeClr val="lt1"/>
           </a:fontRef>
         </p:style>
         <p:txBody>
@@ -981,40 +1392,654 @@
           </a:p>
         </p:txBody>
       </p:sp>
-      <p:pic>
-        <p:nvPicPr>
-          <p:cNvPr id="3" name="图片 2">
+      <p:sp>
+        <p:nvSpPr>
+          <p:cNvPr id="5" name="矩形 4">
             <a:extLst>
               <a:ext uri="{FF2B5EF4-FFF2-40B4-BE49-F238E27FC236}">
-                <a16:creationId xmlns:a16="http://schemas.microsoft.com/office/drawing/2014/main" id="{384A23C9-E400-4007-98E2-5A3DC4A4E060}"/>
+                <a16:creationId xmlns:a16="http://schemas.microsoft.com/office/drawing/2014/main" id="{89E74A4C-B375-4C94-8D5C-8679A84B06BF}"/>
               </a:ext>
             </a:extLst>
           </p:cNvPr>
-          <p:cNvPicPr>
-            <a:picLocks noChangeAspect="1"/>
-          </p:cNvPicPr>
+          <p:cNvSpPr/>
           <p:nvPr/>
-        </p:nvPicPr>
-        <p:blipFill>
-          <a:blip r:embed="rId2"/>
-          <a:stretch>
-            <a:fillRect/>
-          </a:stretch>
-        </p:blipFill>
+        </p:nvSpPr>
         <p:spPr>
           <a:xfrm>
-            <a:off x="1060267" y="2060329"/>
-            <a:ext cx="10071465" cy="2737341"/>
+            <a:off x="4394463" y="1348030"/>
+            <a:ext cx="2909739" cy="1025165"/>
           </a:xfrm>
           <a:prstGeom prst="rect">
             <a:avLst/>
           </a:prstGeom>
         </p:spPr>
-      </p:pic>
+        <p:style>
+          <a:lnRef idx="2">
+            <a:schemeClr val="accent1">
+              <a:shade val="50000"/>
+            </a:schemeClr>
+          </a:lnRef>
+          <a:fillRef idx="1">
+            <a:schemeClr val="accent1"/>
+          </a:fillRef>
+          <a:effectRef idx="0">
+            <a:schemeClr val="accent1"/>
+          </a:effectRef>
+          <a:fontRef idx="minor">
+            <a:schemeClr val="lt1"/>
+          </a:fontRef>
+        </p:style>
+        <p:txBody>
+          <a:bodyPr rtlCol="0" anchor="ctr"/>
+          <a:lstStyle/>
+          <a:p>
+            <a:pPr algn="ctr"/>
+            <a:endParaRPr lang="zh-CN" altLang="en-US"/>
+          </a:p>
+        </p:txBody>
+      </p:sp>
+      <p:sp>
+        <p:nvSpPr>
+          <p:cNvPr id="6" name="矩形 5">
+            <a:extLst>
+              <a:ext uri="{FF2B5EF4-FFF2-40B4-BE49-F238E27FC236}">
+                <a16:creationId xmlns:a16="http://schemas.microsoft.com/office/drawing/2014/main" id="{ADFA5CC9-46ED-48F4-87B5-EF06B3CAF56A}"/>
+              </a:ext>
+            </a:extLst>
+          </p:cNvPr>
+          <p:cNvSpPr/>
+          <p:nvPr/>
+        </p:nvSpPr>
+        <p:spPr>
+          <a:xfrm>
+            <a:off x="7855673" y="1348029"/>
+            <a:ext cx="2909739" cy="1025165"/>
+          </a:xfrm>
+          <a:prstGeom prst="rect">
+            <a:avLst/>
+          </a:prstGeom>
+        </p:spPr>
+        <p:style>
+          <a:lnRef idx="2">
+            <a:schemeClr val="accent1">
+              <a:shade val="50000"/>
+            </a:schemeClr>
+          </a:lnRef>
+          <a:fillRef idx="1">
+            <a:schemeClr val="accent1"/>
+          </a:fillRef>
+          <a:effectRef idx="0">
+            <a:schemeClr val="accent1"/>
+          </a:effectRef>
+          <a:fontRef idx="minor">
+            <a:schemeClr val="lt1"/>
+          </a:fontRef>
+        </p:style>
+        <p:txBody>
+          <a:bodyPr rtlCol="0" anchor="ctr"/>
+          <a:lstStyle/>
+          <a:p>
+            <a:pPr algn="ctr"/>
+            <a:endParaRPr lang="zh-CN" altLang="en-US"/>
+          </a:p>
+        </p:txBody>
+      </p:sp>
+      <p:sp>
+        <p:nvSpPr>
+          <p:cNvPr id="7" name="矩形 6">
+            <a:extLst>
+              <a:ext uri="{FF2B5EF4-FFF2-40B4-BE49-F238E27FC236}">
+                <a16:creationId xmlns:a16="http://schemas.microsoft.com/office/drawing/2014/main" id="{A4B981E3-1899-45B2-A7B5-290B0EE68F04}"/>
+              </a:ext>
+            </a:extLst>
+          </p:cNvPr>
+          <p:cNvSpPr/>
+          <p:nvPr/>
+        </p:nvSpPr>
+        <p:spPr>
+          <a:xfrm>
+            <a:off x="933253" y="1348029"/>
+            <a:ext cx="493335" cy="1025165"/>
+          </a:xfrm>
+          <a:prstGeom prst="rect">
+            <a:avLst/>
+          </a:prstGeom>
+        </p:spPr>
+        <p:style>
+          <a:lnRef idx="2">
+            <a:schemeClr val="accent2">
+              <a:shade val="50000"/>
+            </a:schemeClr>
+          </a:lnRef>
+          <a:fillRef idx="1">
+            <a:schemeClr val="accent2"/>
+          </a:fillRef>
+          <a:effectRef idx="0">
+            <a:schemeClr val="accent2"/>
+          </a:effectRef>
+          <a:fontRef idx="minor">
+            <a:schemeClr val="lt1"/>
+          </a:fontRef>
+        </p:style>
+        <p:txBody>
+          <a:bodyPr rtlCol="0" anchor="ctr"/>
+          <a:lstStyle/>
+          <a:p>
+            <a:pPr algn="ctr"/>
+            <a:endParaRPr lang="zh-CN" altLang="en-US"/>
+          </a:p>
+        </p:txBody>
+      </p:sp>
+      <p:sp>
+        <p:nvSpPr>
+          <p:cNvPr id="8" name="矩形 7">
+            <a:extLst>
+              <a:ext uri="{FF2B5EF4-FFF2-40B4-BE49-F238E27FC236}">
+                <a16:creationId xmlns:a16="http://schemas.microsoft.com/office/drawing/2014/main" id="{95F243C6-F271-449D-AD6D-0C4904B33B68}"/>
+              </a:ext>
+            </a:extLst>
+          </p:cNvPr>
+          <p:cNvSpPr/>
+          <p:nvPr/>
+        </p:nvSpPr>
+        <p:spPr>
+          <a:xfrm>
+            <a:off x="1426588" y="1348029"/>
+            <a:ext cx="493335" cy="1025165"/>
+          </a:xfrm>
+          <a:prstGeom prst="rect">
+            <a:avLst/>
+          </a:prstGeom>
+        </p:spPr>
+        <p:style>
+          <a:lnRef idx="2">
+            <a:schemeClr val="accent2">
+              <a:shade val="50000"/>
+            </a:schemeClr>
+          </a:lnRef>
+          <a:fillRef idx="1">
+            <a:schemeClr val="accent2"/>
+          </a:fillRef>
+          <a:effectRef idx="0">
+            <a:schemeClr val="accent2"/>
+          </a:effectRef>
+          <a:fontRef idx="minor">
+            <a:schemeClr val="lt1"/>
+          </a:fontRef>
+        </p:style>
+        <p:txBody>
+          <a:bodyPr rtlCol="0" anchor="ctr"/>
+          <a:lstStyle/>
+          <a:p>
+            <a:pPr algn="ctr"/>
+            <a:endParaRPr lang="zh-CN" altLang="en-US"/>
+          </a:p>
+        </p:txBody>
+      </p:sp>
+      <p:sp>
+        <p:nvSpPr>
+          <p:cNvPr id="9" name="矩形 8">
+            <a:extLst>
+              <a:ext uri="{FF2B5EF4-FFF2-40B4-BE49-F238E27FC236}">
+                <a16:creationId xmlns:a16="http://schemas.microsoft.com/office/drawing/2014/main" id="{B67EF099-A17F-4C08-9E50-171CA1C8E24C}"/>
+              </a:ext>
+            </a:extLst>
+          </p:cNvPr>
+          <p:cNvSpPr/>
+          <p:nvPr/>
+        </p:nvSpPr>
+        <p:spPr>
+          <a:xfrm>
+            <a:off x="1919923" y="1348029"/>
+            <a:ext cx="493335" cy="1025165"/>
+          </a:xfrm>
+          <a:prstGeom prst="rect">
+            <a:avLst/>
+          </a:prstGeom>
+        </p:spPr>
+        <p:style>
+          <a:lnRef idx="2">
+            <a:schemeClr val="accent2">
+              <a:shade val="50000"/>
+            </a:schemeClr>
+          </a:lnRef>
+          <a:fillRef idx="1">
+            <a:schemeClr val="accent2"/>
+          </a:fillRef>
+          <a:effectRef idx="0">
+            <a:schemeClr val="accent2"/>
+          </a:effectRef>
+          <a:fontRef idx="minor">
+            <a:schemeClr val="lt1"/>
+          </a:fontRef>
+        </p:style>
+        <p:txBody>
+          <a:bodyPr rtlCol="0" anchor="ctr"/>
+          <a:lstStyle/>
+          <a:p>
+            <a:pPr algn="ctr"/>
+            <a:endParaRPr lang="zh-CN" altLang="en-US"/>
+          </a:p>
+        </p:txBody>
+      </p:sp>
+      <p:sp>
+        <p:nvSpPr>
+          <p:cNvPr id="10" name="矩形 9">
+            <a:extLst>
+              <a:ext uri="{FF2B5EF4-FFF2-40B4-BE49-F238E27FC236}">
+                <a16:creationId xmlns:a16="http://schemas.microsoft.com/office/drawing/2014/main" id="{C236F9BE-8772-43AC-8E74-AAE36F8C8E02}"/>
+              </a:ext>
+            </a:extLst>
+          </p:cNvPr>
+          <p:cNvSpPr/>
+          <p:nvPr/>
+        </p:nvSpPr>
+        <p:spPr>
+          <a:xfrm>
+            <a:off x="2413258" y="1348025"/>
+            <a:ext cx="493335" cy="1025165"/>
+          </a:xfrm>
+          <a:prstGeom prst="rect">
+            <a:avLst/>
+          </a:prstGeom>
+        </p:spPr>
+        <p:style>
+          <a:lnRef idx="2">
+            <a:schemeClr val="accent2">
+              <a:shade val="50000"/>
+            </a:schemeClr>
+          </a:lnRef>
+          <a:fillRef idx="1">
+            <a:schemeClr val="accent2"/>
+          </a:fillRef>
+          <a:effectRef idx="0">
+            <a:schemeClr val="accent2"/>
+          </a:effectRef>
+          <a:fontRef idx="minor">
+            <a:schemeClr val="lt1"/>
+          </a:fontRef>
+        </p:style>
+        <p:txBody>
+          <a:bodyPr rtlCol="0" anchor="ctr"/>
+          <a:lstStyle/>
+          <a:p>
+            <a:pPr algn="ctr"/>
+            <a:endParaRPr lang="zh-CN" altLang="en-US"/>
+          </a:p>
+        </p:txBody>
+      </p:sp>
+      <p:sp>
+        <p:nvSpPr>
+          <p:cNvPr id="11" name="矩形 10">
+            <a:extLst>
+              <a:ext uri="{FF2B5EF4-FFF2-40B4-BE49-F238E27FC236}">
+                <a16:creationId xmlns:a16="http://schemas.microsoft.com/office/drawing/2014/main" id="{F77BDBEA-793A-42CA-9C5D-11641BA6FDF3}"/>
+              </a:ext>
+            </a:extLst>
+          </p:cNvPr>
+          <p:cNvSpPr/>
+          <p:nvPr/>
+        </p:nvSpPr>
+        <p:spPr>
+          <a:xfrm>
+            <a:off x="2906593" y="1348026"/>
+            <a:ext cx="493335" cy="1025165"/>
+          </a:xfrm>
+          <a:prstGeom prst="rect">
+            <a:avLst/>
+          </a:prstGeom>
+        </p:spPr>
+        <p:style>
+          <a:lnRef idx="2">
+            <a:schemeClr val="accent2">
+              <a:shade val="50000"/>
+            </a:schemeClr>
+          </a:lnRef>
+          <a:fillRef idx="1">
+            <a:schemeClr val="accent2"/>
+          </a:fillRef>
+          <a:effectRef idx="0">
+            <a:schemeClr val="accent2"/>
+          </a:effectRef>
+          <a:fontRef idx="minor">
+            <a:schemeClr val="lt1"/>
+          </a:fontRef>
+        </p:style>
+        <p:txBody>
+          <a:bodyPr rtlCol="0" anchor="ctr"/>
+          <a:lstStyle/>
+          <a:p>
+            <a:pPr algn="ctr"/>
+            <a:endParaRPr lang="zh-CN" altLang="en-US"/>
+          </a:p>
+        </p:txBody>
+      </p:sp>
+      <p:sp>
+        <p:nvSpPr>
+          <p:cNvPr id="14" name="矩形 13">
+            <a:extLst>
+              <a:ext uri="{FF2B5EF4-FFF2-40B4-BE49-F238E27FC236}">
+                <a16:creationId xmlns:a16="http://schemas.microsoft.com/office/drawing/2014/main" id="{DD1ED1D6-6527-45B2-B377-58BFFCAD45AB}"/>
+              </a:ext>
+            </a:extLst>
+          </p:cNvPr>
+          <p:cNvSpPr/>
+          <p:nvPr/>
+        </p:nvSpPr>
+        <p:spPr>
+          <a:xfrm>
+            <a:off x="3399928" y="1348025"/>
+            <a:ext cx="493335" cy="1025166"/>
+          </a:xfrm>
+          <a:prstGeom prst="rect">
+            <a:avLst/>
+          </a:prstGeom>
+        </p:spPr>
+        <p:style>
+          <a:lnRef idx="2">
+            <a:schemeClr val="accent2">
+              <a:shade val="50000"/>
+            </a:schemeClr>
+          </a:lnRef>
+          <a:fillRef idx="1">
+            <a:schemeClr val="accent2"/>
+          </a:fillRef>
+          <a:effectRef idx="0">
+            <a:schemeClr val="accent2"/>
+          </a:effectRef>
+          <a:fontRef idx="minor">
+            <a:schemeClr val="lt1"/>
+          </a:fontRef>
+        </p:style>
+        <p:txBody>
+          <a:bodyPr rtlCol="0" anchor="ctr"/>
+          <a:lstStyle/>
+          <a:p>
+            <a:pPr algn="ctr"/>
+            <a:endParaRPr lang="zh-CN" altLang="en-US"/>
+          </a:p>
+        </p:txBody>
+      </p:sp>
+      <p:sp>
+        <p:nvSpPr>
+          <p:cNvPr id="18" name="矩形 17">
+            <a:extLst>
+              <a:ext uri="{FF2B5EF4-FFF2-40B4-BE49-F238E27FC236}">
+                <a16:creationId xmlns:a16="http://schemas.microsoft.com/office/drawing/2014/main" id="{12E6DCC1-DFA2-4EB8-80C3-530DD5435DEB}"/>
+              </a:ext>
+            </a:extLst>
+          </p:cNvPr>
+          <p:cNvSpPr/>
+          <p:nvPr/>
+        </p:nvSpPr>
+        <p:spPr>
+          <a:xfrm>
+            <a:off x="933253" y="4055096"/>
+            <a:ext cx="3091992" cy="1025165"/>
+          </a:xfrm>
+          <a:prstGeom prst="rect">
+            <a:avLst/>
+          </a:prstGeom>
+        </p:spPr>
+        <p:style>
+          <a:lnRef idx="2">
+            <a:schemeClr val="accent1">
+              <a:shade val="50000"/>
+            </a:schemeClr>
+          </a:lnRef>
+          <a:fillRef idx="1">
+            <a:schemeClr val="accent1"/>
+          </a:fillRef>
+          <a:effectRef idx="0">
+            <a:schemeClr val="accent1"/>
+          </a:effectRef>
+          <a:fontRef idx="minor">
+            <a:schemeClr val="lt1"/>
+          </a:fontRef>
+        </p:style>
+        <p:txBody>
+          <a:bodyPr rtlCol="0" anchor="ctr"/>
+          <a:lstStyle/>
+          <a:p>
+            <a:pPr algn="ctr"/>
+            <a:endParaRPr lang="zh-CN" altLang="en-US"/>
+          </a:p>
+        </p:txBody>
+      </p:sp>
+      <p:sp>
+        <p:nvSpPr>
+          <p:cNvPr id="17" name="矩形 16">
+            <a:extLst>
+              <a:ext uri="{FF2B5EF4-FFF2-40B4-BE49-F238E27FC236}">
+                <a16:creationId xmlns:a16="http://schemas.microsoft.com/office/drawing/2014/main" id="{921F9741-2237-4F17-B4DE-DC99BF4AC238}"/>
+              </a:ext>
+            </a:extLst>
+          </p:cNvPr>
+          <p:cNvSpPr/>
+          <p:nvPr/>
+        </p:nvSpPr>
+        <p:spPr>
+          <a:xfrm>
+            <a:off x="933253" y="4055096"/>
+            <a:ext cx="1631621" cy="1025165"/>
+          </a:xfrm>
+          <a:prstGeom prst="rect">
+            <a:avLst/>
+          </a:prstGeom>
+        </p:spPr>
+        <p:style>
+          <a:lnRef idx="2">
+            <a:schemeClr val="accent2">
+              <a:shade val="50000"/>
+            </a:schemeClr>
+          </a:lnRef>
+          <a:fillRef idx="1">
+            <a:schemeClr val="accent2"/>
+          </a:fillRef>
+          <a:effectRef idx="0">
+            <a:schemeClr val="accent2"/>
+          </a:effectRef>
+          <a:fontRef idx="minor">
+            <a:schemeClr val="lt1"/>
+          </a:fontRef>
+        </p:style>
+        <p:txBody>
+          <a:bodyPr rtlCol="0" anchor="ctr"/>
+          <a:lstStyle/>
+          <a:p>
+            <a:pPr algn="ctr"/>
+            <a:endParaRPr lang="zh-CN" altLang="en-US"/>
+          </a:p>
+        </p:txBody>
+      </p:sp>
+      <p:sp>
+        <p:nvSpPr>
+          <p:cNvPr id="19" name="矩形 18">
+            <a:extLst>
+              <a:ext uri="{FF2B5EF4-FFF2-40B4-BE49-F238E27FC236}">
+                <a16:creationId xmlns:a16="http://schemas.microsoft.com/office/drawing/2014/main" id="{17121035-8882-4E28-837B-4A5DAEE00022}"/>
+              </a:ext>
+            </a:extLst>
+          </p:cNvPr>
+          <p:cNvSpPr/>
+          <p:nvPr/>
+        </p:nvSpPr>
+        <p:spPr>
+          <a:xfrm>
+            <a:off x="4394463" y="4052732"/>
+            <a:ext cx="2909739" cy="1025165"/>
+          </a:xfrm>
+          <a:prstGeom prst="rect">
+            <a:avLst/>
+          </a:prstGeom>
+        </p:spPr>
+        <p:style>
+          <a:lnRef idx="2">
+            <a:schemeClr val="accent1">
+              <a:shade val="50000"/>
+            </a:schemeClr>
+          </a:lnRef>
+          <a:fillRef idx="1">
+            <a:schemeClr val="accent1"/>
+          </a:fillRef>
+          <a:effectRef idx="0">
+            <a:schemeClr val="accent1"/>
+          </a:effectRef>
+          <a:fontRef idx="minor">
+            <a:schemeClr val="lt1"/>
+          </a:fontRef>
+        </p:style>
+        <p:txBody>
+          <a:bodyPr rtlCol="0" anchor="ctr"/>
+          <a:lstStyle/>
+          <a:p>
+            <a:pPr algn="ctr"/>
+            <a:endParaRPr lang="zh-CN" altLang="en-US"/>
+          </a:p>
+        </p:txBody>
+      </p:sp>
+      <p:sp>
+        <p:nvSpPr>
+          <p:cNvPr id="20" name="矩形 19">
+            <a:extLst>
+              <a:ext uri="{FF2B5EF4-FFF2-40B4-BE49-F238E27FC236}">
+                <a16:creationId xmlns:a16="http://schemas.microsoft.com/office/drawing/2014/main" id="{387C2957-4341-4699-AAC8-AA7669E8E940}"/>
+              </a:ext>
+            </a:extLst>
+          </p:cNvPr>
+          <p:cNvSpPr/>
+          <p:nvPr/>
+        </p:nvSpPr>
+        <p:spPr>
+          <a:xfrm>
+            <a:off x="4394463" y="4052732"/>
+            <a:ext cx="1631621" cy="1025165"/>
+          </a:xfrm>
+          <a:prstGeom prst="rect">
+            <a:avLst/>
+          </a:prstGeom>
+        </p:spPr>
+        <p:style>
+          <a:lnRef idx="2">
+            <a:schemeClr val="accent2">
+              <a:shade val="50000"/>
+            </a:schemeClr>
+          </a:lnRef>
+          <a:fillRef idx="1">
+            <a:schemeClr val="accent2"/>
+          </a:fillRef>
+          <a:effectRef idx="0">
+            <a:schemeClr val="accent2"/>
+          </a:effectRef>
+          <a:fontRef idx="minor">
+            <a:schemeClr val="lt1"/>
+          </a:fontRef>
+        </p:style>
+        <p:txBody>
+          <a:bodyPr rtlCol="0" anchor="ctr"/>
+          <a:lstStyle/>
+          <a:p>
+            <a:pPr algn="ctr"/>
+            <a:endParaRPr lang="zh-CN" altLang="en-US"/>
+          </a:p>
+        </p:txBody>
+      </p:sp>
+      <p:sp>
+        <p:nvSpPr>
+          <p:cNvPr id="22" name="矩形 21">
+            <a:extLst>
+              <a:ext uri="{FF2B5EF4-FFF2-40B4-BE49-F238E27FC236}">
+                <a16:creationId xmlns:a16="http://schemas.microsoft.com/office/drawing/2014/main" id="{B394F96A-E4B9-4089-B8BE-AC553D18AAF0}"/>
+              </a:ext>
+            </a:extLst>
+          </p:cNvPr>
+          <p:cNvSpPr/>
+          <p:nvPr/>
+        </p:nvSpPr>
+        <p:spPr>
+          <a:xfrm>
+            <a:off x="7855673" y="4052731"/>
+            <a:ext cx="2909739" cy="1025165"/>
+          </a:xfrm>
+          <a:prstGeom prst="rect">
+            <a:avLst/>
+          </a:prstGeom>
+        </p:spPr>
+        <p:style>
+          <a:lnRef idx="2">
+            <a:schemeClr val="accent1">
+              <a:shade val="50000"/>
+            </a:schemeClr>
+          </a:lnRef>
+          <a:fillRef idx="1">
+            <a:schemeClr val="accent1"/>
+          </a:fillRef>
+          <a:effectRef idx="0">
+            <a:schemeClr val="accent1"/>
+          </a:effectRef>
+          <a:fontRef idx="minor">
+            <a:schemeClr val="lt1"/>
+          </a:fontRef>
+        </p:style>
+        <p:txBody>
+          <a:bodyPr rtlCol="0" anchor="ctr"/>
+          <a:lstStyle/>
+          <a:p>
+            <a:pPr algn="ctr"/>
+            <a:endParaRPr lang="zh-CN" altLang="en-US"/>
+          </a:p>
+        </p:txBody>
+      </p:sp>
+      <p:sp>
+        <p:nvSpPr>
+          <p:cNvPr id="21" name="矩形 20">
+            <a:extLst>
+              <a:ext uri="{FF2B5EF4-FFF2-40B4-BE49-F238E27FC236}">
+                <a16:creationId xmlns:a16="http://schemas.microsoft.com/office/drawing/2014/main" id="{25C0AAB2-3E59-49D9-B046-3BA94FA4F996}"/>
+              </a:ext>
+            </a:extLst>
+          </p:cNvPr>
+          <p:cNvSpPr/>
+          <p:nvPr/>
+        </p:nvSpPr>
+        <p:spPr>
+          <a:xfrm>
+            <a:off x="7855673" y="4052731"/>
+            <a:ext cx="1631621" cy="1025165"/>
+          </a:xfrm>
+          <a:prstGeom prst="rect">
+            <a:avLst/>
+          </a:prstGeom>
+        </p:spPr>
+        <p:style>
+          <a:lnRef idx="2">
+            <a:schemeClr val="accent2">
+              <a:shade val="50000"/>
+            </a:schemeClr>
+          </a:lnRef>
+          <a:fillRef idx="1">
+            <a:schemeClr val="accent2"/>
+          </a:fillRef>
+          <a:effectRef idx="0">
+            <a:schemeClr val="accent2"/>
+          </a:effectRef>
+          <a:fontRef idx="minor">
+            <a:schemeClr val="lt1"/>
+          </a:fontRef>
+        </p:style>
+        <p:txBody>
+          <a:bodyPr rtlCol="0" anchor="ctr"/>
+          <a:lstStyle/>
+          <a:p>
+            <a:pPr algn="ctr"/>
+            <a:endParaRPr lang="zh-CN" altLang="en-US"/>
+          </a:p>
+        </p:txBody>
+      </p:sp>
     </p:spTree>
     <p:extLst>
       <p:ext uri="{BB962C8B-B14F-4D97-AF65-F5344CB8AC3E}">
-        <p14:creationId xmlns:p14="http://schemas.microsoft.com/office/powerpoint/2010/main" val="3853203579"/>
+        <p14:creationId xmlns:p14="http://schemas.microsoft.com/office/powerpoint/2010/main" val="744683039"/>
       </p:ext>
     </p:extLst>
   </p:cSld>

--- a/Src/test-res/绘图.pptx
+++ b/Src/test-res/绘图.pptx
@@ -4,6 +4,9 @@
   <p:sldMasterIdLst>
     <p:sldMasterId id="2147483648" r:id="rId1"/>
   </p:sldMasterIdLst>
+  <p:notesMasterIdLst>
+    <p:notesMasterId r:id="rId12"/>
+  </p:notesMasterIdLst>
   <p:sldIdLst>
     <p:sldId id="256" r:id="rId2"/>
     <p:sldId id="257" r:id="rId3"/>
@@ -376,7 +379,7 @@
           <a:lstStyle/>
           <a:p>
             <a:pPr>
-              <a:defRPr sz="1400" b="0" i="0" u="none" strike="noStrike" kern="1200" spc="0" baseline="0">
+              <a:defRPr sz="1600" b="1" i="0" u="none" strike="noStrike" kern="1200" spc="0" baseline="0">
                 <a:solidFill>
                   <a:schemeClr val="tx1">
                     <a:lumMod val="65000"/>
@@ -389,23 +392,23 @@
               </a:defRPr>
             </a:pPr>
             <a:r>
-              <a:rPr lang="zh-CN" altLang="en-US"/>
+              <a:rPr lang="zh-CN" altLang="en-US" sz="1600" b="1"/>
               <a:t>基本</a:t>
             </a:r>
             <a:r>
-              <a:rPr lang="en-US" altLang="zh-CN"/>
+              <a:rPr lang="en-US" altLang="zh-CN" sz="1600" b="1"/>
               <a:t>IO</a:t>
             </a:r>
             <a:r>
-              <a:rPr lang="zh-CN" altLang="en-US"/>
+              <a:rPr lang="zh-CN" altLang="en-US" sz="1600" b="1"/>
               <a:t>对比表 </a:t>
             </a:r>
             <a:r>
-              <a:rPr lang="en-US" altLang="zh-CN"/>
+              <a:rPr lang="en-US" altLang="zh-CN" sz="1600" b="1"/>
               <a:t>- 4</a:t>
             </a:r>
             <a:r>
-              <a:rPr lang="zh-CN" altLang="en-US"/>
+              <a:rPr lang="zh-CN" altLang="en-US" sz="1600" b="1"/>
               <a:t>者</a:t>
             </a:r>
           </a:p>
@@ -424,7 +427,7 @@
         <a:lstStyle/>
         <a:p>
           <a:pPr>
-            <a:defRPr sz="1400" b="0" i="0" u="none" strike="noStrike" kern="1200" spc="0" baseline="0">
+            <a:defRPr sz="1600" b="1" i="0" u="none" strike="noStrike" kern="1200" spc="0" baseline="0">
               <a:solidFill>
                 <a:schemeClr val="tx1">
                   <a:lumMod val="65000"/>
@@ -687,7 +690,7 @@
               <a:lstStyle/>
               <a:p>
                 <a:pPr>
-                  <a:defRPr sz="1000" b="0" i="0" u="none" strike="noStrike" kern="1200" baseline="0">
+                  <a:defRPr sz="1200" b="1" i="0" u="none" strike="noStrike" kern="1200" baseline="0">
                     <a:solidFill>
                       <a:schemeClr val="tx1">
                         <a:lumMod val="65000"/>
@@ -700,7 +703,7 @@
                   </a:defRPr>
                 </a:pPr>
                 <a:r>
-                  <a:rPr lang="zh-CN" altLang="en-US"/>
+                  <a:rPr lang="zh-CN" altLang="en-US" sz="1200" b="1"/>
                   <a:t>测试类型</a:t>
                 </a:r>
               </a:p>
@@ -719,7 +722,7 @@
             <a:lstStyle/>
             <a:p>
               <a:pPr>
-                <a:defRPr sz="1000" b="0" i="0" u="none" strike="noStrike" kern="1200" baseline="0">
+                <a:defRPr sz="1200" b="1" i="0" u="none" strike="noStrike" kern="1200" baseline="0">
                   <a:solidFill>
                     <a:schemeClr val="tx1">
                       <a:lumMod val="65000"/>
@@ -757,7 +760,7 @@
           <a:lstStyle/>
           <a:p>
             <a:pPr>
-              <a:defRPr sz="900" b="0" i="0" u="none" strike="noStrike" kern="1200" baseline="0">
+              <a:defRPr sz="1200" b="1" i="0" u="none" strike="noStrike" kern="1200" baseline="0">
                 <a:solidFill>
                   <a:schemeClr val="tx1">
                     <a:lumMod val="65000"/>
@@ -807,7 +810,7 @@
               <a:lstStyle/>
               <a:p>
                 <a:pPr>
-                  <a:defRPr sz="1000" b="0" i="0" u="none" strike="noStrike" kern="1200" baseline="0">
+                  <a:defRPr sz="1200" b="1" i="0" u="none" strike="noStrike" kern="1200" baseline="0">
                     <a:solidFill>
                       <a:schemeClr val="tx1">
                         <a:lumMod val="65000"/>
@@ -820,14 +823,14 @@
                   </a:defRPr>
                 </a:pPr>
                 <a:r>
-                  <a:rPr lang="zh-CN" altLang="en-US"/>
+                  <a:rPr lang="zh-CN" altLang="en-US" sz="1200" b="1"/>
                   <a:t>吞吐率 </a:t>
                 </a:r>
                 <a:r>
-                  <a:rPr lang="en-US" altLang="zh-CN"/>
+                  <a:rPr lang="en-US" altLang="zh-CN" sz="1200" b="1"/>
                   <a:t>(KB/s)</a:t>
                 </a:r>
-                <a:endParaRPr lang="zh-CN" altLang="en-US"/>
+                <a:endParaRPr lang="zh-CN" altLang="en-US" sz="1200" b="1"/>
               </a:p>
             </c:rich>
           </c:tx>
@@ -844,7 +847,7 @@
             <a:lstStyle/>
             <a:p>
               <a:pPr>
-                <a:defRPr sz="1000" b="0" i="0" u="none" strike="noStrike" kern="1200" baseline="0">
+                <a:defRPr sz="1200" b="1" i="0" u="none" strike="noStrike" kern="1200" baseline="0">
                   <a:solidFill>
                     <a:schemeClr val="tx1">
                       <a:lumMod val="65000"/>
@@ -876,7 +879,7 @@
           <a:lstStyle/>
           <a:p>
             <a:pPr>
-              <a:defRPr sz="900" b="0" i="0" u="none" strike="noStrike" kern="1200" baseline="0">
+              <a:defRPr sz="1200" b="1" i="0" u="none" strike="noStrike" kern="1200" baseline="0">
                 <a:solidFill>
                   <a:schemeClr val="tx1">
                     <a:lumMod val="65000"/>
@@ -905,6 +908,26 @@
     </c:plotArea>
     <c:legend>
       <c:legendPos val="b"/>
+      <c:legendEntry>
+        <c:idx val="0"/>
+        <c:txPr>
+          <a:bodyPr rot="0" spcFirstLastPara="1" vertOverflow="ellipsis" vert="horz" wrap="square" anchor="ctr" anchorCtr="1"/>
+          <a:lstStyle/>
+          <a:p>
+            <a:pPr>
+              <a:defRPr sz="1200" b="1" i="0" u="none" strike="noStrike" kern="1200" baseline="0">
+                <a:solidFill>
+                  <a:schemeClr val="tx1"/>
+                </a:solidFill>
+                <a:latin typeface="+mn-lt"/>
+                <a:ea typeface="+mn-ea"/>
+                <a:cs typeface="+mn-cs"/>
+              </a:defRPr>
+            </a:pPr>
+            <a:endParaRPr lang="zh-CN"/>
+          </a:p>
+        </c:txPr>
+      </c:legendEntry>
       <c:overlay val="0"/>
       <c:spPr>
         <a:noFill/>
@@ -918,12 +941,9 @@
         <a:lstStyle/>
         <a:p>
           <a:pPr>
-            <a:defRPr sz="900" b="0" i="0" u="none" strike="noStrike" kern="1200" baseline="0">
+            <a:defRPr sz="1200" b="1" i="0" u="none" strike="noStrike" kern="1200" baseline="0">
               <a:solidFill>
-                <a:schemeClr val="tx1">
-                  <a:lumMod val="65000"/>
-                  <a:lumOff val="35000"/>
-                </a:schemeClr>
+                <a:schemeClr val="tx1"/>
               </a:solidFill>
               <a:latin typeface="+mn-lt"/>
               <a:ea typeface="+mn-ea"/>
@@ -984,7 +1004,7 @@
           <a:lstStyle/>
           <a:p>
             <a:pPr>
-              <a:defRPr sz="1400" b="0" i="0" u="none" strike="noStrike" kern="1200" spc="0" baseline="0">
+              <a:defRPr sz="1600" b="1" i="0" u="none" strike="noStrike" kern="1200" spc="0" baseline="0">
                 <a:solidFill>
                   <a:schemeClr val="tx1">
                     <a:lumMod val="65000"/>
@@ -997,15 +1017,15 @@
               </a:defRPr>
             </a:pPr>
             <a:r>
-              <a:rPr lang="zh-CN" altLang="en-US"/>
+              <a:rPr lang="zh-CN" altLang="en-US" sz="1600" b="1"/>
               <a:t>前台</a:t>
             </a:r>
             <a:r>
-              <a:rPr lang="en-US" altLang="zh-CN"/>
+              <a:rPr lang="en-US" altLang="zh-CN" sz="1600" b="1"/>
               <a:t>GC</a:t>
             </a:r>
             <a:r>
-              <a:rPr lang="zh-CN" altLang="en-US"/>
+              <a:rPr lang="zh-CN" altLang="en-US" sz="1600" b="1"/>
               <a:t>次数对比表</a:t>
             </a:r>
           </a:p>
@@ -1024,7 +1044,7 @@
         <a:lstStyle/>
         <a:p>
           <a:pPr>
-            <a:defRPr sz="1400" b="0" i="0" u="none" strike="noStrike" kern="1200" spc="0" baseline="0">
+            <a:defRPr sz="1600" b="1" i="0" u="none" strike="noStrike" kern="1200" spc="0" baseline="0">
               <a:solidFill>
                 <a:schemeClr val="tx1">
                   <a:lumMod val="65000"/>
@@ -1203,7 +1223,7 @@
               <a:lstStyle/>
               <a:p>
                 <a:pPr>
-                  <a:defRPr sz="1000" b="0" i="0" u="none" strike="noStrike" kern="1200" baseline="0">
+                  <a:defRPr sz="1200" b="1" i="0" u="none" strike="noStrike" kern="1200" baseline="0">
                     <a:solidFill>
                       <a:schemeClr val="tx1">
                         <a:lumMod val="65000"/>
@@ -1216,12 +1236,20 @@
                   </a:defRPr>
                 </a:pPr>
                 <a:r>
-                  <a:rPr lang="zh-CN" altLang="en-US"/>
+                  <a:rPr lang="zh-CN" altLang="en-US" sz="1200" b="1"/>
                   <a:t>测试类型</a:t>
                 </a:r>
               </a:p>
             </c:rich>
           </c:tx>
+          <c:layout>
+            <c:manualLayout>
+              <c:xMode val="edge"/>
+              <c:yMode val="edge"/>
+              <c:x val="5.5555555555555558E-3"/>
+              <c:y val="0.32534703995333913"/>
+            </c:manualLayout>
+          </c:layout>
           <c:overlay val="0"/>
           <c:spPr>
             <a:noFill/>
@@ -1235,7 +1263,7 @@
             <a:lstStyle/>
             <a:p>
               <a:pPr>
-                <a:defRPr sz="1000" b="0" i="0" u="none" strike="noStrike" kern="1200" baseline="0">
+                <a:defRPr sz="1200" b="1" i="0" u="none" strike="noStrike" kern="1200" baseline="0">
                   <a:solidFill>
                     <a:schemeClr val="tx1">
                       <a:lumMod val="65000"/>
@@ -1273,7 +1301,7 @@
           <a:lstStyle/>
           <a:p>
             <a:pPr>
-              <a:defRPr sz="900" b="0" i="0" u="none" strike="noStrike" kern="1200" baseline="0">
+              <a:defRPr sz="1200" b="1" i="0" u="none" strike="noStrike" kern="1200" baseline="0">
                 <a:solidFill>
                   <a:schemeClr val="tx1">
                     <a:lumMod val="65000"/>
@@ -1323,7 +1351,7 @@
               <a:lstStyle/>
               <a:p>
                 <a:pPr>
-                  <a:defRPr sz="1000" b="0" i="0" u="none" strike="noStrike" kern="1200" baseline="0">
+                  <a:defRPr sz="1200" b="1" i="0" u="none" strike="noStrike" kern="1200" baseline="0">
                     <a:solidFill>
                       <a:schemeClr val="tx1">
                         <a:lumMod val="65000"/>
@@ -1336,15 +1364,15 @@
                   </a:defRPr>
                 </a:pPr>
                 <a:r>
-                  <a:rPr lang="zh-CN" altLang="en-US"/>
+                  <a:rPr lang="zh-CN" altLang="en-US" sz="1200" b="1"/>
                   <a:t>前台</a:t>
                 </a:r>
                 <a:r>
-                  <a:rPr lang="en-US" altLang="zh-CN"/>
+                  <a:rPr lang="en-US" altLang="zh-CN" sz="1200" b="1"/>
                   <a:t>GC</a:t>
                 </a:r>
                 <a:r>
-                  <a:rPr lang="zh-CN" altLang="en-US"/>
+                  <a:rPr lang="zh-CN" altLang="en-US" sz="1200" b="1"/>
                   <a:t>次数</a:t>
                 </a:r>
               </a:p>
@@ -1363,7 +1391,7 @@
             <a:lstStyle/>
             <a:p>
               <a:pPr>
-                <a:defRPr sz="1000" b="0" i="0" u="none" strike="noStrike" kern="1200" baseline="0">
+                <a:defRPr sz="1200" b="1" i="0" u="none" strike="noStrike" kern="1200" baseline="0">
                   <a:solidFill>
                     <a:schemeClr val="tx1">
                       <a:lumMod val="65000"/>
@@ -1395,7 +1423,7 @@
           <a:lstStyle/>
           <a:p>
             <a:pPr>
-              <a:defRPr sz="900" b="0" i="0" u="none" strike="noStrike" kern="1200" baseline="0">
+              <a:defRPr sz="1200" b="1" i="0" u="none" strike="noStrike" kern="1200" baseline="0">
                 <a:solidFill>
                   <a:schemeClr val="tx1">
                     <a:lumMod val="65000"/>
@@ -1437,7 +1465,7 @@
         <a:lstStyle/>
         <a:p>
           <a:pPr>
-            <a:defRPr sz="900" b="0" i="0" u="none" strike="noStrike" kern="1200" baseline="0">
+            <a:defRPr sz="1200" b="1" i="0" u="none" strike="noStrike" kern="1200" baseline="0">
               <a:solidFill>
                 <a:schemeClr val="tx1">
                   <a:lumMod val="65000"/>
@@ -1506,7 +1534,7 @@
           <a:lstStyle/>
           <a:p>
             <a:pPr>
-              <a:defRPr sz="1400" b="0" i="0" u="none" strike="noStrike" kern="1200" spc="0" baseline="0">
+              <a:defRPr sz="1600" b="1" i="0" u="none" strike="noStrike" kern="1200" spc="0" baseline="0">
                 <a:solidFill>
                   <a:schemeClr val="tx1">
                     <a:lumMod val="65000"/>
@@ -1519,7 +1547,7 @@
               </a:defRPr>
             </a:pPr>
             <a:r>
-              <a:rPr lang="zh-CN" altLang="en-US"/>
+              <a:rPr lang="zh-CN" altLang="en-US" sz="1600" b="1"/>
               <a:t>挂载性能对比图</a:t>
             </a:r>
           </a:p>
@@ -1538,7 +1566,7 @@
         <a:lstStyle/>
         <a:p>
           <a:pPr>
-            <a:defRPr sz="1400" b="0" i="0" u="none" strike="noStrike" kern="1200" spc="0" baseline="0">
+            <a:defRPr sz="1600" b="1" i="0" u="none" strike="noStrike" kern="1200" spc="0" baseline="0">
               <a:solidFill>
                 <a:schemeClr val="tx1">
                   <a:lumMod val="65000"/>
@@ -1783,7 +1811,7 @@
               <a:lstStyle/>
               <a:p>
                 <a:pPr>
-                  <a:defRPr sz="1000" b="0" i="0" u="none" strike="noStrike" kern="1200" baseline="0">
+                  <a:defRPr sz="1200" b="1" i="0" u="none" strike="noStrike" kern="1200" baseline="0">
                     <a:solidFill>
                       <a:schemeClr val="tx1">
                         <a:lumMod val="65000"/>
@@ -1796,7 +1824,7 @@
                   </a:defRPr>
                 </a:pPr>
                 <a:r>
-                  <a:rPr lang="zh-CN" altLang="en-US"/>
+                  <a:rPr lang="zh-CN" altLang="en-US" sz="1200" b="1"/>
                   <a:t>测试类型</a:t>
                 </a:r>
               </a:p>
@@ -1815,7 +1843,7 @@
             <a:lstStyle/>
             <a:p>
               <a:pPr>
-                <a:defRPr sz="1000" b="0" i="0" u="none" strike="noStrike" kern="1200" baseline="0">
+                <a:defRPr sz="1200" b="1" i="0" u="none" strike="noStrike" kern="1200" baseline="0">
                   <a:solidFill>
                     <a:schemeClr val="tx1">
                       <a:lumMod val="65000"/>
@@ -1853,7 +1881,7 @@
           <a:lstStyle/>
           <a:p>
             <a:pPr>
-              <a:defRPr sz="900" b="0" i="0" u="none" strike="noStrike" kern="1200" baseline="0">
+              <a:defRPr sz="1200" b="1" i="0" u="none" strike="noStrike" kern="1200" baseline="0">
                 <a:solidFill>
                   <a:schemeClr val="tx1">
                     <a:lumMod val="65000"/>
@@ -1903,7 +1931,7 @@
               <a:lstStyle/>
               <a:p>
                 <a:pPr>
-                  <a:defRPr sz="1000" b="0" i="0" u="none" strike="noStrike" kern="1200" baseline="0">
+                  <a:defRPr sz="1200" b="1" i="0" u="none" strike="noStrike" kern="1200" baseline="0">
                     <a:solidFill>
                       <a:schemeClr val="tx1">
                         <a:lumMod val="65000"/>
@@ -1916,14 +1944,14 @@
                   </a:defRPr>
                 </a:pPr>
                 <a:r>
-                  <a:rPr lang="zh-CN" altLang="en-US"/>
+                  <a:rPr lang="zh-CN" altLang="en-US" sz="1200" b="1"/>
                   <a:t>时间 </a:t>
                 </a:r>
                 <a:r>
-                  <a:rPr lang="en-US" altLang="zh-CN"/>
+                  <a:rPr lang="en-US" altLang="zh-CN" sz="1200" b="1"/>
                   <a:t>(ms)</a:t>
                 </a:r>
-                <a:endParaRPr lang="zh-CN" altLang="en-US"/>
+                <a:endParaRPr lang="zh-CN" altLang="en-US" sz="1200" b="1"/>
               </a:p>
             </c:rich>
           </c:tx>
@@ -1940,7 +1968,7 @@
             <a:lstStyle/>
             <a:p>
               <a:pPr>
-                <a:defRPr sz="1000" b="0" i="0" u="none" strike="noStrike" kern="1200" baseline="0">
+                <a:defRPr sz="1200" b="1" i="0" u="none" strike="noStrike" kern="1200" baseline="0">
                   <a:solidFill>
                     <a:schemeClr val="tx1">
                       <a:lumMod val="65000"/>
@@ -1972,7 +2000,7 @@
           <a:lstStyle/>
           <a:p>
             <a:pPr>
-              <a:defRPr sz="900" b="0" i="0" u="none" strike="noStrike" kern="1200" baseline="0">
+              <a:defRPr sz="1200" b="1" i="0" u="none" strike="noStrike" kern="1200" baseline="0">
                 <a:solidFill>
                   <a:schemeClr val="tx1">
                     <a:lumMod val="65000"/>
@@ -2014,7 +2042,7 @@
         <a:lstStyle/>
         <a:p>
           <a:pPr>
-            <a:defRPr sz="900" b="0" i="0" u="none" strike="noStrike" kern="1200" baseline="0">
+            <a:defRPr sz="1200" b="1" i="0" u="none" strike="noStrike" kern="1200" baseline="0">
               <a:solidFill>
                 <a:schemeClr val="tx1">
                   <a:lumMod val="65000"/>
@@ -2093,12 +2121,24 @@
               </a:defRPr>
             </a:pPr>
             <a:r>
-              <a:rPr lang="zh-CN" altLang="zh-CN" sz="1400" b="0" i="0" baseline="0">
+              <a:rPr lang="zh-CN" altLang="zh-CN" sz="1400" b="1" i="0" baseline="0" dirty="0">
                 <a:effectLst/>
               </a:rPr>
-              <a:t>读性能对比表</a:t>
+              <a:t>读性能</a:t>
             </a:r>
-            <a:endParaRPr lang="zh-CN" altLang="zh-CN" sz="1400">
+            <a:r>
+              <a:rPr lang="zh-CN" altLang="zh-CN" sz="1600" b="1" i="0" baseline="0" dirty="0">
+                <a:effectLst/>
+              </a:rPr>
+              <a:t>对比</a:t>
+            </a:r>
+            <a:r>
+              <a:rPr lang="zh-CN" altLang="zh-CN" sz="1400" b="1" i="0" baseline="0" dirty="0">
+                <a:effectLst/>
+              </a:rPr>
+              <a:t>表</a:t>
+            </a:r>
+            <a:endParaRPr lang="zh-CN" altLang="zh-CN" sz="1400" b="1" dirty="0">
               <a:effectLst/>
             </a:endParaRPr>
           </a:p>
@@ -2344,7 +2384,7 @@
               <a:lstStyle/>
               <a:p>
                 <a:pPr>
-                  <a:defRPr sz="1000" b="0" i="0" u="none" strike="noStrike" kern="1200" baseline="0">
+                  <a:defRPr sz="1000" b="1" i="0" u="none" strike="noStrike" kern="1200" baseline="0">
                     <a:solidFill>
                       <a:schemeClr val="tx1">
                         <a:lumMod val="65000"/>
@@ -2357,7 +2397,7 @@
                   </a:defRPr>
                 </a:pPr>
                 <a:r>
-                  <a:rPr lang="zh-CN" altLang="en-US"/>
+                  <a:rPr lang="zh-CN" altLang="en-US" sz="1200" b="1" dirty="0"/>
                   <a:t>测试类型</a:t>
                 </a:r>
               </a:p>
@@ -2376,7 +2416,7 @@
             <a:lstStyle/>
             <a:p>
               <a:pPr>
-                <a:defRPr sz="1000" b="0" i="0" u="none" strike="noStrike" kern="1200" baseline="0">
+                <a:defRPr sz="1000" b="1" i="0" u="none" strike="noStrike" kern="1200" baseline="0">
                   <a:solidFill>
                     <a:schemeClr val="tx1">
                       <a:lumMod val="65000"/>
@@ -2414,7 +2454,7 @@
           <a:lstStyle/>
           <a:p>
             <a:pPr>
-              <a:defRPr sz="900" b="0" i="0" u="none" strike="noStrike" kern="1200" baseline="0">
+              <a:defRPr sz="1200" b="1" i="0" u="none" strike="noStrike" kern="1200" baseline="0">
                 <a:solidFill>
                   <a:schemeClr val="tx1">
                     <a:lumMod val="65000"/>
@@ -2464,7 +2504,7 @@
               <a:lstStyle/>
               <a:p>
                 <a:pPr>
-                  <a:defRPr sz="1000" b="0" i="0" u="none" strike="noStrike" kern="1200" baseline="0">
+                  <a:defRPr sz="1200" b="1" i="0" u="none" strike="noStrike" kern="1200" baseline="0">
                     <a:solidFill>
                       <a:schemeClr val="tx1">
                         <a:lumMod val="65000"/>
@@ -2477,14 +2517,14 @@
                   </a:defRPr>
                 </a:pPr>
                 <a:r>
-                  <a:rPr lang="zh-CN" altLang="en-US"/>
+                  <a:rPr lang="zh-CN" altLang="en-US" sz="1200" b="1"/>
                   <a:t>吞吐率 </a:t>
                 </a:r>
                 <a:r>
-                  <a:rPr lang="en-US" altLang="zh-CN"/>
+                  <a:rPr lang="en-US" altLang="zh-CN" sz="1200" b="1"/>
                   <a:t>(KB/s)</a:t>
                 </a:r>
-                <a:endParaRPr lang="zh-CN" altLang="en-US"/>
+                <a:endParaRPr lang="zh-CN" altLang="en-US" sz="1200" b="1"/>
               </a:p>
             </c:rich>
           </c:tx>
@@ -2501,7 +2541,7 @@
             <a:lstStyle/>
             <a:p>
               <a:pPr>
-                <a:defRPr sz="1000" b="0" i="0" u="none" strike="noStrike" kern="1200" baseline="0">
+                <a:defRPr sz="1200" b="1" i="0" u="none" strike="noStrike" kern="1200" baseline="0">
                   <a:solidFill>
                     <a:schemeClr val="tx1">
                       <a:lumMod val="65000"/>
@@ -2533,7 +2573,7 @@
           <a:lstStyle/>
           <a:p>
             <a:pPr>
-              <a:defRPr sz="900" b="0" i="0" u="none" strike="noStrike" kern="1200" baseline="0">
+              <a:defRPr sz="1200" b="1" i="0" u="none" strike="noStrike" kern="1200" baseline="0">
                 <a:solidFill>
                   <a:schemeClr val="tx1">
                     <a:lumMod val="65000"/>
@@ -2575,7 +2615,7 @@
         <a:lstStyle/>
         <a:p>
           <a:pPr>
-            <a:defRPr sz="900" b="0" i="0" u="none" strike="noStrike" kern="1200" baseline="0">
+            <a:defRPr sz="1200" b="1" i="0" u="none" strike="noStrike" kern="1200" baseline="0">
               <a:solidFill>
                 <a:schemeClr val="tx1">
                   <a:lumMod val="65000"/>
@@ -2641,7 +2681,7 @@
           <a:lstStyle/>
           <a:p>
             <a:pPr>
-              <a:defRPr sz="1400" b="0" i="0" u="none" strike="noStrike" kern="1200" spc="0" baseline="0">
+              <a:defRPr sz="1600" b="1" i="0" u="none" strike="noStrike" kern="1200" spc="0" baseline="0">
                 <a:solidFill>
                   <a:schemeClr val="tx1">
                     <a:lumMod val="65000"/>
@@ -2654,7 +2694,7 @@
               </a:defRPr>
             </a:pPr>
             <a:r>
-              <a:rPr lang="zh-CN" altLang="en-US"/>
+              <a:rPr lang="zh-CN" altLang="en-US" sz="1600" b="1"/>
               <a:t>写性能对比表</a:t>
             </a:r>
           </a:p>
@@ -2673,7 +2713,7 @@
         <a:lstStyle/>
         <a:p>
           <a:pPr>
-            <a:defRPr sz="1400" b="0" i="0" u="none" strike="noStrike" kern="1200" spc="0" baseline="0">
+            <a:defRPr sz="1600" b="1" i="0" u="none" strike="noStrike" kern="1200" spc="0" baseline="0">
               <a:solidFill>
                 <a:schemeClr val="tx1">
                   <a:lumMod val="65000"/>
@@ -2900,7 +2940,7 @@
               <a:lstStyle/>
               <a:p>
                 <a:pPr>
-                  <a:defRPr sz="1000" b="0" i="0" u="none" strike="noStrike" kern="1200" baseline="0">
+                  <a:defRPr sz="1200" b="1" i="0" u="none" strike="noStrike" kern="1200" baseline="0">
                     <a:solidFill>
                       <a:schemeClr val="tx1">
                         <a:lumMod val="65000"/>
@@ -2913,7 +2953,7 @@
                   </a:defRPr>
                 </a:pPr>
                 <a:r>
-                  <a:rPr lang="zh-CN" altLang="en-US"/>
+                  <a:rPr lang="zh-CN" altLang="en-US" sz="1200" b="1"/>
                   <a:t>测试类型</a:t>
                 </a:r>
               </a:p>
@@ -2932,7 +2972,7 @@
             <a:lstStyle/>
             <a:p>
               <a:pPr>
-                <a:defRPr sz="1000" b="0" i="0" u="none" strike="noStrike" kern="1200" baseline="0">
+                <a:defRPr sz="1200" b="1" i="0" u="none" strike="noStrike" kern="1200" baseline="0">
                   <a:solidFill>
                     <a:schemeClr val="tx1">
                       <a:lumMod val="65000"/>
@@ -2970,7 +3010,7 @@
           <a:lstStyle/>
           <a:p>
             <a:pPr>
-              <a:defRPr sz="900" b="0" i="0" u="none" strike="noStrike" kern="1200" baseline="0">
+              <a:defRPr sz="1200" b="1" i="0" u="none" strike="noStrike" kern="1200" baseline="0">
                 <a:solidFill>
                   <a:schemeClr val="tx1">
                     <a:lumMod val="65000"/>
@@ -3020,7 +3060,7 @@
               <a:lstStyle/>
               <a:p>
                 <a:pPr>
-                  <a:defRPr sz="1000" b="0" i="0" u="none" strike="noStrike" kern="1200" baseline="0">
+                  <a:defRPr sz="1200" b="1" i="0" u="none" strike="noStrike" kern="1200" baseline="0">
                     <a:solidFill>
                       <a:schemeClr val="tx1">
                         <a:lumMod val="65000"/>
@@ -3033,18 +3073,18 @@
                   </a:defRPr>
                 </a:pPr>
                 <a:r>
-                  <a:rPr lang="zh-CN" altLang="en-US"/>
+                  <a:rPr lang="zh-CN" altLang="en-US" sz="1200" b="1"/>
                   <a:t>吞吐率</a:t>
                 </a:r>
                 <a:r>
-                  <a:rPr lang="zh-CN" altLang="en-US" baseline="0"/>
+                  <a:rPr lang="zh-CN" altLang="en-US" sz="1200" b="1" baseline="0"/>
                   <a:t> </a:t>
                 </a:r>
                 <a:r>
-                  <a:rPr lang="en-US" altLang="zh-CN" baseline="0"/>
+                  <a:rPr lang="en-US" altLang="zh-CN" sz="1200" b="1" baseline="0"/>
                   <a:t>(KB/s)</a:t>
                 </a:r>
-                <a:endParaRPr lang="zh-CN" altLang="en-US"/>
+                <a:endParaRPr lang="zh-CN" altLang="en-US" sz="1200" b="1"/>
               </a:p>
             </c:rich>
           </c:tx>
@@ -3061,7 +3101,7 @@
             <a:lstStyle/>
             <a:p>
               <a:pPr>
-                <a:defRPr sz="1000" b="0" i="0" u="none" strike="noStrike" kern="1200" baseline="0">
+                <a:defRPr sz="1200" b="1" i="0" u="none" strike="noStrike" kern="1200" baseline="0">
                   <a:solidFill>
                     <a:schemeClr val="tx1">
                       <a:lumMod val="65000"/>
@@ -3093,7 +3133,7 @@
           <a:lstStyle/>
           <a:p>
             <a:pPr>
-              <a:defRPr sz="900" b="0" i="0" u="none" strike="noStrike" kern="1200" baseline="0">
+              <a:defRPr sz="1200" b="1" i="0" u="none" strike="noStrike" kern="1200" baseline="0">
                 <a:solidFill>
                   <a:schemeClr val="tx1">
                     <a:lumMod val="65000"/>
@@ -3135,7 +3175,7 @@
         <a:lstStyle/>
         <a:p>
           <a:pPr>
-            <a:defRPr sz="900" b="0" i="0" u="none" strike="noStrike" kern="1200" baseline="0">
+            <a:defRPr sz="1200" b="1" i="0" u="none" strike="noStrike" kern="1200" baseline="0">
               <a:solidFill>
                 <a:schemeClr val="tx1">
                   <a:lumMod val="65000"/>
@@ -3201,7 +3241,7 @@
           <a:lstStyle/>
           <a:p>
             <a:pPr>
-              <a:defRPr sz="1400" b="0" i="0" u="none" strike="noStrike" kern="1200" spc="0" baseline="0">
+              <a:defRPr sz="1600" b="1" i="0" u="none" strike="noStrike" kern="1200" spc="0" baseline="0">
                 <a:solidFill>
                   <a:schemeClr val="tx1">
                     <a:lumMod val="65000"/>
@@ -3214,7 +3254,7 @@
               </a:defRPr>
             </a:pPr>
             <a:r>
-              <a:rPr lang="zh-CN" altLang="en-US"/>
+              <a:rPr lang="zh-CN" altLang="en-US" sz="1600" b="1"/>
               <a:t>小数据写入性能对比表</a:t>
             </a:r>
           </a:p>
@@ -3233,7 +3273,7 @@
         <a:lstStyle/>
         <a:p>
           <a:pPr>
-            <a:defRPr sz="1400" b="0" i="0" u="none" strike="noStrike" kern="1200" spc="0" baseline="0">
+            <a:defRPr sz="1600" b="1" i="0" u="none" strike="noStrike" kern="1200" spc="0" baseline="0">
               <a:solidFill>
                 <a:schemeClr val="tx1">
                   <a:lumMod val="65000"/>
@@ -4307,7 +4347,7 @@
               <a:lstStyle/>
               <a:p>
                 <a:pPr>
-                  <a:defRPr sz="1000" b="0" i="0" u="none" strike="noStrike" kern="1200" baseline="0">
+                  <a:defRPr sz="1200" b="1" i="0" u="none" strike="noStrike" kern="1200" baseline="0">
                     <a:solidFill>
                       <a:schemeClr val="tx1">
                         <a:lumMod val="65000"/>
@@ -4320,22 +4360,22 @@
                   </a:defRPr>
                 </a:pPr>
                 <a:r>
-                  <a:rPr lang="zh-CN" altLang="en-US"/>
+                  <a:rPr lang="zh-CN" altLang="en-US" sz="1200" b="1"/>
                   <a:t>小数据写入次数 </a:t>
                 </a:r>
                 <a:r>
-                  <a:rPr lang="en-US" altLang="zh-CN"/>
+                  <a:rPr lang="en-US" altLang="zh-CN" sz="1200" b="1"/>
                   <a:t>(</a:t>
                 </a:r>
                 <a:r>
-                  <a:rPr lang="en-US" altLang="zh-CN" baseline="0"/>
+                  <a:rPr lang="en-US" altLang="zh-CN" sz="1200" b="1" baseline="0"/>
                   <a:t> x100 </a:t>
                 </a:r>
                 <a:r>
-                  <a:rPr lang="en-US" altLang="zh-CN"/>
+                  <a:rPr lang="en-US" altLang="zh-CN" sz="1200" b="1"/>
                   <a:t>)</a:t>
                 </a:r>
-                <a:endParaRPr lang="zh-CN" altLang="en-US"/>
+                <a:endParaRPr lang="zh-CN" altLang="en-US" sz="1200" b="1"/>
               </a:p>
             </c:rich>
           </c:tx>
@@ -4352,7 +4392,7 @@
             <a:lstStyle/>
             <a:p>
               <a:pPr>
-                <a:defRPr sz="1000" b="0" i="0" u="none" strike="noStrike" kern="1200" baseline="0">
+                <a:defRPr sz="1200" b="1" i="0" u="none" strike="noStrike" kern="1200" baseline="0">
                   <a:solidFill>
                     <a:schemeClr val="tx1">
                       <a:lumMod val="65000"/>
@@ -4389,7 +4429,7 @@
           <a:lstStyle/>
           <a:p>
             <a:pPr>
-              <a:defRPr sz="900" b="0" i="0" u="none" strike="noStrike" kern="1200" baseline="0">
+              <a:defRPr sz="1200" b="1" i="0" u="none" strike="noStrike" kern="1200" baseline="0">
                 <a:solidFill>
                   <a:schemeClr val="tx1">
                     <a:lumMod val="65000"/>
@@ -4409,7 +4449,7 @@
         <c:auto val="1"/>
         <c:lblAlgn val="ctr"/>
         <c:lblOffset val="100"/>
-        <c:tickLblSkip val="5"/>
+        <c:tickLblSkip val="10"/>
         <c:noMultiLvlLbl val="0"/>
       </c:catAx>
       <c:valAx>
@@ -4440,7 +4480,7 @@
               <a:lstStyle/>
               <a:p>
                 <a:pPr>
-                  <a:defRPr sz="1000" b="0" i="0" u="none" strike="noStrike" kern="1200" baseline="0">
+                  <a:defRPr sz="1200" b="1" i="0" u="none" strike="noStrike" kern="1200" baseline="0">
                     <a:solidFill>
                       <a:schemeClr val="tx1">
                         <a:lumMod val="65000"/>
@@ -4453,14 +4493,14 @@
                   </a:defRPr>
                 </a:pPr>
                 <a:r>
-                  <a:rPr lang="zh-CN" altLang="en-US"/>
+                  <a:rPr lang="zh-CN" altLang="en-US" sz="1200" b="1"/>
                   <a:t>吞吐率 </a:t>
                 </a:r>
                 <a:r>
-                  <a:rPr lang="en-US" altLang="zh-CN"/>
+                  <a:rPr lang="en-US" altLang="zh-CN" sz="1200" b="1"/>
                   <a:t>(KB/s)</a:t>
                 </a:r>
-                <a:endParaRPr lang="zh-CN" altLang="en-US"/>
+                <a:endParaRPr lang="zh-CN" altLang="en-US" sz="1200" b="1"/>
               </a:p>
             </c:rich>
           </c:tx>
@@ -4477,7 +4517,7 @@
             <a:lstStyle/>
             <a:p>
               <a:pPr>
-                <a:defRPr sz="1000" b="0" i="0" u="none" strike="noStrike" kern="1200" baseline="0">
+                <a:defRPr sz="1200" b="1" i="0" u="none" strike="noStrike" kern="1200" baseline="0">
                   <a:solidFill>
                     <a:schemeClr val="tx1">
                       <a:lumMod val="65000"/>
@@ -4509,7 +4549,7 @@
           <a:lstStyle/>
           <a:p>
             <a:pPr>
-              <a:defRPr sz="900" b="0" i="0" u="none" strike="noStrike" kern="1200" baseline="0">
+              <a:defRPr sz="1200" b="1" i="0" u="none" strike="noStrike" kern="1200" baseline="0">
                 <a:solidFill>
                   <a:schemeClr val="tx1">
                     <a:lumMod val="65000"/>
@@ -4551,7 +4591,7 @@
         <a:lstStyle/>
         <a:p>
           <a:pPr>
-            <a:defRPr sz="900" b="0" i="0" u="none" strike="noStrike" kern="1200" baseline="0">
+            <a:defRPr sz="1200" b="1" i="0" u="none" strike="noStrike" kern="1200" baseline="0">
               <a:solidFill>
                 <a:schemeClr val="tx1">
                   <a:lumMod val="65000"/>
@@ -4730,6 +4770,209 @@
               </c:ext>
             </c:extLst>
           </c:dPt>
+          <c:dLbls>
+            <c:dLbl>
+              <c:idx val="0"/>
+              <c:layout>
+                <c:manualLayout>
+                  <c:x val="-0.10277777777777777"/>
+                  <c:y val="-7.6228742720049147E-2"/>
+                </c:manualLayout>
+              </c:layout>
+              <c:spPr>
+                <a:solidFill>
+                  <a:prstClr val="white"/>
+                </a:solidFill>
+                <a:ln>
+                  <a:solidFill>
+                    <a:prstClr val="black">
+                      <a:lumMod val="25000"/>
+                      <a:lumOff val="75000"/>
+                    </a:prstClr>
+                  </a:solidFill>
+                </a:ln>
+                <a:effectLst/>
+              </c:spPr>
+              <c:txPr>
+                <a:bodyPr rot="0" spcFirstLastPara="1" vertOverflow="clip" horzOverflow="clip" vert="horz" wrap="square" lIns="38100" tIns="19050" rIns="38100" bIns="19050" anchor="ctr" anchorCtr="1">
+                  <a:spAutoFit/>
+                </a:bodyPr>
+                <a:lstStyle/>
+                <a:p>
+                  <a:pPr>
+                    <a:defRPr sz="1200" b="1" i="0" u="none" strike="noStrike" kern="1200" baseline="0">
+                      <a:solidFill>
+                        <a:schemeClr val="dk1">
+                          <a:lumMod val="65000"/>
+                          <a:lumOff val="35000"/>
+                        </a:schemeClr>
+                      </a:solidFill>
+                      <a:latin typeface="+mn-lt"/>
+                      <a:ea typeface="+mn-ea"/>
+                      <a:cs typeface="+mn-cs"/>
+                    </a:defRPr>
+                  </a:pPr>
+                  <a:endParaRPr lang="zh-CN"/>
+                </a:p>
+              </c:txPr>
+              <c:showLegendKey val="0"/>
+              <c:showVal val="1"/>
+              <c:showCatName val="1"/>
+              <c:showSerName val="0"/>
+              <c:showPercent val="0"/>
+              <c:showBubbleSize val="0"/>
+              <c:extLst>
+                <c:ext xmlns:c15="http://schemas.microsoft.com/office/drawing/2012/chart" uri="{CE6537A1-D6FC-4f65-9D91-7224C49458BB}">
+                  <c15:spPr xmlns:c15="http://schemas.microsoft.com/office/drawing/2012/chart">
+                    <a:prstGeom prst="wedgeRectCallout">
+                      <a:avLst/>
+                    </a:prstGeom>
+                    <a:noFill/>
+                    <a:ln>
+                      <a:noFill/>
+                    </a:ln>
+                  </c15:spPr>
+                </c:ext>
+                <c:ext xmlns:c16="http://schemas.microsoft.com/office/drawing/2014/chart" uri="{C3380CC4-5D6E-409C-BE32-E72D297353CC}">
+                  <c16:uniqueId val="{00000004-BD31-4B8B-A32F-E51E1C636343}"/>
+                </c:ext>
+              </c:extLst>
+            </c:dLbl>
+            <c:dLbl>
+              <c:idx val="1"/>
+              <c:delete val="1"/>
+              <c:extLst>
+                <c:ext xmlns:c15="http://schemas.microsoft.com/office/drawing/2012/chart" uri="{CE6537A1-D6FC-4f65-9D91-7224C49458BB}"/>
+                <c:ext xmlns:c16="http://schemas.microsoft.com/office/drawing/2014/chart" uri="{C3380CC4-5D6E-409C-BE32-E72D297353CC}">
+                  <c16:uniqueId val="{00000001-56AA-49B2-8F86-1196E1303FA9}"/>
+                </c:ext>
+              </c:extLst>
+            </c:dLbl>
+            <c:dLbl>
+              <c:idx val="2"/>
+              <c:layout>
+                <c:manualLayout>
+                  <c:x val="2.777777777777676E-3"/>
+                  <c:y val="-7.174469903063449E-2"/>
+                </c:manualLayout>
+              </c:layout>
+              <c:spPr>
+                <a:solidFill>
+                  <a:prstClr val="white"/>
+                </a:solidFill>
+                <a:ln>
+                  <a:solidFill>
+                    <a:prstClr val="black">
+                      <a:lumMod val="25000"/>
+                      <a:lumOff val="75000"/>
+                    </a:prstClr>
+                  </a:solidFill>
+                </a:ln>
+                <a:effectLst/>
+              </c:spPr>
+              <c:txPr>
+                <a:bodyPr rot="0" spcFirstLastPara="1" vertOverflow="clip" horzOverflow="clip" vert="horz" wrap="square" lIns="38100" tIns="19050" rIns="38100" bIns="19050" anchor="ctr" anchorCtr="1">
+                  <a:spAutoFit/>
+                </a:bodyPr>
+                <a:lstStyle/>
+                <a:p>
+                  <a:pPr>
+                    <a:defRPr sz="1200" b="1" i="0" u="none" strike="noStrike" kern="1200" baseline="0">
+                      <a:solidFill>
+                        <a:schemeClr val="dk1">
+                          <a:lumMod val="65000"/>
+                          <a:lumOff val="35000"/>
+                        </a:schemeClr>
+                      </a:solidFill>
+                      <a:latin typeface="+mn-lt"/>
+                      <a:ea typeface="+mn-ea"/>
+                      <a:cs typeface="+mn-cs"/>
+                    </a:defRPr>
+                  </a:pPr>
+                  <a:endParaRPr lang="zh-CN"/>
+                </a:p>
+              </c:txPr>
+              <c:showLegendKey val="0"/>
+              <c:showVal val="1"/>
+              <c:showCatName val="1"/>
+              <c:showSerName val="0"/>
+              <c:showPercent val="0"/>
+              <c:showBubbleSize val="0"/>
+              <c:extLst>
+                <c:ext xmlns:c15="http://schemas.microsoft.com/office/drawing/2012/chart" uri="{CE6537A1-D6FC-4f65-9D91-7224C49458BB}">
+                  <c15:spPr xmlns:c15="http://schemas.microsoft.com/office/drawing/2012/chart">
+                    <a:prstGeom prst="wedgeRectCallout">
+                      <a:avLst/>
+                    </a:prstGeom>
+                    <a:noFill/>
+                    <a:ln>
+                      <a:noFill/>
+                    </a:ln>
+                  </c15:spPr>
+                </c:ext>
+                <c:ext xmlns:c16="http://schemas.microsoft.com/office/drawing/2014/chart" uri="{C3380CC4-5D6E-409C-BE32-E72D297353CC}">
+                  <c16:uniqueId val="{00000003-56AA-49B2-8F86-1196E1303FA9}"/>
+                </c:ext>
+              </c:extLst>
+            </c:dLbl>
+            <c:spPr>
+              <a:solidFill>
+                <a:prstClr val="white"/>
+              </a:solidFill>
+              <a:ln>
+                <a:solidFill>
+                  <a:prstClr val="black">
+                    <a:lumMod val="25000"/>
+                    <a:lumOff val="75000"/>
+                  </a:prstClr>
+                </a:solidFill>
+              </a:ln>
+              <a:effectLst/>
+            </c:spPr>
+            <c:txPr>
+              <a:bodyPr rot="0" spcFirstLastPara="1" vertOverflow="clip" horzOverflow="clip" vert="horz" wrap="square" lIns="38100" tIns="19050" rIns="38100" bIns="19050" anchor="ctr" anchorCtr="1">
+                <a:spAutoFit/>
+              </a:bodyPr>
+              <a:lstStyle/>
+              <a:p>
+                <a:pPr>
+                  <a:defRPr sz="900" b="0" i="0" u="none" strike="noStrike" kern="1200" baseline="0">
+                    <a:solidFill>
+                      <a:schemeClr val="dk1">
+                        <a:lumMod val="65000"/>
+                        <a:lumOff val="35000"/>
+                      </a:schemeClr>
+                    </a:solidFill>
+                    <a:latin typeface="+mn-lt"/>
+                    <a:ea typeface="+mn-ea"/>
+                    <a:cs typeface="+mn-cs"/>
+                  </a:defRPr>
+                </a:pPr>
+                <a:endParaRPr lang="zh-CN"/>
+              </a:p>
+            </c:txPr>
+            <c:showLegendKey val="0"/>
+            <c:showVal val="1"/>
+            <c:showCatName val="1"/>
+            <c:showSerName val="0"/>
+            <c:showPercent val="0"/>
+            <c:showBubbleSize val="0"/>
+            <c:showLeaderLines val="0"/>
+            <c:extLst>
+              <c:ext xmlns:c15="http://schemas.microsoft.com/office/drawing/2012/chart" uri="{CE6537A1-D6FC-4f65-9D91-7224C49458BB}">
+                <c15:spPr xmlns:c15="http://schemas.microsoft.com/office/drawing/2012/chart">
+                  <a:prstGeom prst="wedgeRectCallout">
+                    <a:avLst/>
+                  </a:prstGeom>
+                  <a:noFill/>
+                  <a:ln>
+                    <a:noFill/>
+                  </a:ln>
+                </c15:spPr>
+                <c15:showLeaderLines val="0"/>
+              </c:ext>
+            </c:extLst>
+          </c:dLbls>
           <c:cat>
             <c:strRef>
               <c:f>Sheet1!$R$110:$R$112</c:f>
@@ -4812,7 +5055,7 @@
               <a:lstStyle/>
               <a:p>
                 <a:pPr>
-                  <a:defRPr sz="900" b="0" i="0" u="none" strike="noStrike" kern="1200" cap="all" baseline="0">
+                  <a:defRPr sz="1200" b="1" i="0" u="none" strike="noStrike" kern="1200" cap="all" baseline="0">
                     <a:solidFill>
                       <a:schemeClr val="tx1">
                         <a:lumMod val="65000"/>
@@ -4825,7 +5068,7 @@
                   </a:defRPr>
                 </a:pPr>
                 <a:r>
-                  <a:rPr lang="zh-CN"/>
+                  <a:rPr lang="zh-CN" sz="1200" b="1"/>
                   <a:t>文件系统类别</a:t>
                 </a:r>
               </a:p>
@@ -4844,7 +5087,7 @@
             <a:lstStyle/>
             <a:p>
               <a:pPr>
-                <a:defRPr sz="900" b="0" i="0" u="none" strike="noStrike" kern="1200" cap="all" baseline="0">
+                <a:defRPr sz="1200" b="1" i="0" u="none" strike="noStrike" kern="1200" cap="all" baseline="0">
                   <a:solidFill>
                     <a:schemeClr val="tx1">
                       <a:lumMod val="65000"/>
@@ -4882,7 +5125,7 @@
           <a:lstStyle/>
           <a:p>
             <a:pPr>
-              <a:defRPr sz="800" b="0" i="0" u="none" strike="noStrike" kern="1200" cap="all" spc="120" normalizeH="0" baseline="0">
+              <a:defRPr sz="1050" b="1" i="0" u="none" strike="noStrike" kern="1200" cap="all" spc="120" normalizeH="0" baseline="0">
                 <a:solidFill>
                   <a:schemeClr val="tx1">
                     <a:lumMod val="65000"/>
@@ -4918,7 +5161,7 @@
               <a:lstStyle/>
               <a:p>
                 <a:pPr>
-                  <a:defRPr sz="900" b="0" i="0" u="none" strike="noStrike" kern="1200" cap="all" baseline="0">
+                  <a:defRPr sz="1200" b="1" i="0" u="none" strike="noStrike" kern="1200" cap="all" baseline="0">
                     <a:solidFill>
                       <a:schemeClr val="tx1">
                         <a:lumMod val="65000"/>
@@ -4931,14 +5174,14 @@
                   </a:defRPr>
                 </a:pPr>
                 <a:r>
-                  <a:rPr lang="zh-CN"/>
+                  <a:rPr lang="zh-CN" sz="1200" b="1"/>
                   <a:t>内存开销 </a:t>
                 </a:r>
                 <a:r>
-                  <a:rPr lang="en-US"/>
+                  <a:rPr lang="en-US" sz="1200" b="1"/>
                   <a:t>(B)</a:t>
                 </a:r>
-                <a:endParaRPr lang="zh-CN"/>
+                <a:endParaRPr lang="zh-CN" sz="1200" b="1"/>
               </a:p>
             </c:rich>
           </c:tx>
@@ -4955,7 +5198,7 @@
             <a:lstStyle/>
             <a:p>
               <a:pPr>
-                <a:defRPr sz="900" b="0" i="0" u="none" strike="noStrike" kern="1200" cap="all" baseline="0">
+                <a:defRPr sz="1200" b="1" i="0" u="none" strike="noStrike" kern="1200" cap="all" baseline="0">
                   <a:solidFill>
                     <a:schemeClr val="tx1">
                       <a:lumMod val="65000"/>
@@ -5223,7 +5466,7 @@
               <a:lstStyle/>
               <a:p>
                 <a:pPr>
-                  <a:defRPr sz="900" b="0" i="0" u="none" strike="noStrike" kern="1200" cap="all" baseline="0">
+                  <a:defRPr sz="1200" b="1" i="0" u="none" strike="noStrike" kern="1200" cap="all" baseline="0">
                     <a:solidFill>
                       <a:schemeClr val="tx1">
                         <a:lumMod val="65000"/>
@@ -5236,7 +5479,7 @@
                   </a:defRPr>
                 </a:pPr>
                 <a:r>
-                  <a:rPr lang="zh-CN"/>
+                  <a:rPr lang="zh-CN" sz="1200" b="1"/>
                   <a:t>文件系统类别</a:t>
                 </a:r>
               </a:p>
@@ -5255,7 +5498,7 @@
             <a:lstStyle/>
             <a:p>
               <a:pPr>
-                <a:defRPr sz="900" b="0" i="0" u="none" strike="noStrike" kern="1200" cap="all" baseline="0">
+                <a:defRPr sz="1200" b="1" i="0" u="none" strike="noStrike" kern="1200" cap="all" baseline="0">
                   <a:solidFill>
                     <a:schemeClr val="tx1">
                       <a:lumMod val="65000"/>
@@ -5293,7 +5536,7 @@
           <a:lstStyle/>
           <a:p>
             <a:pPr>
-              <a:defRPr sz="800" b="0" i="0" u="none" strike="noStrike" kern="1200" cap="all" spc="120" normalizeH="0" baseline="0">
+              <a:defRPr sz="1000" b="1" i="0" u="none" strike="noStrike" kern="1200" cap="all" spc="120" normalizeH="0" baseline="0">
                 <a:solidFill>
                   <a:schemeClr val="tx1">
                     <a:lumMod val="65000"/>
@@ -5329,7 +5572,7 @@
               <a:lstStyle/>
               <a:p>
                 <a:pPr>
-                  <a:defRPr sz="900" b="0" i="0" u="none" strike="noStrike" kern="1200" cap="all" baseline="0">
+                  <a:defRPr sz="1200" b="1" i="0" u="none" strike="noStrike" kern="1200" cap="all" baseline="0">
                     <a:solidFill>
                       <a:schemeClr val="tx1">
                         <a:lumMod val="65000"/>
@@ -5342,14 +5585,14 @@
                   </a:defRPr>
                 </a:pPr>
                 <a:r>
-                  <a:rPr lang="zh-CN"/>
+                  <a:rPr lang="zh-CN" sz="1200" b="1"/>
                   <a:t>内存开销 </a:t>
                 </a:r>
                 <a:r>
-                  <a:rPr lang="en-US"/>
+                  <a:rPr lang="en-US" sz="1200" b="1"/>
                   <a:t>(B)</a:t>
                 </a:r>
-                <a:endParaRPr lang="zh-CN"/>
+                <a:endParaRPr lang="zh-CN" sz="1200" b="1"/>
               </a:p>
             </c:rich>
           </c:tx>
@@ -5366,7 +5609,7 @@
             <a:lstStyle/>
             <a:p>
               <a:pPr>
-                <a:defRPr sz="900" b="0" i="0" u="none" strike="noStrike" kern="1200" cap="all" baseline="0">
+                <a:defRPr sz="1200" b="1" i="0" u="none" strike="noStrike" kern="1200" cap="all" baseline="0">
                   <a:solidFill>
                     <a:schemeClr val="tx1">
                       <a:lumMod val="65000"/>
@@ -5446,7 +5689,7 @@
           <a:lstStyle/>
           <a:p>
             <a:pPr>
-              <a:defRPr sz="1400" b="0" i="0" u="none" strike="noStrike" kern="1200" spc="0" baseline="0">
+              <a:defRPr sz="1600" b="1" i="0" u="none" strike="noStrike" kern="1200" spc="0" baseline="0">
                 <a:solidFill>
                   <a:schemeClr val="tx1">
                     <a:lumMod val="65000"/>
@@ -5459,7 +5702,7 @@
               </a:defRPr>
             </a:pPr>
             <a:r>
-              <a:rPr lang="zh-CN" altLang="en-US"/>
+              <a:rPr lang="zh-CN" altLang="en-US" sz="1600" b="1"/>
               <a:t>小数据写入内存对比</a:t>
             </a:r>
           </a:p>
@@ -5478,7 +5721,7 @@
         <a:lstStyle/>
         <a:p>
           <a:pPr>
-            <a:defRPr sz="1400" b="0" i="0" u="none" strike="noStrike" kern="1200" spc="0" baseline="0">
+            <a:defRPr sz="1600" b="1" i="0" u="none" strike="noStrike" kern="1200" spc="0" baseline="0">
               <a:solidFill>
                 <a:schemeClr val="tx1">
                   <a:lumMod val="65000"/>
@@ -5851,7 +6094,7 @@
               <c:strCache>
                 <c:ptCount val="1"/>
                 <c:pt idx="0">
-                  <c:v>hoitfs-opt</c:v>
+                  <c:v>hoitfs-mtree</c:v>
                 </c:pt>
               </c:strCache>
             </c:strRef>
@@ -6210,7 +6453,7 @@
               <a:lstStyle/>
               <a:p>
                 <a:pPr>
-                  <a:defRPr sz="1000" b="0" i="0" u="none" strike="noStrike" kern="1200" baseline="0">
+                  <a:defRPr sz="1200" b="1" i="0" u="none" strike="noStrike" kern="1200" baseline="0">
                     <a:solidFill>
                       <a:schemeClr val="tx1">
                         <a:lumMod val="65000"/>
@@ -6223,14 +6466,14 @@
                   </a:defRPr>
                 </a:pPr>
                 <a:r>
-                  <a:rPr lang="zh-CN" altLang="en-US"/>
+                  <a:rPr lang="zh-CN" altLang="en-US" sz="1200" b="1"/>
                   <a:t>写入次数 </a:t>
                 </a:r>
                 <a:r>
-                  <a:rPr lang="en-US" altLang="zh-CN"/>
+                  <a:rPr lang="en-US" altLang="zh-CN" sz="1200" b="1"/>
                   <a:t>( x 100 )</a:t>
                 </a:r>
-                <a:endParaRPr lang="zh-CN" altLang="en-US"/>
+                <a:endParaRPr lang="zh-CN" altLang="en-US" sz="1200" b="1"/>
               </a:p>
             </c:rich>
           </c:tx>
@@ -6247,7 +6490,7 @@
             <a:lstStyle/>
             <a:p>
               <a:pPr>
-                <a:defRPr sz="1000" b="0" i="0" u="none" strike="noStrike" kern="1200" baseline="0">
+                <a:defRPr sz="1200" b="1" i="0" u="none" strike="noStrike" kern="1200" baseline="0">
                   <a:solidFill>
                     <a:schemeClr val="tx1">
                       <a:lumMod val="65000"/>
@@ -6284,7 +6527,7 @@
           <a:lstStyle/>
           <a:p>
             <a:pPr>
-              <a:defRPr sz="900" b="0" i="0" u="none" strike="noStrike" kern="1200" baseline="0">
+              <a:defRPr sz="1200" b="1" i="0" u="none" strike="noStrike" kern="1200" baseline="0">
                 <a:solidFill>
                   <a:schemeClr val="tx1">
                     <a:lumMod val="65000"/>
@@ -6304,7 +6547,7 @@
         <c:auto val="1"/>
         <c:lblAlgn val="ctr"/>
         <c:lblOffset val="100"/>
-        <c:tickLblSkip val="5"/>
+        <c:tickLblSkip val="10"/>
         <c:noMultiLvlLbl val="0"/>
       </c:catAx>
       <c:valAx>
@@ -6335,7 +6578,7 @@
               <a:lstStyle/>
               <a:p>
                 <a:pPr>
-                  <a:defRPr sz="1000" b="0" i="0" u="none" strike="noStrike" kern="1200" baseline="0">
+                  <a:defRPr sz="1200" b="1" i="0" u="none" strike="noStrike" kern="1200" baseline="0">
                     <a:solidFill>
                       <a:schemeClr val="tx1">
                         <a:lumMod val="65000"/>
@@ -6348,14 +6591,14 @@
                   </a:defRPr>
                 </a:pPr>
                 <a:r>
-                  <a:rPr lang="zh-CN" altLang="en-US"/>
+                  <a:rPr lang="zh-CN" altLang="en-US" sz="1200" b="1"/>
                   <a:t>节点内存开销 </a:t>
                 </a:r>
                 <a:r>
-                  <a:rPr lang="en-US" altLang="zh-CN"/>
+                  <a:rPr lang="en-US" altLang="zh-CN" sz="1200" b="1"/>
                   <a:t>(B)</a:t>
                 </a:r>
-                <a:endParaRPr lang="zh-CN" altLang="en-US"/>
+                <a:endParaRPr lang="zh-CN" altLang="en-US" sz="1200" b="1"/>
               </a:p>
             </c:rich>
           </c:tx>
@@ -6372,7 +6615,7 @@
             <a:lstStyle/>
             <a:p>
               <a:pPr>
-                <a:defRPr sz="1000" b="0" i="0" u="none" strike="noStrike" kern="1200" baseline="0">
+                <a:defRPr sz="1200" b="1" i="0" u="none" strike="noStrike" kern="1200" baseline="0">
                   <a:solidFill>
                     <a:schemeClr val="tx1">
                       <a:lumMod val="65000"/>
@@ -6404,7 +6647,7 @@
           <a:lstStyle/>
           <a:p>
             <a:pPr>
-              <a:defRPr sz="900" b="0" i="0" u="none" strike="noStrike" kern="1200" baseline="0">
+              <a:defRPr sz="1200" b="1" i="0" u="none" strike="noStrike" kern="1200" baseline="0">
                 <a:solidFill>
                   <a:schemeClr val="tx1">
                     <a:lumMod val="65000"/>
@@ -6446,7 +6689,7 @@
         <a:lstStyle/>
         <a:p>
           <a:pPr>
-            <a:defRPr sz="900" b="0" i="0" u="none" strike="noStrike" kern="1200" baseline="0">
+            <a:defRPr sz="1200" b="1" i="0" u="none" strike="noStrike" kern="1200" baseline="0">
               <a:solidFill>
                 <a:schemeClr val="tx1">
                   <a:lumMod val="65000"/>
@@ -6522,7 +6765,7 @@
           <a:lstStyle/>
           <a:p>
             <a:pPr>
-              <a:defRPr sz="1400" b="0" i="0" u="none" strike="noStrike" kern="1200" spc="0" baseline="0">
+              <a:defRPr sz="1800" b="1" i="0" u="none" strike="noStrike" kern="1200" spc="0" baseline="0">
                 <a:solidFill>
                   <a:schemeClr val="tx1">
                     <a:lumMod val="65000"/>
@@ -6535,14 +6778,14 @@
               </a:defRPr>
             </a:pPr>
             <a:r>
-              <a:rPr lang="en-US" altLang="zh-CN"/>
-              <a:t>hoitfs-opt</a:t>
+              <a:rPr lang="en-US" altLang="zh-CN" sz="1800" b="1" dirty="0" err="1"/>
+              <a:t>hoitfs-mtree</a:t>
             </a:r>
             <a:r>
-              <a:rPr lang="zh-CN" altLang="en-US"/>
+              <a:rPr lang="zh-CN" altLang="en-US" sz="1800" b="1" dirty="0"/>
               <a:t>局部放大图</a:t>
             </a:r>
-            <a:endParaRPr lang="en-US" altLang="zh-CN"/>
+            <a:endParaRPr lang="en-US" altLang="zh-CN" sz="1800" b="1" dirty="0"/>
           </a:p>
         </c:rich>
       </c:tx>
@@ -6559,7 +6802,7 @@
         <a:lstStyle/>
         <a:p>
           <a:pPr>
-            <a:defRPr sz="1400" b="0" i="0" u="none" strike="noStrike" kern="1200" spc="0" baseline="0">
+            <a:defRPr sz="1800" b="1" i="0" u="none" strike="noStrike" kern="1200" spc="0" baseline="0">
               <a:solidFill>
                 <a:schemeClr val="tx1">
                   <a:lumMod val="65000"/>
@@ -6949,7 +7192,7 @@
               <a:lstStyle/>
               <a:p>
                 <a:pPr>
-                  <a:defRPr sz="1000" b="0" i="0" u="none" strike="noStrike" kern="1200" baseline="0">
+                  <a:defRPr sz="1200" b="1" i="0" u="none" strike="noStrike" kern="1200" baseline="0">
                     <a:solidFill>
                       <a:schemeClr val="tx1">
                         <a:lumMod val="65000"/>
@@ -6962,14 +7205,14 @@
                   </a:defRPr>
                 </a:pPr>
                 <a:r>
-                  <a:rPr lang="zh-CN" altLang="en-US"/>
+                  <a:rPr lang="zh-CN" altLang="en-US" sz="1200" b="1"/>
                   <a:t>写入次数 </a:t>
                 </a:r>
                 <a:r>
-                  <a:rPr lang="en-US" altLang="zh-CN"/>
+                  <a:rPr lang="en-US" altLang="zh-CN" sz="1200" b="1"/>
                   <a:t>( x 100)</a:t>
                 </a:r>
-                <a:endParaRPr lang="zh-CN" altLang="en-US"/>
+                <a:endParaRPr lang="zh-CN" altLang="en-US" sz="1200" b="1"/>
               </a:p>
             </c:rich>
           </c:tx>
@@ -6986,7 +7229,7 @@
             <a:lstStyle/>
             <a:p>
               <a:pPr>
-                <a:defRPr sz="1000" b="0" i="0" u="none" strike="noStrike" kern="1200" baseline="0">
+                <a:defRPr sz="1200" b="1" i="0" u="none" strike="noStrike" kern="1200" baseline="0">
                   <a:solidFill>
                     <a:schemeClr val="tx1">
                       <a:lumMod val="65000"/>
@@ -7023,7 +7266,7 @@
           <a:lstStyle/>
           <a:p>
             <a:pPr>
-              <a:defRPr sz="900" b="0" i="0" u="none" strike="noStrike" kern="1200" baseline="0">
+              <a:defRPr sz="1200" b="1" i="0" u="none" strike="noStrike" kern="1200" baseline="0">
                 <a:solidFill>
                   <a:schemeClr val="tx1">
                     <a:lumMod val="65000"/>
@@ -7043,7 +7286,7 @@
         <c:auto val="1"/>
         <c:lblAlgn val="ctr"/>
         <c:lblOffset val="100"/>
-        <c:tickLblSkip val="5"/>
+        <c:tickLblSkip val="10"/>
         <c:noMultiLvlLbl val="0"/>
       </c:catAx>
       <c:valAx>
@@ -7074,7 +7317,7 @@
               <a:lstStyle/>
               <a:p>
                 <a:pPr>
-                  <a:defRPr sz="1000" b="0" i="0" u="none" strike="noStrike" kern="1200" baseline="0">
+                  <a:defRPr sz="1200" b="1" i="0" u="none" strike="noStrike" kern="1200" baseline="0">
                     <a:solidFill>
                       <a:schemeClr val="tx1">
                         <a:lumMod val="65000"/>
@@ -7087,14 +7330,14 @@
                   </a:defRPr>
                 </a:pPr>
                 <a:r>
-                  <a:rPr lang="zh-CN" altLang="en-US"/>
+                  <a:rPr lang="zh-CN" altLang="en-US" sz="1200" b="1"/>
                   <a:t>节点内存开销 </a:t>
                 </a:r>
                 <a:r>
-                  <a:rPr lang="en-US" altLang="zh-CN"/>
+                  <a:rPr lang="en-US" altLang="zh-CN" sz="1200" b="1"/>
                   <a:t>(B)</a:t>
                 </a:r>
-                <a:endParaRPr lang="zh-CN" altLang="en-US"/>
+                <a:endParaRPr lang="zh-CN" altLang="en-US" sz="1200" b="1"/>
               </a:p>
             </c:rich>
           </c:tx>
@@ -7111,7 +7354,7 @@
             <a:lstStyle/>
             <a:p>
               <a:pPr>
-                <a:defRPr sz="1000" b="0" i="0" u="none" strike="noStrike" kern="1200" baseline="0">
+                <a:defRPr sz="1200" b="1" i="0" u="none" strike="noStrike" kern="1200" baseline="0">
                   <a:solidFill>
                     <a:schemeClr val="tx1">
                       <a:lumMod val="65000"/>
@@ -7143,7 +7386,7 @@
           <a:lstStyle/>
           <a:p>
             <a:pPr>
-              <a:defRPr sz="900" b="0" i="0" u="none" strike="noStrike" kern="1200" baseline="0">
+              <a:defRPr sz="1200" b="1" i="0" u="none" strike="noStrike" kern="1200" baseline="0">
                 <a:solidFill>
                   <a:schemeClr val="tx1">
                     <a:lumMod val="65000"/>
@@ -7230,7 +7473,7 @@
           <a:lstStyle/>
           <a:p>
             <a:pPr>
-              <a:defRPr sz="1400" b="0" i="0" u="none" strike="noStrike" kern="1200" spc="0" baseline="0">
+              <a:defRPr sz="1600" b="1" i="0" u="none" strike="noStrike" kern="1200" spc="0" baseline="0">
                 <a:solidFill>
                   <a:schemeClr val="tx1">
                     <a:lumMod val="65000"/>
@@ -7243,11 +7486,11 @@
               </a:defRPr>
             </a:pPr>
             <a:r>
-              <a:rPr lang="en-US" altLang="zh-CN"/>
+              <a:rPr lang="en-US" altLang="zh-CN" sz="1600" b="1"/>
               <a:t>GC</a:t>
             </a:r>
             <a:r>
-              <a:rPr lang="zh-CN" altLang="en-US"/>
+              <a:rPr lang="zh-CN" altLang="en-US" sz="1600" b="1"/>
               <a:t>性能对比图</a:t>
             </a:r>
           </a:p>
@@ -7266,7 +7509,7 @@
         <a:lstStyle/>
         <a:p>
           <a:pPr>
-            <a:defRPr sz="1400" b="0" i="0" u="none" strike="noStrike" kern="1200" spc="0" baseline="0">
+            <a:defRPr sz="1600" b="1" i="0" u="none" strike="noStrike" kern="1200" spc="0" baseline="0">
               <a:solidFill>
                 <a:schemeClr val="tx1">
                   <a:lumMod val="65000"/>
@@ -7511,7 +7754,7 @@
               <a:lstStyle/>
               <a:p>
                 <a:pPr>
-                  <a:defRPr sz="1000" b="0" i="0" u="none" strike="noStrike" kern="1200" baseline="0">
+                  <a:defRPr sz="1200" b="1" i="0" u="none" strike="noStrike" kern="1200" baseline="0">
                     <a:solidFill>
                       <a:schemeClr val="tx1">
                         <a:lumMod val="65000"/>
@@ -7524,44 +7767,10 @@
                   </a:defRPr>
                 </a:pPr>
                 <a:r>
-                  <a:rPr lang="zh-CN" altLang="en-US"/>
+                  <a:rPr lang="zh-CN" altLang="en-US" sz="1200" b="1" dirty="0"/>
                   <a:t>测试类型</a:t>
                 </a:r>
-                <a:endParaRPr lang="en-US" altLang="zh-CN"/>
-              </a:p>
-              <a:p>
-                <a:pPr>
-                  <a:defRPr/>
-                </a:pPr>
-                <a:r>
-                  <a:rPr lang="zh-CN" altLang="en-US"/>
-                  <a:t>（</a:t>
-                </a:r>
-                <a:r>
-                  <a:rPr lang="en-US" altLang="zh-CN"/>
-                  <a:t>x:y</a:t>
-                </a:r>
-                <a:r>
-                  <a:rPr lang="zh-CN" altLang="en-US" baseline="0"/>
-                  <a:t>代表先删除百分之</a:t>
-                </a:r>
-                <a:r>
-                  <a:rPr lang="en-US" altLang="zh-CN" baseline="0"/>
-                  <a:t>x</a:t>
-                </a:r>
-                <a:r>
-                  <a:rPr lang="zh-CN" altLang="en-US" baseline="0"/>
-                  <a:t>的数据，然后写入百分之</a:t>
-                </a:r>
-                <a:r>
-                  <a:rPr lang="en-US" altLang="zh-CN" baseline="0"/>
-                  <a:t>y</a:t>
-                </a:r>
-                <a:r>
-                  <a:rPr lang="zh-CN" altLang="en-US" baseline="0"/>
-                  <a:t>的数据）</a:t>
-                </a:r>
-                <a:endParaRPr lang="zh-CN" altLang="en-US"/>
+                <a:endParaRPr lang="en-US" altLang="zh-CN" sz="1200" b="1" dirty="0"/>
               </a:p>
             </c:rich>
           </c:tx>
@@ -7569,8 +7778,8 @@
             <c:manualLayout>
               <c:xMode val="edge"/>
               <c:yMode val="edge"/>
-              <c:x val="0.20504746281714789"/>
-              <c:y val="0.7362263050452027"/>
+              <c:x val="0.47449190726159229"/>
+              <c:y val="0.77326334208223968"/>
             </c:manualLayout>
           </c:layout>
           <c:overlay val="0"/>
@@ -7586,7 +7795,7 @@
             <a:lstStyle/>
             <a:p>
               <a:pPr>
-                <a:defRPr sz="1000" b="0" i="0" u="none" strike="noStrike" kern="1200" baseline="0">
+                <a:defRPr sz="1200" b="1" i="0" u="none" strike="noStrike" kern="1200" baseline="0">
                   <a:solidFill>
                     <a:schemeClr val="tx1">
                       <a:lumMod val="65000"/>
@@ -7624,7 +7833,7 @@
           <a:lstStyle/>
           <a:p>
             <a:pPr>
-              <a:defRPr sz="900" b="0" i="0" u="none" strike="noStrike" kern="1200" baseline="0">
+              <a:defRPr sz="1200" b="1" i="0" u="none" strike="noStrike" kern="1200" baseline="0">
                 <a:solidFill>
                   <a:schemeClr val="tx1">
                     <a:lumMod val="65000"/>
@@ -7674,7 +7883,7 @@
               <a:lstStyle/>
               <a:p>
                 <a:pPr>
-                  <a:defRPr sz="1000" b="0" i="0" u="none" strike="noStrike" kern="1200" baseline="0">
+                  <a:defRPr sz="1200" b="1" i="0" u="none" strike="noStrike" kern="1200" baseline="0">
                     <a:solidFill>
                       <a:schemeClr val="tx1">
                         <a:lumMod val="65000"/>
@@ -7687,14 +7896,14 @@
                   </a:defRPr>
                 </a:pPr>
                 <a:r>
-                  <a:rPr lang="zh-CN" altLang="en-US"/>
+                  <a:rPr lang="zh-CN" altLang="en-US" sz="1200" b="1"/>
                   <a:t>吞吐率 </a:t>
                 </a:r>
                 <a:r>
-                  <a:rPr lang="en-US" altLang="zh-CN"/>
+                  <a:rPr lang="en-US" altLang="zh-CN" sz="1200" b="1"/>
                   <a:t>(KB/s)</a:t>
                 </a:r>
-                <a:endParaRPr lang="zh-CN" altLang="en-US"/>
+                <a:endParaRPr lang="zh-CN" altLang="en-US" sz="1200" b="1"/>
               </a:p>
             </c:rich>
           </c:tx>
@@ -7711,7 +7920,7 @@
             <a:lstStyle/>
             <a:p>
               <a:pPr>
-                <a:defRPr sz="1000" b="0" i="0" u="none" strike="noStrike" kern="1200" baseline="0">
+                <a:defRPr sz="1200" b="1" i="0" u="none" strike="noStrike" kern="1200" baseline="0">
                   <a:solidFill>
                     <a:schemeClr val="tx1">
                       <a:lumMod val="65000"/>
@@ -7743,7 +7952,7 @@
           <a:lstStyle/>
           <a:p>
             <a:pPr>
-              <a:defRPr sz="900" b="0" i="0" u="none" strike="noStrike" kern="1200" baseline="0">
+              <a:defRPr sz="1200" b="1" i="0" u="none" strike="noStrike" kern="1200" baseline="0">
                 <a:solidFill>
                   <a:schemeClr val="tx1">
                     <a:lumMod val="65000"/>
@@ -7785,7 +7994,7 @@
         <a:lstStyle/>
         <a:p>
           <a:pPr>
-            <a:defRPr sz="900" b="0" i="0" u="none" strike="noStrike" kern="1200" baseline="0">
+            <a:defRPr sz="1200" b="1" i="0" u="none" strike="noStrike" kern="1200" baseline="0">
               <a:solidFill>
                 <a:schemeClr val="tx1">
                   <a:lumMod val="65000"/>
@@ -13887,6 +14096,439 @@
     </cs:spPr>
   </cs:wall>
 </cs:chartStyle>
+</file>
+
+<file path=ppt/notesMasters/notesMaster1.xml><?xml version="1.0" encoding="utf-8"?>
+<p:notesMaster xmlns:a="http://schemas.openxmlformats.org/drawingml/2006/main" xmlns:r="http://schemas.openxmlformats.org/officeDocument/2006/relationships" xmlns:p="http://schemas.openxmlformats.org/presentationml/2006/main">
+  <p:cSld>
+    <p:bg>
+      <p:bgRef idx="1001">
+        <a:schemeClr val="bg1"/>
+      </p:bgRef>
+    </p:bg>
+    <p:spTree>
+      <p:nvGrpSpPr>
+        <p:cNvPr id="1" name=""/>
+        <p:cNvGrpSpPr/>
+        <p:nvPr/>
+      </p:nvGrpSpPr>
+      <p:grpSpPr>
+        <a:xfrm>
+          <a:off x="0" y="0"/>
+          <a:ext cx="0" cy="0"/>
+          <a:chOff x="0" y="0"/>
+          <a:chExt cx="0" cy="0"/>
+        </a:xfrm>
+      </p:grpSpPr>
+      <p:sp>
+        <p:nvSpPr>
+          <p:cNvPr id="2" name="页眉占位符 1"/>
+          <p:cNvSpPr>
+            <a:spLocks noGrp="1"/>
+          </p:cNvSpPr>
+          <p:nvPr>
+            <p:ph type="hdr" sz="quarter"/>
+          </p:nvPr>
+        </p:nvSpPr>
+        <p:spPr>
+          <a:xfrm>
+            <a:off x="0" y="0"/>
+            <a:ext cx="2971800" cy="458788"/>
+          </a:xfrm>
+          <a:prstGeom prst="rect">
+            <a:avLst/>
+          </a:prstGeom>
+        </p:spPr>
+        <p:txBody>
+          <a:bodyPr vert="horz" lIns="91440" tIns="45720" rIns="91440" bIns="45720" rtlCol="0"/>
+          <a:lstStyle>
+            <a:lvl1pPr algn="l">
+              <a:defRPr sz="1200"/>
+            </a:lvl1pPr>
+          </a:lstStyle>
+          <a:p>
+            <a:endParaRPr lang="zh-CN" altLang="en-US"/>
+          </a:p>
+        </p:txBody>
+      </p:sp>
+      <p:sp>
+        <p:nvSpPr>
+          <p:cNvPr id="3" name="日期占位符 2"/>
+          <p:cNvSpPr>
+            <a:spLocks noGrp="1"/>
+          </p:cNvSpPr>
+          <p:nvPr>
+            <p:ph type="dt" idx="1"/>
+          </p:nvPr>
+        </p:nvSpPr>
+        <p:spPr>
+          <a:xfrm>
+            <a:off x="3884613" y="0"/>
+            <a:ext cx="2971800" cy="458788"/>
+          </a:xfrm>
+          <a:prstGeom prst="rect">
+            <a:avLst/>
+          </a:prstGeom>
+        </p:spPr>
+        <p:txBody>
+          <a:bodyPr vert="horz" lIns="91440" tIns="45720" rIns="91440" bIns="45720" rtlCol="0"/>
+          <a:lstStyle>
+            <a:lvl1pPr algn="r">
+              <a:defRPr sz="1200"/>
+            </a:lvl1pPr>
+          </a:lstStyle>
+          <a:p>
+            <a:fld id="{440F15DA-DACD-49B2-AC6C-2EA92E84FEF4}" type="datetimeFigureOut">
+              <a:rPr lang="zh-CN" altLang="en-US" smtClean="0"/>
+              <a:t>2021/8/18</a:t>
+            </a:fld>
+            <a:endParaRPr lang="zh-CN" altLang="en-US"/>
+          </a:p>
+        </p:txBody>
+      </p:sp>
+      <p:sp>
+        <p:nvSpPr>
+          <p:cNvPr id="4" name="幻灯片图像占位符 3"/>
+          <p:cNvSpPr>
+            <a:spLocks noGrp="1" noRot="1" noChangeAspect="1"/>
+          </p:cNvSpPr>
+          <p:nvPr>
+            <p:ph type="sldImg" idx="2"/>
+          </p:nvPr>
+        </p:nvSpPr>
+        <p:spPr>
+          <a:xfrm>
+            <a:off x="685800" y="1143000"/>
+            <a:ext cx="5486400" cy="3086100"/>
+          </a:xfrm>
+          <a:prstGeom prst="rect">
+            <a:avLst/>
+          </a:prstGeom>
+          <a:noFill/>
+          <a:ln w="12700">
+            <a:solidFill>
+              <a:prstClr val="black"/>
+            </a:solidFill>
+          </a:ln>
+        </p:spPr>
+        <p:txBody>
+          <a:bodyPr vert="horz" lIns="91440" tIns="45720" rIns="91440" bIns="45720" rtlCol="0" anchor="ctr"/>
+          <a:lstStyle/>
+          <a:p>
+            <a:endParaRPr lang="zh-CN" altLang="en-US"/>
+          </a:p>
+        </p:txBody>
+      </p:sp>
+      <p:sp>
+        <p:nvSpPr>
+          <p:cNvPr id="5" name="备注占位符 4"/>
+          <p:cNvSpPr>
+            <a:spLocks noGrp="1"/>
+          </p:cNvSpPr>
+          <p:nvPr>
+            <p:ph type="body" sz="quarter" idx="3"/>
+          </p:nvPr>
+        </p:nvSpPr>
+        <p:spPr>
+          <a:xfrm>
+            <a:off x="685800" y="4400550"/>
+            <a:ext cx="5486400" cy="3600450"/>
+          </a:xfrm>
+          <a:prstGeom prst="rect">
+            <a:avLst/>
+          </a:prstGeom>
+        </p:spPr>
+        <p:txBody>
+          <a:bodyPr vert="horz" lIns="91440" tIns="45720" rIns="91440" bIns="45720" rtlCol="0"/>
+          <a:lstStyle/>
+          <a:p>
+            <a:pPr lvl="0"/>
+            <a:r>
+              <a:rPr lang="zh-CN" altLang="en-US"/>
+              <a:t>单击此处编辑母版文本样式</a:t>
+            </a:r>
+          </a:p>
+          <a:p>
+            <a:pPr lvl="1"/>
+            <a:r>
+              <a:rPr lang="zh-CN" altLang="en-US"/>
+              <a:t>二级</a:t>
+            </a:r>
+          </a:p>
+          <a:p>
+            <a:pPr lvl="2"/>
+            <a:r>
+              <a:rPr lang="zh-CN" altLang="en-US"/>
+              <a:t>三级</a:t>
+            </a:r>
+          </a:p>
+          <a:p>
+            <a:pPr lvl="3"/>
+            <a:r>
+              <a:rPr lang="zh-CN" altLang="en-US"/>
+              <a:t>四级</a:t>
+            </a:r>
+          </a:p>
+          <a:p>
+            <a:pPr lvl="4"/>
+            <a:r>
+              <a:rPr lang="zh-CN" altLang="en-US"/>
+              <a:t>五级</a:t>
+            </a:r>
+          </a:p>
+        </p:txBody>
+      </p:sp>
+      <p:sp>
+        <p:nvSpPr>
+          <p:cNvPr id="6" name="页脚占位符 5"/>
+          <p:cNvSpPr>
+            <a:spLocks noGrp="1"/>
+          </p:cNvSpPr>
+          <p:nvPr>
+            <p:ph type="ftr" sz="quarter" idx="4"/>
+          </p:nvPr>
+        </p:nvSpPr>
+        <p:spPr>
+          <a:xfrm>
+            <a:off x="0" y="8685213"/>
+            <a:ext cx="2971800" cy="458787"/>
+          </a:xfrm>
+          <a:prstGeom prst="rect">
+            <a:avLst/>
+          </a:prstGeom>
+        </p:spPr>
+        <p:txBody>
+          <a:bodyPr vert="horz" lIns="91440" tIns="45720" rIns="91440" bIns="45720" rtlCol="0" anchor="b"/>
+          <a:lstStyle>
+            <a:lvl1pPr algn="l">
+              <a:defRPr sz="1200"/>
+            </a:lvl1pPr>
+          </a:lstStyle>
+          <a:p>
+            <a:endParaRPr lang="zh-CN" altLang="en-US"/>
+          </a:p>
+        </p:txBody>
+      </p:sp>
+      <p:sp>
+        <p:nvSpPr>
+          <p:cNvPr id="7" name="灯片编号占位符 6"/>
+          <p:cNvSpPr>
+            <a:spLocks noGrp="1"/>
+          </p:cNvSpPr>
+          <p:nvPr>
+            <p:ph type="sldNum" sz="quarter" idx="5"/>
+          </p:nvPr>
+        </p:nvSpPr>
+        <p:spPr>
+          <a:xfrm>
+            <a:off x="3884613" y="8685213"/>
+            <a:ext cx="2971800" cy="458787"/>
+          </a:xfrm>
+          <a:prstGeom prst="rect">
+            <a:avLst/>
+          </a:prstGeom>
+        </p:spPr>
+        <p:txBody>
+          <a:bodyPr vert="horz" lIns="91440" tIns="45720" rIns="91440" bIns="45720" rtlCol="0" anchor="b"/>
+          <a:lstStyle>
+            <a:lvl1pPr algn="r">
+              <a:defRPr sz="1200"/>
+            </a:lvl1pPr>
+          </a:lstStyle>
+          <a:p>
+            <a:fld id="{FD2C9650-F799-465E-BC06-9ECC12C191B2}" type="slidenum">
+              <a:rPr lang="zh-CN" altLang="en-US" smtClean="0"/>
+              <a:t>‹#›</a:t>
+            </a:fld>
+            <a:endParaRPr lang="zh-CN" altLang="en-US"/>
+          </a:p>
+        </p:txBody>
+      </p:sp>
+    </p:spTree>
+    <p:extLst>
+      <p:ext uri="{BB962C8B-B14F-4D97-AF65-F5344CB8AC3E}">
+        <p14:creationId xmlns:p14="http://schemas.microsoft.com/office/powerpoint/2010/main" val="331960246"/>
+      </p:ext>
+    </p:extLst>
+  </p:cSld>
+  <p:clrMap bg1="lt1" tx1="dk1" bg2="lt2" tx2="dk2" accent1="accent1" accent2="accent2" accent3="accent3" accent4="accent4" accent5="accent5" accent6="accent6" hlink="hlink" folHlink="folHlink"/>
+  <p:notesStyle>
+    <a:lvl1pPr marL="0" algn="l" defTabSz="914400" rtl="0" eaLnBrk="1" latinLnBrk="0" hangingPunct="1">
+      <a:defRPr sz="1200" kern="1200">
+        <a:solidFill>
+          <a:schemeClr val="tx1"/>
+        </a:solidFill>
+        <a:latin typeface="+mn-lt"/>
+        <a:ea typeface="+mn-ea"/>
+        <a:cs typeface="+mn-cs"/>
+      </a:defRPr>
+    </a:lvl1pPr>
+    <a:lvl2pPr marL="457200" algn="l" defTabSz="914400" rtl="0" eaLnBrk="1" latinLnBrk="0" hangingPunct="1">
+      <a:defRPr sz="1200" kern="1200">
+        <a:solidFill>
+          <a:schemeClr val="tx1"/>
+        </a:solidFill>
+        <a:latin typeface="+mn-lt"/>
+        <a:ea typeface="+mn-ea"/>
+        <a:cs typeface="+mn-cs"/>
+      </a:defRPr>
+    </a:lvl2pPr>
+    <a:lvl3pPr marL="914400" algn="l" defTabSz="914400" rtl="0" eaLnBrk="1" latinLnBrk="0" hangingPunct="1">
+      <a:defRPr sz="1200" kern="1200">
+        <a:solidFill>
+          <a:schemeClr val="tx1"/>
+        </a:solidFill>
+        <a:latin typeface="+mn-lt"/>
+        <a:ea typeface="+mn-ea"/>
+        <a:cs typeface="+mn-cs"/>
+      </a:defRPr>
+    </a:lvl3pPr>
+    <a:lvl4pPr marL="1371600" algn="l" defTabSz="914400" rtl="0" eaLnBrk="1" latinLnBrk="0" hangingPunct="1">
+      <a:defRPr sz="1200" kern="1200">
+        <a:solidFill>
+          <a:schemeClr val="tx1"/>
+        </a:solidFill>
+        <a:latin typeface="+mn-lt"/>
+        <a:ea typeface="+mn-ea"/>
+        <a:cs typeface="+mn-cs"/>
+      </a:defRPr>
+    </a:lvl4pPr>
+    <a:lvl5pPr marL="1828800" algn="l" defTabSz="914400" rtl="0" eaLnBrk="1" latinLnBrk="0" hangingPunct="1">
+      <a:defRPr sz="1200" kern="1200">
+        <a:solidFill>
+          <a:schemeClr val="tx1"/>
+        </a:solidFill>
+        <a:latin typeface="+mn-lt"/>
+        <a:ea typeface="+mn-ea"/>
+        <a:cs typeface="+mn-cs"/>
+      </a:defRPr>
+    </a:lvl5pPr>
+    <a:lvl6pPr marL="2286000" algn="l" defTabSz="914400" rtl="0" eaLnBrk="1" latinLnBrk="0" hangingPunct="1">
+      <a:defRPr sz="1200" kern="1200">
+        <a:solidFill>
+          <a:schemeClr val="tx1"/>
+        </a:solidFill>
+        <a:latin typeface="+mn-lt"/>
+        <a:ea typeface="+mn-ea"/>
+        <a:cs typeface="+mn-cs"/>
+      </a:defRPr>
+    </a:lvl6pPr>
+    <a:lvl7pPr marL="2743200" algn="l" defTabSz="914400" rtl="0" eaLnBrk="1" latinLnBrk="0" hangingPunct="1">
+      <a:defRPr sz="1200" kern="1200">
+        <a:solidFill>
+          <a:schemeClr val="tx1"/>
+        </a:solidFill>
+        <a:latin typeface="+mn-lt"/>
+        <a:ea typeface="+mn-ea"/>
+        <a:cs typeface="+mn-cs"/>
+      </a:defRPr>
+    </a:lvl7pPr>
+    <a:lvl8pPr marL="3200400" algn="l" defTabSz="914400" rtl="0" eaLnBrk="1" latinLnBrk="0" hangingPunct="1">
+      <a:defRPr sz="1200" kern="1200">
+        <a:solidFill>
+          <a:schemeClr val="tx1"/>
+        </a:solidFill>
+        <a:latin typeface="+mn-lt"/>
+        <a:ea typeface="+mn-ea"/>
+        <a:cs typeface="+mn-cs"/>
+      </a:defRPr>
+    </a:lvl8pPr>
+    <a:lvl9pPr marL="3657600" algn="l" defTabSz="914400" rtl="0" eaLnBrk="1" latinLnBrk="0" hangingPunct="1">
+      <a:defRPr sz="1200" kern="1200">
+        <a:solidFill>
+          <a:schemeClr val="tx1"/>
+        </a:solidFill>
+        <a:latin typeface="+mn-lt"/>
+        <a:ea typeface="+mn-ea"/>
+        <a:cs typeface="+mn-cs"/>
+      </a:defRPr>
+    </a:lvl9pPr>
+  </p:notesStyle>
+</p:notesMaster>
+</file>
+
+<file path=ppt/notesSlides/notesSlide1.xml><?xml version="1.0" encoding="utf-8"?>
+<p:notes xmlns:a="http://schemas.openxmlformats.org/drawingml/2006/main" xmlns:r="http://schemas.openxmlformats.org/officeDocument/2006/relationships" xmlns:p="http://schemas.openxmlformats.org/presentationml/2006/main">
+  <p:cSld>
+    <p:spTree>
+      <p:nvGrpSpPr>
+        <p:cNvPr id="1" name=""/>
+        <p:cNvGrpSpPr/>
+        <p:nvPr/>
+      </p:nvGrpSpPr>
+      <p:grpSpPr>
+        <a:xfrm>
+          <a:off x="0" y="0"/>
+          <a:ext cx="0" cy="0"/>
+          <a:chOff x="0" y="0"/>
+          <a:chExt cx="0" cy="0"/>
+        </a:xfrm>
+      </p:grpSpPr>
+      <p:sp>
+        <p:nvSpPr>
+          <p:cNvPr id="2" name="幻灯片图像占位符 1"/>
+          <p:cNvSpPr>
+            <a:spLocks noGrp="1" noRot="1" noChangeAspect="1"/>
+          </p:cNvSpPr>
+          <p:nvPr>
+            <p:ph type="sldImg"/>
+          </p:nvPr>
+        </p:nvSpPr>
+        <p:spPr/>
+      </p:sp>
+      <p:sp>
+        <p:nvSpPr>
+          <p:cNvPr id="3" name="备注占位符 2"/>
+          <p:cNvSpPr>
+            <a:spLocks noGrp="1"/>
+          </p:cNvSpPr>
+          <p:nvPr>
+            <p:ph type="body" idx="1"/>
+          </p:nvPr>
+        </p:nvSpPr>
+        <p:spPr/>
+        <p:txBody>
+          <a:bodyPr/>
+          <a:lstStyle/>
+          <a:p>
+            <a:endParaRPr lang="zh-CN" altLang="en-US" dirty="0"/>
+          </a:p>
+        </p:txBody>
+      </p:sp>
+      <p:sp>
+        <p:nvSpPr>
+          <p:cNvPr id="4" name="灯片编号占位符 3"/>
+          <p:cNvSpPr>
+            <a:spLocks noGrp="1"/>
+          </p:cNvSpPr>
+          <p:nvPr>
+            <p:ph type="sldNum" sz="quarter" idx="5"/>
+          </p:nvPr>
+        </p:nvSpPr>
+        <p:spPr/>
+        <p:txBody>
+          <a:bodyPr/>
+          <a:lstStyle/>
+          <a:p>
+            <a:fld id="{FD2C9650-F799-465E-BC06-9ECC12C191B2}" type="slidenum">
+              <a:rPr lang="zh-CN" altLang="en-US" smtClean="0"/>
+              <a:t>6</a:t>
+            </a:fld>
+            <a:endParaRPr lang="zh-CN" altLang="en-US"/>
+          </a:p>
+        </p:txBody>
+      </p:sp>
+    </p:spTree>
+    <p:extLst>
+      <p:ext uri="{BB962C8B-B14F-4D97-AF65-F5344CB8AC3E}">
+        <p14:creationId xmlns:p14="http://schemas.microsoft.com/office/powerpoint/2010/main" val="209363029"/>
+      </p:ext>
+    </p:extLst>
+  </p:cSld>
+  <p:clrMapOvr>
+    <a:masterClrMapping/>
+  </p:clrMapOvr>
+</p:notes>
 </file>
 
 <file path=ppt/slideLayouts/slideLayout1.xml><?xml version="1.0" encoding="utf-8"?>
@@ -14495,85 +15137,106 @@
           <a:chExt cx="0" cy="0"/>
         </a:xfrm>
       </p:grpSpPr>
-      <p:sp>
-        <p:nvSpPr>
-          <p:cNvPr id="4" name="矩形 3">
+      <p:grpSp>
+        <p:nvGrpSpPr>
+          <p:cNvPr id="9" name="组合 8">
             <a:extLst>
               <a:ext uri="{FF2B5EF4-FFF2-40B4-BE49-F238E27FC236}">
-                <a16:creationId xmlns:a16="http://schemas.microsoft.com/office/drawing/2014/main" id="{484C170C-C27A-41A3-87FD-8FCFA00E8810}"/>
+                <a16:creationId xmlns:a16="http://schemas.microsoft.com/office/drawing/2014/main" id="{6185C183-2B1C-4E08-BC0A-F47C04C3E3E5}"/>
               </a:ext>
             </a:extLst>
           </p:cNvPr>
-          <p:cNvSpPr/>
+          <p:cNvGrpSpPr/>
           <p:nvPr/>
-        </p:nvSpPr>
-        <p:spPr>
+        </p:nvGrpSpPr>
+        <p:grpSpPr>
           <a:xfrm>
-            <a:off x="0" y="0"/>
-            <a:ext cx="12192000" cy="6858000"/>
+            <a:off x="1126528" y="1751279"/>
+            <a:ext cx="9938944" cy="3180946"/>
+            <a:chOff x="1126528" y="1751279"/>
+            <a:chExt cx="9938944" cy="3180946"/>
           </a:xfrm>
-          <a:prstGeom prst="rect">
-            <a:avLst/>
-          </a:prstGeom>
-          <a:ln>
-            <a:solidFill>
-              <a:schemeClr val="bg1"/>
-            </a:solidFill>
-          </a:ln>
-        </p:spPr>
-        <p:style>
-          <a:lnRef idx="2">
-            <a:schemeClr val="dk1"/>
-          </a:lnRef>
-          <a:fillRef idx="1">
-            <a:schemeClr val="lt1"/>
-          </a:fillRef>
-          <a:effectRef idx="0">
-            <a:schemeClr val="dk1"/>
-          </a:effectRef>
-          <a:fontRef idx="minor">
-            <a:schemeClr val="dk1"/>
-          </a:fontRef>
-        </p:style>
-        <p:txBody>
-          <a:bodyPr rtlCol="0" anchor="ctr"/>
-          <a:lstStyle/>
-          <a:p>
-            <a:pPr algn="ctr"/>
-            <a:endParaRPr lang="zh-CN" altLang="en-US"/>
-          </a:p>
-        </p:txBody>
-      </p:sp>
-      <p:graphicFrame>
-        <p:nvGraphicFramePr>
-          <p:cNvPr id="5" name="图表 4">
-            <a:extLst>
-              <a:ext uri="{FF2B5EF4-FFF2-40B4-BE49-F238E27FC236}">
-                <a16:creationId xmlns:a16="http://schemas.microsoft.com/office/drawing/2014/main" id="{91F53274-04D1-4168-B862-12195CAACC6C}"/>
-              </a:ext>
-            </a:extLst>
-          </p:cNvPr>
-          <p:cNvGraphicFramePr>
-            <a:graphicFrameLocks/>
-          </p:cNvGraphicFramePr>
-          <p:nvPr>
-            <p:extLst>
-              <p:ext uri="{D42A27DB-BD31-4B8C-83A1-F6EECF244321}">
-                <p14:modId xmlns:p14="http://schemas.microsoft.com/office/powerpoint/2010/main" val="3265897303"/>
-              </p:ext>
-            </p:extLst>
-          </p:nvPr>
-        </p:nvGraphicFramePr>
-        <p:xfrm>
-          <a:off x="3810000" y="2057400"/>
-          <a:ext cx="4572000" cy="2743200"/>
-        </p:xfrm>
-        <a:graphic>
-          <a:graphicData uri="http://schemas.openxmlformats.org/drawingml/2006/chart">
-            <c:chart xmlns:c="http://schemas.openxmlformats.org/drawingml/2006/chart" xmlns:r="http://schemas.openxmlformats.org/officeDocument/2006/relationships" r:id="rId2"/>
-          </a:graphicData>
-        </a:graphic>
-      </p:graphicFrame>
+        </p:grpSpPr>
+        <p:sp>
+          <p:nvSpPr>
+            <p:cNvPr id="4" name="矩形 3">
+              <a:extLst>
+                <a:ext uri="{FF2B5EF4-FFF2-40B4-BE49-F238E27FC236}">
+                  <a16:creationId xmlns:a16="http://schemas.microsoft.com/office/drawing/2014/main" id="{484C170C-C27A-41A3-87FD-8FCFA00E8810}"/>
+                </a:ext>
+              </a:extLst>
+            </p:cNvPr>
+            <p:cNvSpPr/>
+            <p:nvPr/>
+          </p:nvSpPr>
+          <p:spPr>
+            <a:xfrm>
+              <a:off x="1126528" y="1751279"/>
+              <a:ext cx="9938944" cy="3180946"/>
+            </a:xfrm>
+            <a:prstGeom prst="rect">
+              <a:avLst/>
+            </a:prstGeom>
+            <a:ln>
+              <a:solidFill>
+                <a:schemeClr val="bg1"/>
+              </a:solidFill>
+            </a:ln>
+          </p:spPr>
+          <p:style>
+            <a:lnRef idx="2">
+              <a:schemeClr val="dk1"/>
+            </a:lnRef>
+            <a:fillRef idx="1">
+              <a:schemeClr val="lt1"/>
+            </a:fillRef>
+            <a:effectRef idx="0">
+              <a:schemeClr val="dk1"/>
+            </a:effectRef>
+            <a:fontRef idx="minor">
+              <a:schemeClr val="dk1"/>
+            </a:fontRef>
+          </p:style>
+          <p:txBody>
+            <a:bodyPr rtlCol="0" anchor="ctr"/>
+            <a:lstStyle/>
+            <a:p>
+              <a:pPr algn="ctr"/>
+              <a:endParaRPr lang="zh-CN" altLang="en-US"/>
+            </a:p>
+          </p:txBody>
+        </p:sp>
+        <p:graphicFrame>
+          <p:nvGraphicFramePr>
+            <p:cNvPr id="5" name="图表 4">
+              <a:extLst>
+                <a:ext uri="{FF2B5EF4-FFF2-40B4-BE49-F238E27FC236}">
+                  <a16:creationId xmlns:a16="http://schemas.microsoft.com/office/drawing/2014/main" id="{91F53274-04D1-4168-B862-12195CAACC6C}"/>
+                </a:ext>
+              </a:extLst>
+            </p:cNvPr>
+            <p:cNvGraphicFramePr>
+              <a:graphicFrameLocks/>
+            </p:cNvGraphicFramePr>
+            <p:nvPr>
+              <p:extLst>
+                <p:ext uri="{D42A27DB-BD31-4B8C-83A1-F6EECF244321}">
+                  <p14:modId xmlns:p14="http://schemas.microsoft.com/office/powerpoint/2010/main" val="1390739409"/>
+                </p:ext>
+              </p:extLst>
+            </p:nvPr>
+          </p:nvGraphicFramePr>
+          <p:xfrm>
+            <a:off x="3810000" y="2057400"/>
+            <a:ext cx="4572000" cy="2743200"/>
+          </p:xfrm>
+          <a:graphic>
+            <a:graphicData uri="http://schemas.openxmlformats.org/drawingml/2006/chart">
+              <c:chart xmlns:c="http://schemas.openxmlformats.org/drawingml/2006/chart" xmlns:r="http://schemas.openxmlformats.org/officeDocument/2006/relationships" r:id="rId2"/>
+            </a:graphicData>
+          </a:graphic>
+        </p:graphicFrame>
+      </p:grpSp>
     </p:spTree>
     <p:extLst>
       <p:ext uri="{BB962C8B-B14F-4D97-AF65-F5344CB8AC3E}">
@@ -15714,196 +16377,346 @@
           <a:chExt cx="0" cy="0"/>
         </a:xfrm>
       </p:grpSpPr>
-      <p:grpSp>
-        <p:nvGrpSpPr>
-          <p:cNvPr id="3" name="组合 2">
+      <p:sp>
+        <p:nvSpPr>
+          <p:cNvPr id="9" name="矩形 8">
             <a:extLst>
               <a:ext uri="{FF2B5EF4-FFF2-40B4-BE49-F238E27FC236}">
-                <a16:creationId xmlns:a16="http://schemas.microsoft.com/office/drawing/2014/main" id="{39A40FA8-AD5A-4E75-9689-6532228570E6}"/>
+                <a16:creationId xmlns:a16="http://schemas.microsoft.com/office/drawing/2014/main" id="{299AC9FB-A93C-4408-A7FB-C45B69DF707E}"/>
               </a:ext>
             </a:extLst>
           </p:cNvPr>
-          <p:cNvGrpSpPr/>
+          <p:cNvSpPr/>
           <p:nvPr/>
-        </p:nvGrpSpPr>
-        <p:grpSpPr>
+        </p:nvSpPr>
+        <p:spPr>
           <a:xfrm>
             <a:off x="0" y="0"/>
             <a:ext cx="12192000" cy="6858000"/>
-            <a:chOff x="0" y="0"/>
-            <a:chExt cx="12192000" cy="6858000"/>
           </a:xfrm>
-        </p:grpSpPr>
-        <p:sp>
-          <p:nvSpPr>
-            <p:cNvPr id="9" name="矩形 8">
-              <a:extLst>
-                <a:ext uri="{FF2B5EF4-FFF2-40B4-BE49-F238E27FC236}">
-                  <a16:creationId xmlns:a16="http://schemas.microsoft.com/office/drawing/2014/main" id="{299AC9FB-A93C-4408-A7FB-C45B69DF707E}"/>
-                </a:ext>
-              </a:extLst>
-            </p:cNvPr>
-            <p:cNvSpPr/>
-            <p:nvPr/>
-          </p:nvSpPr>
-          <p:spPr>
-            <a:xfrm>
-              <a:off x="0" y="0"/>
-              <a:ext cx="12192000" cy="6858000"/>
-            </a:xfrm>
-            <a:prstGeom prst="rect">
-              <a:avLst/>
-            </a:prstGeom>
-            <a:ln>
-              <a:solidFill>
-                <a:schemeClr val="bg1"/>
-              </a:solidFill>
-            </a:ln>
-          </p:spPr>
-          <p:style>
-            <a:lnRef idx="2">
-              <a:schemeClr val="dk1"/>
-            </a:lnRef>
-            <a:fillRef idx="1">
-              <a:schemeClr val="lt1"/>
-            </a:fillRef>
-            <a:effectRef idx="0">
-              <a:schemeClr val="dk1"/>
-            </a:effectRef>
-            <a:fontRef idx="minor">
-              <a:schemeClr val="dk1"/>
-            </a:fontRef>
-          </p:style>
-          <p:txBody>
-            <a:bodyPr rtlCol="0" anchor="ctr"/>
-            <a:lstStyle/>
-            <a:p>
-              <a:pPr algn="ctr"/>
-              <a:endParaRPr lang="zh-CN" altLang="en-US"/>
-            </a:p>
-          </p:txBody>
-        </p:sp>
-        <p:graphicFrame>
-          <p:nvGraphicFramePr>
-            <p:cNvPr id="11" name="图表 10">
-              <a:extLst>
-                <a:ext uri="{FF2B5EF4-FFF2-40B4-BE49-F238E27FC236}">
-                  <a16:creationId xmlns:a16="http://schemas.microsoft.com/office/drawing/2014/main" id="{A237C1B8-C739-45FB-9904-CB2DABDFE3EC}"/>
-                </a:ext>
-              </a:extLst>
-            </p:cNvPr>
-            <p:cNvGraphicFramePr>
-              <a:graphicFrameLocks/>
-            </p:cNvGraphicFramePr>
-            <p:nvPr>
-              <p:extLst>
-                <p:ext uri="{D42A27DB-BD31-4B8C-83A1-F6EECF244321}">
-                  <p14:modId xmlns:p14="http://schemas.microsoft.com/office/powerpoint/2010/main" val="493533423"/>
-                </p:ext>
-              </p:extLst>
-            </p:nvPr>
-          </p:nvGraphicFramePr>
-          <p:xfrm>
-            <a:off x="1110342" y="487263"/>
-            <a:ext cx="4572000" cy="2729817"/>
-          </p:xfrm>
-          <a:graphic>
-            <a:graphicData uri="http://schemas.openxmlformats.org/drawingml/2006/chart">
-              <c:chart xmlns:c="http://schemas.openxmlformats.org/drawingml/2006/chart" xmlns:r="http://schemas.openxmlformats.org/officeDocument/2006/relationships" r:id="rId2"/>
-            </a:graphicData>
-          </a:graphic>
-        </p:graphicFrame>
-        <p:graphicFrame>
-          <p:nvGraphicFramePr>
-            <p:cNvPr id="12" name="图表 11">
-              <a:extLst>
-                <a:ext uri="{FF2B5EF4-FFF2-40B4-BE49-F238E27FC236}">
-                  <a16:creationId xmlns:a16="http://schemas.microsoft.com/office/drawing/2014/main" id="{5677BC3C-6CBB-4EFF-86B1-5038B8FE758B}"/>
-                </a:ext>
-              </a:extLst>
-            </p:cNvPr>
-            <p:cNvGraphicFramePr>
-              <a:graphicFrameLocks/>
-            </p:cNvGraphicFramePr>
-            <p:nvPr>
-              <p:extLst>
-                <p:ext uri="{D42A27DB-BD31-4B8C-83A1-F6EECF244321}">
-                  <p14:modId xmlns:p14="http://schemas.microsoft.com/office/powerpoint/2010/main" val="2459187937"/>
-                </p:ext>
-              </p:extLst>
-            </p:nvPr>
-          </p:nvGraphicFramePr>
-          <p:xfrm>
-            <a:off x="6553200" y="500070"/>
-            <a:ext cx="4572000" cy="2726872"/>
-          </p:xfrm>
-          <a:graphic>
-            <a:graphicData uri="http://schemas.openxmlformats.org/drawingml/2006/chart">
-              <c:chart xmlns:c="http://schemas.openxmlformats.org/drawingml/2006/chart" xmlns:r="http://schemas.openxmlformats.org/officeDocument/2006/relationships" r:id="rId3"/>
-            </a:graphicData>
-          </a:graphic>
-        </p:graphicFrame>
-        <p:graphicFrame>
-          <p:nvGraphicFramePr>
-            <p:cNvPr id="13" name="图表 12">
-              <a:extLst>
-                <a:ext uri="{FF2B5EF4-FFF2-40B4-BE49-F238E27FC236}">
-                  <a16:creationId xmlns:a16="http://schemas.microsoft.com/office/drawing/2014/main" id="{89924190-46B3-4646-B687-FF6F5E6D4122}"/>
-                </a:ext>
-              </a:extLst>
-            </p:cNvPr>
-            <p:cNvGraphicFramePr>
-              <a:graphicFrameLocks/>
-            </p:cNvGraphicFramePr>
-            <p:nvPr>
-              <p:extLst>
-                <p:ext uri="{D42A27DB-BD31-4B8C-83A1-F6EECF244321}">
-                  <p14:modId xmlns:p14="http://schemas.microsoft.com/office/powerpoint/2010/main" val="3787537649"/>
-                </p:ext>
-              </p:extLst>
-            </p:nvPr>
-          </p:nvGraphicFramePr>
-          <p:xfrm>
-            <a:off x="1066800" y="3635156"/>
-            <a:ext cx="4572000" cy="2726872"/>
-          </p:xfrm>
-          <a:graphic>
-            <a:graphicData uri="http://schemas.openxmlformats.org/drawingml/2006/chart">
-              <c:chart xmlns:c="http://schemas.openxmlformats.org/drawingml/2006/chart" xmlns:r="http://schemas.openxmlformats.org/officeDocument/2006/relationships" r:id="rId4"/>
-            </a:graphicData>
-          </a:graphic>
-        </p:graphicFrame>
-        <p:graphicFrame>
-          <p:nvGraphicFramePr>
-            <p:cNvPr id="14" name="图表 13">
-              <a:extLst>
-                <a:ext uri="{FF2B5EF4-FFF2-40B4-BE49-F238E27FC236}">
-                  <a16:creationId xmlns:a16="http://schemas.microsoft.com/office/drawing/2014/main" id="{B0A72361-C609-41C7-A359-94883F7B80D3}"/>
-                </a:ext>
-              </a:extLst>
-            </p:cNvPr>
-            <p:cNvGraphicFramePr>
-              <a:graphicFrameLocks/>
-            </p:cNvGraphicFramePr>
-            <p:nvPr>
-              <p:extLst>
-                <p:ext uri="{D42A27DB-BD31-4B8C-83A1-F6EECF244321}">
-                  <p14:modId xmlns:p14="http://schemas.microsoft.com/office/powerpoint/2010/main" val="1354919674"/>
-                </p:ext>
-              </p:extLst>
-            </p:nvPr>
-          </p:nvGraphicFramePr>
-          <p:xfrm>
-            <a:off x="6542314" y="3627536"/>
-            <a:ext cx="4572000" cy="2743200"/>
-          </p:xfrm>
-          <a:graphic>
-            <a:graphicData uri="http://schemas.openxmlformats.org/drawingml/2006/chart">
-              <c:chart xmlns:c="http://schemas.openxmlformats.org/drawingml/2006/chart" xmlns:r="http://schemas.openxmlformats.org/officeDocument/2006/relationships" r:id="rId5"/>
-            </a:graphicData>
-          </a:graphic>
-        </p:graphicFrame>
-      </p:grpSp>
+          <a:prstGeom prst="rect">
+            <a:avLst/>
+          </a:prstGeom>
+          <a:ln>
+            <a:solidFill>
+              <a:schemeClr val="bg1"/>
+            </a:solidFill>
+          </a:ln>
+        </p:spPr>
+        <p:style>
+          <a:lnRef idx="2">
+            <a:schemeClr val="dk1"/>
+          </a:lnRef>
+          <a:fillRef idx="1">
+            <a:schemeClr val="lt1"/>
+          </a:fillRef>
+          <a:effectRef idx="0">
+            <a:schemeClr val="dk1"/>
+          </a:effectRef>
+          <a:fontRef idx="minor">
+            <a:schemeClr val="dk1"/>
+          </a:fontRef>
+        </p:style>
+        <p:txBody>
+          <a:bodyPr rtlCol="0" anchor="ctr"/>
+          <a:lstStyle/>
+          <a:p>
+            <a:pPr algn="ctr"/>
+            <a:endParaRPr lang="zh-CN" altLang="en-US">
+              <a:latin typeface="Times New Roman" panose="02020603050405020304" pitchFamily="18" charset="0"/>
+              <a:cs typeface="Times New Roman" panose="02020603050405020304" pitchFamily="18" charset="0"/>
+            </a:endParaRPr>
+          </a:p>
+        </p:txBody>
+      </p:sp>
+      <p:graphicFrame>
+        <p:nvGraphicFramePr>
+          <p:cNvPr id="11" name="图表 10">
+            <a:extLst>
+              <a:ext uri="{FF2B5EF4-FFF2-40B4-BE49-F238E27FC236}">
+                <a16:creationId xmlns:a16="http://schemas.microsoft.com/office/drawing/2014/main" id="{A237C1B8-C739-45FB-9904-CB2DABDFE3EC}"/>
+              </a:ext>
+            </a:extLst>
+          </p:cNvPr>
+          <p:cNvGraphicFramePr>
+            <a:graphicFrameLocks/>
+          </p:cNvGraphicFramePr>
+          <p:nvPr>
+            <p:extLst>
+              <p:ext uri="{D42A27DB-BD31-4B8C-83A1-F6EECF244321}">
+                <p14:modId xmlns:p14="http://schemas.microsoft.com/office/powerpoint/2010/main" val="161141821"/>
+              </p:ext>
+            </p:extLst>
+          </p:nvPr>
+        </p:nvGraphicFramePr>
+        <p:xfrm>
+          <a:off x="1110342" y="487263"/>
+          <a:ext cx="4572000" cy="2729817"/>
+        </p:xfrm>
+        <a:graphic>
+          <a:graphicData uri="http://schemas.openxmlformats.org/drawingml/2006/chart">
+            <c:chart xmlns:c="http://schemas.openxmlformats.org/drawingml/2006/chart" xmlns:r="http://schemas.openxmlformats.org/officeDocument/2006/relationships" r:id="rId3"/>
+          </a:graphicData>
+        </a:graphic>
+      </p:graphicFrame>
+      <p:graphicFrame>
+        <p:nvGraphicFramePr>
+          <p:cNvPr id="12" name="图表 11">
+            <a:extLst>
+              <a:ext uri="{FF2B5EF4-FFF2-40B4-BE49-F238E27FC236}">
+                <a16:creationId xmlns:a16="http://schemas.microsoft.com/office/drawing/2014/main" id="{5677BC3C-6CBB-4EFF-86B1-5038B8FE758B}"/>
+              </a:ext>
+            </a:extLst>
+          </p:cNvPr>
+          <p:cNvGraphicFramePr>
+            <a:graphicFrameLocks/>
+          </p:cNvGraphicFramePr>
+          <p:nvPr>
+            <p:extLst>
+              <p:ext uri="{D42A27DB-BD31-4B8C-83A1-F6EECF244321}">
+                <p14:modId xmlns:p14="http://schemas.microsoft.com/office/powerpoint/2010/main" val="707711834"/>
+              </p:ext>
+            </p:extLst>
+          </p:nvPr>
+        </p:nvGraphicFramePr>
+        <p:xfrm>
+          <a:off x="6553200" y="500070"/>
+          <a:ext cx="4572000" cy="2726872"/>
+        </p:xfrm>
+        <a:graphic>
+          <a:graphicData uri="http://schemas.openxmlformats.org/drawingml/2006/chart">
+            <c:chart xmlns:c="http://schemas.openxmlformats.org/drawingml/2006/chart" xmlns:r="http://schemas.openxmlformats.org/officeDocument/2006/relationships" r:id="rId4"/>
+          </a:graphicData>
+        </a:graphic>
+      </p:graphicFrame>
+      <p:graphicFrame>
+        <p:nvGraphicFramePr>
+          <p:cNvPr id="13" name="图表 12">
+            <a:extLst>
+              <a:ext uri="{FF2B5EF4-FFF2-40B4-BE49-F238E27FC236}">
+                <a16:creationId xmlns:a16="http://schemas.microsoft.com/office/drawing/2014/main" id="{89924190-46B3-4646-B687-FF6F5E6D4122}"/>
+              </a:ext>
+            </a:extLst>
+          </p:cNvPr>
+          <p:cNvGraphicFramePr>
+            <a:graphicFrameLocks/>
+          </p:cNvGraphicFramePr>
+          <p:nvPr>
+            <p:extLst>
+              <p:ext uri="{D42A27DB-BD31-4B8C-83A1-F6EECF244321}">
+                <p14:modId xmlns:p14="http://schemas.microsoft.com/office/powerpoint/2010/main" val="1000861491"/>
+              </p:ext>
+            </p:extLst>
+          </p:nvPr>
+        </p:nvGraphicFramePr>
+        <p:xfrm>
+          <a:off x="1066800" y="3635156"/>
+          <a:ext cx="4572000" cy="2726872"/>
+        </p:xfrm>
+        <a:graphic>
+          <a:graphicData uri="http://schemas.openxmlformats.org/drawingml/2006/chart">
+            <c:chart xmlns:c="http://schemas.openxmlformats.org/drawingml/2006/chart" xmlns:r="http://schemas.openxmlformats.org/officeDocument/2006/relationships" r:id="rId5"/>
+          </a:graphicData>
+        </a:graphic>
+      </p:graphicFrame>
+      <p:graphicFrame>
+        <p:nvGraphicFramePr>
+          <p:cNvPr id="14" name="图表 13">
+            <a:extLst>
+              <a:ext uri="{FF2B5EF4-FFF2-40B4-BE49-F238E27FC236}">
+                <a16:creationId xmlns:a16="http://schemas.microsoft.com/office/drawing/2014/main" id="{B0A72361-C609-41C7-A359-94883F7B80D3}"/>
+              </a:ext>
+            </a:extLst>
+          </p:cNvPr>
+          <p:cNvGraphicFramePr>
+            <a:graphicFrameLocks/>
+          </p:cNvGraphicFramePr>
+          <p:nvPr>
+            <p:extLst>
+              <p:ext uri="{D42A27DB-BD31-4B8C-83A1-F6EECF244321}">
+                <p14:modId xmlns:p14="http://schemas.microsoft.com/office/powerpoint/2010/main" val="2597418186"/>
+              </p:ext>
+            </p:extLst>
+          </p:nvPr>
+        </p:nvGraphicFramePr>
+        <p:xfrm>
+          <a:off x="6542314" y="3627536"/>
+          <a:ext cx="4572000" cy="2743200"/>
+        </p:xfrm>
+        <a:graphic>
+          <a:graphicData uri="http://schemas.openxmlformats.org/drawingml/2006/chart">
+            <c:chart xmlns:c="http://schemas.openxmlformats.org/drawingml/2006/chart" xmlns:r="http://schemas.openxmlformats.org/officeDocument/2006/relationships" r:id="rId6"/>
+          </a:graphicData>
+        </a:graphic>
+      </p:graphicFrame>
+      <p:sp>
+        <p:nvSpPr>
+          <p:cNvPr id="4" name="文本框 3">
+            <a:extLst>
+              <a:ext uri="{FF2B5EF4-FFF2-40B4-BE49-F238E27FC236}">
+                <a16:creationId xmlns:a16="http://schemas.microsoft.com/office/drawing/2014/main" id="{F683FAFE-4111-46CF-B524-FDC2BDB453A8}"/>
+              </a:ext>
+            </a:extLst>
+          </p:cNvPr>
+          <p:cNvSpPr txBox="1"/>
+          <p:nvPr/>
+        </p:nvSpPr>
+        <p:spPr>
+          <a:xfrm>
+            <a:off x="3092100" y="3222011"/>
+            <a:ext cx="499621" cy="369332"/>
+          </a:xfrm>
+          <a:prstGeom prst="rect">
+            <a:avLst/>
+          </a:prstGeom>
+          <a:noFill/>
+        </p:spPr>
+        <p:txBody>
+          <a:bodyPr wrap="square" rtlCol="0">
+            <a:spAutoFit/>
+          </a:bodyPr>
+          <a:lstStyle/>
+          <a:p>
+            <a:r>
+              <a:rPr lang="en-US" altLang="zh-CN" dirty="0">
+                <a:latin typeface="Times New Roman" panose="02020603050405020304" pitchFamily="18" charset="0"/>
+                <a:cs typeface="Times New Roman" panose="02020603050405020304" pitchFamily="18" charset="0"/>
+              </a:rPr>
+              <a:t>(a)</a:t>
+            </a:r>
+            <a:endParaRPr lang="zh-CN" altLang="en-US" dirty="0">
+              <a:latin typeface="Times New Roman" panose="02020603050405020304" pitchFamily="18" charset="0"/>
+              <a:cs typeface="Times New Roman" panose="02020603050405020304" pitchFamily="18" charset="0"/>
+            </a:endParaRPr>
+          </a:p>
+        </p:txBody>
+      </p:sp>
+      <p:sp>
+        <p:nvSpPr>
+          <p:cNvPr id="17" name="文本框 16">
+            <a:extLst>
+              <a:ext uri="{FF2B5EF4-FFF2-40B4-BE49-F238E27FC236}">
+                <a16:creationId xmlns:a16="http://schemas.microsoft.com/office/drawing/2014/main" id="{C969F612-6FE8-457F-AC33-A4CF85760A55}"/>
+              </a:ext>
+            </a:extLst>
+          </p:cNvPr>
+          <p:cNvSpPr txBox="1"/>
+          <p:nvPr/>
+        </p:nvSpPr>
+        <p:spPr>
+          <a:xfrm>
+            <a:off x="8578503" y="3222011"/>
+            <a:ext cx="499621" cy="369332"/>
+          </a:xfrm>
+          <a:prstGeom prst="rect">
+            <a:avLst/>
+          </a:prstGeom>
+          <a:noFill/>
+        </p:spPr>
+        <p:txBody>
+          <a:bodyPr wrap="square" rtlCol="0">
+            <a:spAutoFit/>
+          </a:bodyPr>
+          <a:lstStyle/>
+          <a:p>
+            <a:r>
+              <a:rPr lang="en-US" altLang="zh-CN" dirty="0">
+                <a:latin typeface="Times New Roman" panose="02020603050405020304" pitchFamily="18" charset="0"/>
+                <a:cs typeface="Times New Roman" panose="02020603050405020304" pitchFamily="18" charset="0"/>
+              </a:rPr>
+              <a:t>(b)</a:t>
+            </a:r>
+            <a:endParaRPr lang="zh-CN" altLang="en-US" dirty="0">
+              <a:latin typeface="Times New Roman" panose="02020603050405020304" pitchFamily="18" charset="0"/>
+              <a:cs typeface="Times New Roman" panose="02020603050405020304" pitchFamily="18" charset="0"/>
+            </a:endParaRPr>
+          </a:p>
+        </p:txBody>
+      </p:sp>
+      <p:sp>
+        <p:nvSpPr>
+          <p:cNvPr id="19" name="文本框 18">
+            <a:extLst>
+              <a:ext uri="{FF2B5EF4-FFF2-40B4-BE49-F238E27FC236}">
+                <a16:creationId xmlns:a16="http://schemas.microsoft.com/office/drawing/2014/main" id="{B06E5C55-1962-4447-93D4-F421B1FD1E90}"/>
+              </a:ext>
+            </a:extLst>
+          </p:cNvPr>
+          <p:cNvSpPr txBox="1"/>
+          <p:nvPr/>
+        </p:nvSpPr>
+        <p:spPr>
+          <a:xfrm>
+            <a:off x="3102989" y="6368302"/>
+            <a:ext cx="499621" cy="369332"/>
+          </a:xfrm>
+          <a:prstGeom prst="rect">
+            <a:avLst/>
+          </a:prstGeom>
+          <a:noFill/>
+        </p:spPr>
+        <p:txBody>
+          <a:bodyPr wrap="square" rtlCol="0">
+            <a:spAutoFit/>
+          </a:bodyPr>
+          <a:lstStyle/>
+          <a:p>
+            <a:r>
+              <a:rPr lang="en-US" altLang="zh-CN" dirty="0">
+                <a:latin typeface="Times New Roman" panose="02020603050405020304" pitchFamily="18" charset="0"/>
+                <a:cs typeface="Times New Roman" panose="02020603050405020304" pitchFamily="18" charset="0"/>
+              </a:rPr>
+              <a:t>(c)</a:t>
+            </a:r>
+            <a:endParaRPr lang="zh-CN" altLang="en-US" dirty="0">
+              <a:latin typeface="Times New Roman" panose="02020603050405020304" pitchFamily="18" charset="0"/>
+              <a:cs typeface="Times New Roman" panose="02020603050405020304" pitchFamily="18" charset="0"/>
+            </a:endParaRPr>
+          </a:p>
+        </p:txBody>
+      </p:sp>
+      <p:sp>
+        <p:nvSpPr>
+          <p:cNvPr id="20" name="文本框 19">
+            <a:extLst>
+              <a:ext uri="{FF2B5EF4-FFF2-40B4-BE49-F238E27FC236}">
+                <a16:creationId xmlns:a16="http://schemas.microsoft.com/office/drawing/2014/main" id="{D46DFCBA-5D7C-4FA0-868F-E9CA9CB18F1F}"/>
+              </a:ext>
+            </a:extLst>
+          </p:cNvPr>
+          <p:cNvSpPr txBox="1"/>
+          <p:nvPr/>
+        </p:nvSpPr>
+        <p:spPr>
+          <a:xfrm>
+            <a:off x="8589392" y="6368302"/>
+            <a:ext cx="499621" cy="369332"/>
+          </a:xfrm>
+          <a:prstGeom prst="rect">
+            <a:avLst/>
+          </a:prstGeom>
+          <a:noFill/>
+        </p:spPr>
+        <p:txBody>
+          <a:bodyPr wrap="square" rtlCol="0">
+            <a:spAutoFit/>
+          </a:bodyPr>
+          <a:lstStyle/>
+          <a:p>
+            <a:r>
+              <a:rPr lang="en-US" altLang="zh-CN" dirty="0">
+                <a:latin typeface="Times New Roman" panose="02020603050405020304" pitchFamily="18" charset="0"/>
+                <a:cs typeface="Times New Roman" panose="02020603050405020304" pitchFamily="18" charset="0"/>
+              </a:rPr>
+              <a:t>(d)</a:t>
+            </a:r>
+            <a:endParaRPr lang="zh-CN" altLang="en-US" dirty="0">
+              <a:latin typeface="Times New Roman" panose="02020603050405020304" pitchFamily="18" charset="0"/>
+              <a:cs typeface="Times New Roman" panose="02020603050405020304" pitchFamily="18" charset="0"/>
+            </a:endParaRPr>
+          </a:p>
+        </p:txBody>
+      </p:sp>
     </p:spTree>
     <p:extLst>
       <p:ext uri="{BB962C8B-B14F-4D97-AF65-F5344CB8AC3E}">
@@ -15948,61 +16761,12 @@
         </p:nvGrpSpPr>
         <p:grpSpPr>
           <a:xfrm>
-            <a:off x="0" y="0"/>
-            <a:ext cx="12192000" cy="6858000"/>
-            <a:chOff x="0" y="0"/>
-            <a:chExt cx="12192000" cy="6858000"/>
+            <a:off x="768538" y="1889039"/>
+            <a:ext cx="10071265" cy="2865911"/>
+            <a:chOff x="1060367" y="1996044"/>
+            <a:chExt cx="10071265" cy="2865911"/>
           </a:xfrm>
         </p:grpSpPr>
-        <p:sp>
-          <p:nvSpPr>
-            <p:cNvPr id="6" name="矩形 5">
-              <a:extLst>
-                <a:ext uri="{FF2B5EF4-FFF2-40B4-BE49-F238E27FC236}">
-                  <a16:creationId xmlns:a16="http://schemas.microsoft.com/office/drawing/2014/main" id="{5F57D40F-2E2B-497D-9BB6-321E52B8E6DE}"/>
-                </a:ext>
-              </a:extLst>
-            </p:cNvPr>
-            <p:cNvSpPr/>
-            <p:nvPr/>
-          </p:nvSpPr>
-          <p:spPr>
-            <a:xfrm>
-              <a:off x="0" y="0"/>
-              <a:ext cx="12192000" cy="6858000"/>
-            </a:xfrm>
-            <a:prstGeom prst="rect">
-              <a:avLst/>
-            </a:prstGeom>
-            <a:ln>
-              <a:solidFill>
-                <a:schemeClr val="bg1"/>
-              </a:solidFill>
-            </a:ln>
-          </p:spPr>
-          <p:style>
-            <a:lnRef idx="2">
-              <a:schemeClr val="dk1"/>
-            </a:lnRef>
-            <a:fillRef idx="1">
-              <a:schemeClr val="lt1"/>
-            </a:fillRef>
-            <a:effectRef idx="0">
-              <a:schemeClr val="dk1"/>
-            </a:effectRef>
-            <a:fontRef idx="minor">
-              <a:schemeClr val="dk1"/>
-            </a:fontRef>
-          </p:style>
-          <p:txBody>
-            <a:bodyPr rtlCol="0" anchor="ctr"/>
-            <a:lstStyle/>
-            <a:p>
-              <a:pPr algn="ctr"/>
-              <a:endParaRPr lang="zh-CN" altLang="en-US"/>
-            </a:p>
-          </p:txBody>
-        </p:sp>
         <p:graphicFrame>
           <p:nvGraphicFramePr>
             <p:cNvPr id="4" name="图表 3">
@@ -16018,7 +16782,7 @@
             <p:nvPr>
               <p:extLst>
                 <p:ext uri="{D42A27DB-BD31-4B8C-83A1-F6EECF244321}">
-                  <p14:modId xmlns:p14="http://schemas.microsoft.com/office/powerpoint/2010/main" val="4177786908"/>
+                  <p14:modId xmlns:p14="http://schemas.microsoft.com/office/powerpoint/2010/main" val="593422785"/>
                 </p:ext>
               </p:extLst>
             </p:nvPr>
@@ -16048,7 +16812,7 @@
             <p:nvPr>
               <p:extLst>
                 <p:ext uri="{D42A27DB-BD31-4B8C-83A1-F6EECF244321}">
-                  <p14:modId xmlns:p14="http://schemas.microsoft.com/office/powerpoint/2010/main" val="4049470385"/>
+                  <p14:modId xmlns:p14="http://schemas.microsoft.com/office/powerpoint/2010/main" val="1469479547"/>
                 </p:ext>
               </p:extLst>
             </p:nvPr>
@@ -16155,7 +16919,13 @@
           <p:cNvGraphicFramePr>
             <a:graphicFrameLocks/>
           </p:cNvGraphicFramePr>
-          <p:nvPr/>
+          <p:nvPr>
+            <p:extLst>
+              <p:ext uri="{D42A27DB-BD31-4B8C-83A1-F6EECF244321}">
+                <p14:modId xmlns:p14="http://schemas.microsoft.com/office/powerpoint/2010/main" val="2316667695"/>
+              </p:ext>
+            </p:extLst>
+          </p:nvPr>
         </p:nvGraphicFramePr>
         <p:xfrm>
           <a:off x="1068433" y="2065564"/>
@@ -16179,7 +16949,13 @@
           <p:cNvGraphicFramePr>
             <a:graphicFrameLocks/>
           </p:cNvGraphicFramePr>
-          <p:nvPr/>
+          <p:nvPr>
+            <p:extLst>
+              <p:ext uri="{D42A27DB-BD31-4B8C-83A1-F6EECF244321}">
+                <p14:modId xmlns:p14="http://schemas.microsoft.com/office/powerpoint/2010/main" val="2355064271"/>
+              </p:ext>
+            </p:extLst>
+          </p:nvPr>
         </p:nvGraphicFramePr>
         <p:xfrm>
           <a:off x="6551567" y="2065565"/>
@@ -16191,6 +16967,90 @@
           </a:graphicData>
         </a:graphic>
       </p:graphicFrame>
+      <p:sp>
+        <p:nvSpPr>
+          <p:cNvPr id="7" name="文本框 6">
+            <a:extLst>
+              <a:ext uri="{FF2B5EF4-FFF2-40B4-BE49-F238E27FC236}">
+                <a16:creationId xmlns:a16="http://schemas.microsoft.com/office/drawing/2014/main" id="{C84E6D7C-C93E-4A66-BBAF-0ACBED82DBDF}"/>
+              </a:ext>
+            </a:extLst>
+          </p:cNvPr>
+          <p:cNvSpPr txBox="1"/>
+          <p:nvPr/>
+        </p:nvSpPr>
+        <p:spPr>
+          <a:xfrm>
+            <a:off x="3092100" y="4827079"/>
+            <a:ext cx="499621" cy="369332"/>
+          </a:xfrm>
+          <a:prstGeom prst="rect">
+            <a:avLst/>
+          </a:prstGeom>
+          <a:noFill/>
+        </p:spPr>
+        <p:txBody>
+          <a:bodyPr wrap="square" rtlCol="0">
+            <a:spAutoFit/>
+          </a:bodyPr>
+          <a:lstStyle/>
+          <a:p>
+            <a:r>
+              <a:rPr lang="en-US" altLang="zh-CN" dirty="0">
+                <a:latin typeface="Times New Roman" panose="02020603050405020304" pitchFamily="18" charset="0"/>
+                <a:cs typeface="Times New Roman" panose="02020603050405020304" pitchFamily="18" charset="0"/>
+              </a:rPr>
+              <a:t>(a)</a:t>
+            </a:r>
+            <a:endParaRPr lang="zh-CN" altLang="en-US" dirty="0">
+              <a:latin typeface="Times New Roman" panose="02020603050405020304" pitchFamily="18" charset="0"/>
+              <a:cs typeface="Times New Roman" panose="02020603050405020304" pitchFamily="18" charset="0"/>
+            </a:endParaRPr>
+          </a:p>
+        </p:txBody>
+      </p:sp>
+      <p:sp>
+        <p:nvSpPr>
+          <p:cNvPr id="8" name="文本框 7">
+            <a:extLst>
+              <a:ext uri="{FF2B5EF4-FFF2-40B4-BE49-F238E27FC236}">
+                <a16:creationId xmlns:a16="http://schemas.microsoft.com/office/drawing/2014/main" id="{D3C4935C-D5CF-409B-9200-6564B6528D7F}"/>
+              </a:ext>
+            </a:extLst>
+          </p:cNvPr>
+          <p:cNvSpPr txBox="1"/>
+          <p:nvPr/>
+        </p:nvSpPr>
+        <p:spPr>
+          <a:xfrm>
+            <a:off x="8578503" y="4827079"/>
+            <a:ext cx="499621" cy="369332"/>
+          </a:xfrm>
+          <a:prstGeom prst="rect">
+            <a:avLst/>
+          </a:prstGeom>
+          <a:noFill/>
+        </p:spPr>
+        <p:txBody>
+          <a:bodyPr wrap="square" rtlCol="0">
+            <a:spAutoFit/>
+          </a:bodyPr>
+          <a:lstStyle/>
+          <a:p>
+            <a:r>
+              <a:rPr lang="en-US" altLang="zh-CN" dirty="0">
+                <a:latin typeface="Times New Roman" panose="02020603050405020304" pitchFamily="18" charset="0"/>
+                <a:cs typeface="Times New Roman" panose="02020603050405020304" pitchFamily="18" charset="0"/>
+              </a:rPr>
+              <a:t>(b)</a:t>
+            </a:r>
+            <a:endParaRPr lang="zh-CN" altLang="en-US" dirty="0">
+              <a:latin typeface="Times New Roman" panose="02020603050405020304" pitchFamily="18" charset="0"/>
+              <a:cs typeface="Times New Roman" panose="02020603050405020304" pitchFamily="18" charset="0"/>
+            </a:endParaRPr>
+          </a:p>
+        </p:txBody>
+      </p:sp>
     </p:spTree>
     <p:extLst>
       <p:ext uri="{BB962C8B-B14F-4D97-AF65-F5344CB8AC3E}">
@@ -16221,55 +17081,6 @@
           <a:chExt cx="0" cy="0"/>
         </a:xfrm>
       </p:grpSpPr>
-      <p:sp>
-        <p:nvSpPr>
-          <p:cNvPr id="6" name="矩形 5">
-            <a:extLst>
-              <a:ext uri="{FF2B5EF4-FFF2-40B4-BE49-F238E27FC236}">
-                <a16:creationId xmlns:a16="http://schemas.microsoft.com/office/drawing/2014/main" id="{9B2984EA-C2AA-425C-B337-54F96B12D21B}"/>
-              </a:ext>
-            </a:extLst>
-          </p:cNvPr>
-          <p:cNvSpPr/>
-          <p:nvPr/>
-        </p:nvSpPr>
-        <p:spPr>
-          <a:xfrm>
-            <a:off x="0" y="0"/>
-            <a:ext cx="12192000" cy="6858000"/>
-          </a:xfrm>
-          <a:prstGeom prst="rect">
-            <a:avLst/>
-          </a:prstGeom>
-          <a:ln>
-            <a:solidFill>
-              <a:schemeClr val="bg1"/>
-            </a:solidFill>
-          </a:ln>
-        </p:spPr>
-        <p:style>
-          <a:lnRef idx="2">
-            <a:schemeClr val="dk1"/>
-          </a:lnRef>
-          <a:fillRef idx="1">
-            <a:schemeClr val="lt1"/>
-          </a:fillRef>
-          <a:effectRef idx="0">
-            <a:schemeClr val="dk1"/>
-          </a:effectRef>
-          <a:fontRef idx="minor">
-            <a:schemeClr val="dk1"/>
-          </a:fontRef>
-        </p:style>
-        <p:txBody>
-          <a:bodyPr rtlCol="0" anchor="ctr"/>
-          <a:lstStyle/>
-          <a:p>
-            <a:pPr algn="ctr"/>
-            <a:endParaRPr lang="zh-CN" altLang="en-US"/>
-          </a:p>
-        </p:txBody>
-      </p:sp>
       <p:graphicFrame>
         <p:nvGraphicFramePr>
           <p:cNvPr id="5" name="图表 4">
@@ -16282,7 +17093,13 @@
           <p:cNvGraphicFramePr>
             <a:graphicFrameLocks/>
           </p:cNvGraphicFramePr>
-          <p:nvPr/>
+          <p:nvPr>
+            <p:extLst>
+              <p:ext uri="{D42A27DB-BD31-4B8C-83A1-F6EECF244321}">
+                <p14:modId xmlns:p14="http://schemas.microsoft.com/office/powerpoint/2010/main" val="2556923374"/>
+              </p:ext>
+            </p:extLst>
+          </p:nvPr>
         </p:nvGraphicFramePr>
         <p:xfrm>
           <a:off x="1062990" y="2053590"/>
@@ -16306,7 +17123,13 @@
           <p:cNvGraphicFramePr>
             <a:graphicFrameLocks/>
           </p:cNvGraphicFramePr>
-          <p:nvPr/>
+          <p:nvPr>
+            <p:extLst>
+              <p:ext uri="{D42A27DB-BD31-4B8C-83A1-F6EECF244321}">
+                <p14:modId xmlns:p14="http://schemas.microsoft.com/office/powerpoint/2010/main" val="2484093946"/>
+              </p:ext>
+            </p:extLst>
+          </p:nvPr>
         </p:nvGraphicFramePr>
         <p:xfrm>
           <a:off x="6557010" y="2061210"/>
@@ -16318,6 +17141,90 @@
           </a:graphicData>
         </a:graphic>
       </p:graphicFrame>
+      <p:sp>
+        <p:nvSpPr>
+          <p:cNvPr id="8" name="文本框 7">
+            <a:extLst>
+              <a:ext uri="{FF2B5EF4-FFF2-40B4-BE49-F238E27FC236}">
+                <a16:creationId xmlns:a16="http://schemas.microsoft.com/office/drawing/2014/main" id="{A4636E50-BB87-40DC-9624-D2829C73A8C4}"/>
+              </a:ext>
+            </a:extLst>
+          </p:cNvPr>
+          <p:cNvSpPr txBox="1"/>
+          <p:nvPr/>
+        </p:nvSpPr>
+        <p:spPr>
+          <a:xfrm>
+            <a:off x="3092100" y="4827079"/>
+            <a:ext cx="499621" cy="369332"/>
+          </a:xfrm>
+          <a:prstGeom prst="rect">
+            <a:avLst/>
+          </a:prstGeom>
+          <a:noFill/>
+        </p:spPr>
+        <p:txBody>
+          <a:bodyPr wrap="square" rtlCol="0">
+            <a:spAutoFit/>
+          </a:bodyPr>
+          <a:lstStyle/>
+          <a:p>
+            <a:r>
+              <a:rPr lang="en-US" altLang="zh-CN" dirty="0">
+                <a:latin typeface="Times New Roman" panose="02020603050405020304" pitchFamily="18" charset="0"/>
+                <a:cs typeface="Times New Roman" panose="02020603050405020304" pitchFamily="18" charset="0"/>
+              </a:rPr>
+              <a:t>(a)</a:t>
+            </a:r>
+            <a:endParaRPr lang="zh-CN" altLang="en-US" dirty="0">
+              <a:latin typeface="Times New Roman" panose="02020603050405020304" pitchFamily="18" charset="0"/>
+              <a:cs typeface="Times New Roman" panose="02020603050405020304" pitchFamily="18" charset="0"/>
+            </a:endParaRPr>
+          </a:p>
+        </p:txBody>
+      </p:sp>
+      <p:sp>
+        <p:nvSpPr>
+          <p:cNvPr id="9" name="文本框 8">
+            <a:extLst>
+              <a:ext uri="{FF2B5EF4-FFF2-40B4-BE49-F238E27FC236}">
+                <a16:creationId xmlns:a16="http://schemas.microsoft.com/office/drawing/2014/main" id="{EFF1F27C-BF31-4200-A69A-E57AA27DA4A4}"/>
+              </a:ext>
+            </a:extLst>
+          </p:cNvPr>
+          <p:cNvSpPr txBox="1"/>
+          <p:nvPr/>
+        </p:nvSpPr>
+        <p:spPr>
+          <a:xfrm>
+            <a:off x="8578503" y="4827079"/>
+            <a:ext cx="499621" cy="369332"/>
+          </a:xfrm>
+          <a:prstGeom prst="rect">
+            <a:avLst/>
+          </a:prstGeom>
+          <a:noFill/>
+        </p:spPr>
+        <p:txBody>
+          <a:bodyPr wrap="square" rtlCol="0">
+            <a:spAutoFit/>
+          </a:bodyPr>
+          <a:lstStyle/>
+          <a:p>
+            <a:r>
+              <a:rPr lang="en-US" altLang="zh-CN" dirty="0">
+                <a:latin typeface="Times New Roman" panose="02020603050405020304" pitchFamily="18" charset="0"/>
+                <a:cs typeface="Times New Roman" panose="02020603050405020304" pitchFamily="18" charset="0"/>
+              </a:rPr>
+              <a:t>(b)</a:t>
+            </a:r>
+            <a:endParaRPr lang="zh-CN" altLang="en-US" dirty="0">
+              <a:latin typeface="Times New Roman" panose="02020603050405020304" pitchFamily="18" charset="0"/>
+              <a:cs typeface="Times New Roman" panose="02020603050405020304" pitchFamily="18" charset="0"/>
+            </a:endParaRPr>
+          </a:p>
+        </p:txBody>
+      </p:sp>
     </p:spTree>
     <p:extLst>
       <p:ext uri="{BB962C8B-B14F-4D97-AF65-F5344CB8AC3E}">
@@ -16624,4 +17531,299 @@
     </a:ext>
   </a:extLst>
 </a:theme>
+</file>
+
+<file path=ppt/theme/theme2.xml><?xml version="1.0" encoding="utf-8"?>
+<a:theme xmlns:a="http://schemas.openxmlformats.org/drawingml/2006/main" name="Office 主题​​">
+  <a:themeElements>
+    <a:clrScheme name="Office">
+      <a:dk1>
+        <a:sysClr val="windowText" lastClr="000000"/>
+      </a:dk1>
+      <a:lt1>
+        <a:sysClr val="window" lastClr="FFFFFF"/>
+      </a:lt1>
+      <a:dk2>
+        <a:srgbClr val="44546A"/>
+      </a:dk2>
+      <a:lt2>
+        <a:srgbClr val="E7E6E6"/>
+      </a:lt2>
+      <a:accent1>
+        <a:srgbClr val="4472C4"/>
+      </a:accent1>
+      <a:accent2>
+        <a:srgbClr val="ED7D31"/>
+      </a:accent2>
+      <a:accent3>
+        <a:srgbClr val="A5A5A5"/>
+      </a:accent3>
+      <a:accent4>
+        <a:srgbClr val="FFC000"/>
+      </a:accent4>
+      <a:accent5>
+        <a:srgbClr val="5B9BD5"/>
+      </a:accent5>
+      <a:accent6>
+        <a:srgbClr val="70AD47"/>
+      </a:accent6>
+      <a:hlink>
+        <a:srgbClr val="0563C1"/>
+      </a:hlink>
+      <a:folHlink>
+        <a:srgbClr val="954F72"/>
+      </a:folHlink>
+    </a:clrScheme>
+    <a:fontScheme name="Office">
+      <a:majorFont>
+        <a:latin typeface="等线 Light" panose="020F0302020204030204"/>
+        <a:ea typeface=""/>
+        <a:cs typeface=""/>
+        <a:font script="Jpan" typeface="游ゴシック Light"/>
+        <a:font script="Hang" typeface="맑은 고딕"/>
+        <a:font script="Hans" typeface="等线 Light"/>
+        <a:font script="Hant" typeface="新細明體"/>
+        <a:font script="Arab" typeface="Times New Roman"/>
+        <a:font script="Hebr" typeface="Times New Roman"/>
+        <a:font script="Thai" typeface="Angsana New"/>
+        <a:font script="Ethi" typeface="Nyala"/>
+        <a:font script="Beng" typeface="Vrinda"/>
+        <a:font script="Gujr" typeface="Shruti"/>
+        <a:font script="Khmr" typeface="MoolBoran"/>
+        <a:font script="Knda" typeface="Tunga"/>
+        <a:font script="Guru" typeface="Raavi"/>
+        <a:font script="Cans" typeface="Euphemia"/>
+        <a:font script="Cher" typeface="Plantagenet Cherokee"/>
+        <a:font script="Yiii" typeface="Microsoft Yi Baiti"/>
+        <a:font script="Tibt" typeface="Microsoft Himalaya"/>
+        <a:font script="Thaa" typeface="MV Boli"/>
+        <a:font script="Deva" typeface="Mangal"/>
+        <a:font script="Telu" typeface="Gautami"/>
+        <a:font script="Taml" typeface="Latha"/>
+        <a:font script="Syrc" typeface="Estrangelo Edessa"/>
+        <a:font script="Orya" typeface="Kalinga"/>
+        <a:font script="Mlym" typeface="Kartika"/>
+        <a:font script="Laoo" typeface="DokChampa"/>
+        <a:font script="Sinh" typeface="Iskoola Pota"/>
+        <a:font script="Mong" typeface="Mongolian Baiti"/>
+        <a:font script="Viet" typeface="Times New Roman"/>
+        <a:font script="Uigh" typeface="Microsoft Uighur"/>
+        <a:font script="Geor" typeface="Sylfaen"/>
+        <a:font script="Armn" typeface="Arial"/>
+        <a:font script="Bugi" typeface="Leelawadee UI"/>
+        <a:font script="Bopo" typeface="Microsoft JhengHei"/>
+        <a:font script="Java" typeface="Javanese Text"/>
+        <a:font script="Lisu" typeface="Segoe UI"/>
+        <a:font script="Mymr" typeface="Myanmar Text"/>
+        <a:font script="Nkoo" typeface="Ebrima"/>
+        <a:font script="Olck" typeface="Nirmala UI"/>
+        <a:font script="Osma" typeface="Ebrima"/>
+        <a:font script="Phag" typeface="Phagspa"/>
+        <a:font script="Syrn" typeface="Estrangelo Edessa"/>
+        <a:font script="Syrj" typeface="Estrangelo Edessa"/>
+        <a:font script="Syre" typeface="Estrangelo Edessa"/>
+        <a:font script="Sora" typeface="Nirmala UI"/>
+        <a:font script="Tale" typeface="Microsoft Tai Le"/>
+        <a:font script="Talu" typeface="Microsoft New Tai Lue"/>
+        <a:font script="Tfng" typeface="Ebrima"/>
+      </a:majorFont>
+      <a:minorFont>
+        <a:latin typeface="等线" panose="020F0502020204030204"/>
+        <a:ea typeface=""/>
+        <a:cs typeface=""/>
+        <a:font script="Jpan" typeface="游ゴシック"/>
+        <a:font script="Hang" typeface="맑은 고딕"/>
+        <a:font script="Hans" typeface="等线"/>
+        <a:font script="Hant" typeface="新細明體"/>
+        <a:font script="Arab" typeface="Arial"/>
+        <a:font script="Hebr" typeface="Arial"/>
+        <a:font script="Thai" typeface="Cordia New"/>
+        <a:font script="Ethi" typeface="Nyala"/>
+        <a:font script="Beng" typeface="Vrinda"/>
+        <a:font script="Gujr" typeface="Shruti"/>
+        <a:font script="Khmr" typeface="DaunPenh"/>
+        <a:font script="Knda" typeface="Tunga"/>
+        <a:font script="Guru" typeface="Raavi"/>
+        <a:font script="Cans" typeface="Euphemia"/>
+        <a:font script="Cher" typeface="Plantagenet Cherokee"/>
+        <a:font script="Yiii" typeface="Microsoft Yi Baiti"/>
+        <a:font script="Tibt" typeface="Microsoft Himalaya"/>
+        <a:font script="Thaa" typeface="MV Boli"/>
+        <a:font script="Deva" typeface="Mangal"/>
+        <a:font script="Telu" typeface="Gautami"/>
+        <a:font script="Taml" typeface="Latha"/>
+        <a:font script="Syrc" typeface="Estrangelo Edessa"/>
+        <a:font script="Orya" typeface="Kalinga"/>
+        <a:font script="Mlym" typeface="Kartika"/>
+        <a:font script="Laoo" typeface="DokChampa"/>
+        <a:font script="Sinh" typeface="Iskoola Pota"/>
+        <a:font script="Mong" typeface="Mongolian Baiti"/>
+        <a:font script="Viet" typeface="Arial"/>
+        <a:font script="Uigh" typeface="Microsoft Uighur"/>
+        <a:font script="Geor" typeface="Sylfaen"/>
+        <a:font script="Armn" typeface="Arial"/>
+        <a:font script="Bugi" typeface="Leelawadee UI"/>
+        <a:font script="Bopo" typeface="Microsoft JhengHei"/>
+        <a:font script="Java" typeface="Javanese Text"/>
+        <a:font script="Lisu" typeface="Segoe UI"/>
+        <a:font script="Mymr" typeface="Myanmar Text"/>
+        <a:font script="Nkoo" typeface="Ebrima"/>
+        <a:font script="Olck" typeface="Nirmala UI"/>
+        <a:font script="Osma" typeface="Ebrima"/>
+        <a:font script="Phag" typeface="Phagspa"/>
+        <a:font script="Syrn" typeface="Estrangelo Edessa"/>
+        <a:font script="Syrj" typeface="Estrangelo Edessa"/>
+        <a:font script="Syre" typeface="Estrangelo Edessa"/>
+        <a:font script="Sora" typeface="Nirmala UI"/>
+        <a:font script="Tale" typeface="Microsoft Tai Le"/>
+        <a:font script="Talu" typeface="Microsoft New Tai Lue"/>
+        <a:font script="Tfng" typeface="Ebrima"/>
+      </a:minorFont>
+    </a:fontScheme>
+    <a:fmtScheme name="Office">
+      <a:fillStyleLst>
+        <a:solidFill>
+          <a:schemeClr val="phClr"/>
+        </a:solidFill>
+        <a:gradFill rotWithShape="1">
+          <a:gsLst>
+            <a:gs pos="0">
+              <a:schemeClr val="phClr">
+                <a:lumMod val="110000"/>
+                <a:satMod val="105000"/>
+                <a:tint val="67000"/>
+              </a:schemeClr>
+            </a:gs>
+            <a:gs pos="50000">
+              <a:schemeClr val="phClr">
+                <a:lumMod val="105000"/>
+                <a:satMod val="103000"/>
+                <a:tint val="73000"/>
+              </a:schemeClr>
+            </a:gs>
+            <a:gs pos="100000">
+              <a:schemeClr val="phClr">
+                <a:lumMod val="105000"/>
+                <a:satMod val="109000"/>
+                <a:tint val="81000"/>
+              </a:schemeClr>
+            </a:gs>
+          </a:gsLst>
+          <a:lin ang="5400000" scaled="0"/>
+        </a:gradFill>
+        <a:gradFill rotWithShape="1">
+          <a:gsLst>
+            <a:gs pos="0">
+              <a:schemeClr val="phClr">
+                <a:satMod val="103000"/>
+                <a:lumMod val="102000"/>
+                <a:tint val="94000"/>
+              </a:schemeClr>
+            </a:gs>
+            <a:gs pos="50000">
+              <a:schemeClr val="phClr">
+                <a:satMod val="110000"/>
+                <a:lumMod val="100000"/>
+                <a:shade val="100000"/>
+              </a:schemeClr>
+            </a:gs>
+            <a:gs pos="100000">
+              <a:schemeClr val="phClr">
+                <a:lumMod val="99000"/>
+                <a:satMod val="120000"/>
+                <a:shade val="78000"/>
+              </a:schemeClr>
+            </a:gs>
+          </a:gsLst>
+          <a:lin ang="5400000" scaled="0"/>
+        </a:gradFill>
+      </a:fillStyleLst>
+      <a:lnStyleLst>
+        <a:ln w="6350" cap="flat" cmpd="sng" algn="ctr">
+          <a:solidFill>
+            <a:schemeClr val="phClr"/>
+          </a:solidFill>
+          <a:prstDash val="solid"/>
+          <a:miter lim="800000"/>
+        </a:ln>
+        <a:ln w="12700" cap="flat" cmpd="sng" algn="ctr">
+          <a:solidFill>
+            <a:schemeClr val="phClr"/>
+          </a:solidFill>
+          <a:prstDash val="solid"/>
+          <a:miter lim="800000"/>
+        </a:ln>
+        <a:ln w="19050" cap="flat" cmpd="sng" algn="ctr">
+          <a:solidFill>
+            <a:schemeClr val="phClr"/>
+          </a:solidFill>
+          <a:prstDash val="solid"/>
+          <a:miter lim="800000"/>
+        </a:ln>
+      </a:lnStyleLst>
+      <a:effectStyleLst>
+        <a:effectStyle>
+          <a:effectLst/>
+        </a:effectStyle>
+        <a:effectStyle>
+          <a:effectLst/>
+        </a:effectStyle>
+        <a:effectStyle>
+          <a:effectLst>
+            <a:outerShdw blurRad="57150" dist="19050" dir="5400000" algn="ctr" rotWithShape="0">
+              <a:srgbClr val="000000">
+                <a:alpha val="63000"/>
+              </a:srgbClr>
+            </a:outerShdw>
+          </a:effectLst>
+        </a:effectStyle>
+      </a:effectStyleLst>
+      <a:bgFillStyleLst>
+        <a:solidFill>
+          <a:schemeClr val="phClr"/>
+        </a:solidFill>
+        <a:solidFill>
+          <a:schemeClr val="phClr">
+            <a:tint val="95000"/>
+            <a:satMod val="170000"/>
+          </a:schemeClr>
+        </a:solidFill>
+        <a:gradFill rotWithShape="1">
+          <a:gsLst>
+            <a:gs pos="0">
+              <a:schemeClr val="phClr">
+                <a:tint val="93000"/>
+                <a:satMod val="150000"/>
+                <a:shade val="98000"/>
+                <a:lumMod val="102000"/>
+              </a:schemeClr>
+            </a:gs>
+            <a:gs pos="50000">
+              <a:schemeClr val="phClr">
+                <a:tint val="98000"/>
+                <a:satMod val="130000"/>
+                <a:shade val="90000"/>
+                <a:lumMod val="103000"/>
+              </a:schemeClr>
+            </a:gs>
+            <a:gs pos="100000">
+              <a:schemeClr val="phClr">
+                <a:shade val="63000"/>
+                <a:satMod val="120000"/>
+              </a:schemeClr>
+            </a:gs>
+          </a:gsLst>
+          <a:lin ang="5400000" scaled="0"/>
+        </a:gradFill>
+      </a:bgFillStyleLst>
+    </a:fmtScheme>
+  </a:themeElements>
+  <a:objectDefaults/>
+  <a:extraClrSchemeLst/>
+  <a:extLst>
+    <a:ext uri="{05A4C25C-085E-4340-85A3-A5531E510DB2}">
+      <thm15:themeFamily xmlns:thm15="http://schemas.microsoft.com/office/thememl/2012/main" name="Office Theme" id="{62F939B6-93AF-4DB8-9C6B-D6C7DFDC589F}" vid="{4A3C46E8-61CC-4603-A589-7422A47A8E4A}"/>
+    </a:ext>
+  </a:extLst>
+</a:theme>
 </file>